--- a/02_validation_layer.pptx
+++ b/02_validation_layer.pptx
@@ -9,6 +9,30 @@
     <p:sldId id="257" r:id="rId4"/>
     <p:sldId id="258" r:id="rId5"/>
     <p:sldId id="259" r:id="rId6"/>
+    <p:sldId id="260" r:id="rId7"/>
+    <p:sldId id="261" r:id="rId8"/>
+    <p:sldId id="262" r:id="rId9"/>
+    <p:sldId id="263" r:id="rId10"/>
+    <p:sldId id="264" r:id="rId11"/>
+    <p:sldId id="265" r:id="rId12"/>
+    <p:sldId id="266" r:id="rId13"/>
+    <p:sldId id="267" r:id="rId14"/>
+    <p:sldId id="268" r:id="rId15"/>
+    <p:sldId id="269" r:id="rId16"/>
+    <p:sldId id="270" r:id="rId17"/>
+    <p:sldId id="271" r:id="rId18"/>
+    <p:sldId id="272" r:id="rId19"/>
+    <p:sldId id="273" r:id="rId20"/>
+    <p:sldId id="274" r:id="rId21"/>
+    <p:sldId id="275" r:id="rId22"/>
+    <p:sldId id="276" r:id="rId23"/>
+    <p:sldId id="277" r:id="rId24"/>
+    <p:sldId id="278" r:id="rId25"/>
+    <p:sldId id="279" r:id="rId26"/>
+    <p:sldId id="280" r:id="rId27"/>
+    <p:sldId id="281" r:id="rId28"/>
+    <p:sldId id="282" r:id="rId29"/>
+    <p:sldId id="283" r:id="rId30"/>
   </p:sldIdLst>
   <p:sldSz cx="9144000" cy="6858000"/>
   <p:notesSz cx="7772400" cy="10058400"/>
@@ -66,7 +90,7 @@
         <p:txBody>
           <a:bodyPr/>
           <a:p>
-            <a:fld id="{59661B7D-1EBC-48DD-B7D9-7E6A8F0A164D}" type="slidenum">
+            <a:fld id="{BDB59356-D005-4468-856B-83DD51D5503A}" type="slidenum">
               <a:t>&lt;#&gt;</a:t>
             </a:fld>
           </a:p>
@@ -254,7 +278,7 @@
         <p:txBody>
           <a:bodyPr/>
           <a:p>
-            <a:fld id="{0783301E-700E-438C-B5FE-1ACF38B9DA02}" type="slidenum">
+            <a:fld id="{899643FD-7D31-4A0A-BA3C-AFD0CA2EFE41}" type="slidenum">
               <a:t>&lt;#&gt;</a:t>
             </a:fld>
           </a:p>
@@ -510,7 +534,7 @@
         <p:txBody>
           <a:bodyPr/>
           <a:p>
-            <a:fld id="{BDE7CFB6-1641-420B-9EDE-71CB61C66D94}" type="slidenum">
+            <a:fld id="{02D0DE62-BDA8-412C-8C1A-0DCA7E07BB0B}" type="slidenum">
               <a:t>&lt;#&gt;</a:t>
             </a:fld>
           </a:p>
@@ -834,7 +858,7 @@
         <p:txBody>
           <a:bodyPr/>
           <a:p>
-            <a:fld id="{5C4AEBF8-AE84-427F-A818-5E48EC4A90A4}" type="slidenum">
+            <a:fld id="{3FAB9FC3-F53F-4CF3-B8EB-F519D9CAB0EA}" type="slidenum">
               <a:t>&lt;#&gt;</a:t>
             </a:fld>
           </a:p>
@@ -991,7 +1015,7 @@
         <p:txBody>
           <a:bodyPr/>
           <a:p>
-            <a:fld id="{E152912D-F68D-4F96-8638-D64779FB0139}" type="slidenum">
+            <a:fld id="{3314DD2F-2438-418A-B5E6-B2CE65EDB658}" type="slidenum">
               <a:t>&lt;#&gt;</a:t>
             </a:fld>
           </a:p>
@@ -1145,7 +1169,7 @@
         <p:txBody>
           <a:bodyPr/>
           <a:p>
-            <a:fld id="{D5D08EE5-B57F-4A6D-B795-48135E8DEC51}" type="slidenum">
+            <a:fld id="{9679C6FD-2289-4D88-8CE8-FF3D7BFC1F19}" type="slidenum">
               <a:t>&lt;#&gt;</a:t>
             </a:fld>
           </a:p>
@@ -1333,7 +1357,7 @@
         <p:txBody>
           <a:bodyPr/>
           <a:p>
-            <a:fld id="{81B03707-2386-425C-B41B-BB2E9FD8FE61}" type="slidenum">
+            <a:fld id="{15404BC0-580E-47EC-AE1F-BC1FD1C4EC47}" type="slidenum">
               <a:t>&lt;#&gt;</a:t>
             </a:fld>
           </a:p>
@@ -1453,7 +1477,7 @@
         <p:txBody>
           <a:bodyPr/>
           <a:p>
-            <a:fld id="{85FCFC47-D3FB-40F8-BDE9-0EAD8A60C09E}" type="slidenum">
+            <a:fld id="{B9A73069-932D-4474-B22A-A8535938CE12}" type="slidenum">
               <a:t>&lt;#&gt;</a:t>
             </a:fld>
           </a:p>
@@ -1573,7 +1597,7 @@
         <p:txBody>
           <a:bodyPr/>
           <a:p>
-            <a:fld id="{236B34C9-FF92-4D9D-A8E2-C8EA998CEDC8}" type="slidenum">
+            <a:fld id="{C29B1BB8-C863-4E2A-B72A-62203E946D3A}" type="slidenum">
               <a:t>&lt;#&gt;</a:t>
             </a:fld>
           </a:p>
@@ -1795,7 +1819,7 @@
         <p:txBody>
           <a:bodyPr/>
           <a:p>
-            <a:fld id="{156729AA-9D25-4C9A-A7E4-A5DBFE260510}" type="slidenum">
+            <a:fld id="{41F5EBD9-9112-4A9A-B84C-17E5FBE6D88C}" type="slidenum">
               <a:t>&lt;#&gt;</a:t>
             </a:fld>
           </a:p>
@@ -2017,7 +2041,7 @@
         <p:txBody>
           <a:bodyPr/>
           <a:p>
-            <a:fld id="{D3DFE3F0-458D-46CB-91C3-7DF82DE08018}" type="slidenum">
+            <a:fld id="{11CB7C04-BE5D-4E67-B34E-598A979B2A21}" type="slidenum">
               <a:t>&lt;#&gt;</a:t>
             </a:fld>
           </a:p>
@@ -2239,7 +2263,7 @@
         <p:txBody>
           <a:bodyPr/>
           <a:p>
-            <a:fld id="{66411029-4AC0-4D8A-AA19-A3E81F6D08D4}" type="slidenum">
+            <a:fld id="{43706061-EF87-4DA0-A725-ECF35699525C}" type="slidenum">
               <a:t>&lt;#&gt;</a:t>
             </a:fld>
           </a:p>
@@ -2308,7 +2332,7 @@
         <p:spPr>
           <a:xfrm>
             <a:off x="3124080" y="6356520"/>
-            <a:ext cx="2892600" cy="362160"/>
+            <a:ext cx="2891880" cy="361440"/>
           </a:xfrm>
           <a:prstGeom prst="rect">
             <a:avLst/>
@@ -2365,7 +2389,7 @@
         <p:spPr>
           <a:xfrm>
             <a:off x="6553080" y="6356520"/>
-            <a:ext cx="2130840" cy="362160"/>
+            <a:ext cx="2130120" cy="361440"/>
           </a:xfrm>
           <a:prstGeom prst="rect">
             <a:avLst/>
@@ -2400,7 +2424,7 @@
               </a:lnSpc>
               <a:buNone/>
             </a:pPr>
-            <a:fld id="{03886F58-9236-4B8E-81D4-41EDD9DD7DE2}" type="slidenum">
+            <a:fld id="{4F339ADA-C09C-4AAB-9571-2601D3AA80E1}" type="slidenum">
               <a:rPr b="0" lang="en-US" sz="1200" spc="-1" strike="noStrike">
                 <a:solidFill>
                   <a:srgbClr val="8b8b8b"/>
@@ -2428,7 +2452,7 @@
         <p:spPr>
           <a:xfrm>
             <a:off x="457200" y="6356520"/>
-            <a:ext cx="2130840" cy="362160"/>
+            <a:ext cx="2130120" cy="361440"/>
           </a:xfrm>
           <a:prstGeom prst="rect">
             <a:avLst/>
@@ -2738,7 +2762,7 @@
         <p:spPr>
           <a:xfrm>
             <a:off x="0" y="2130480"/>
-            <a:ext cx="9141120" cy="1467000"/>
+            <a:ext cx="9140400" cy="1466280"/>
           </a:xfrm>
           <a:prstGeom prst="rect">
             <a:avLst/>
@@ -2789,7 +2813,7 @@
         <p:spPr>
           <a:xfrm>
             <a:off x="1259640" y="4581000"/>
-            <a:ext cx="6397920" cy="691920"/>
+            <a:ext cx="6397200" cy="691200"/>
           </a:xfrm>
           <a:prstGeom prst="rect">
             <a:avLst/>
@@ -2844,7 +2868,7 @@
         <p:spPr>
           <a:xfrm>
             <a:off x="3564000" y="3707280"/>
-            <a:ext cx="1611000" cy="849960"/>
+            <a:ext cx="1610280" cy="849240"/>
           </a:xfrm>
           <a:prstGeom prst="rect">
             <a:avLst/>
@@ -2868,7 +2892,7 @@
         <p:txBody>
           <a:bodyPr/>
           <a:p>
-            <a:fld id="{0CFE7435-0F1D-49EA-9F76-61971A100F13}" type="slidenum">
+            <a:fld id="{ECB26E5C-E719-4F09-A1D7-46AC43395FE2}" type="slidenum">
               <a:t>1</a:t>
             </a:fld>
           </a:p>
@@ -2888,9 +2912,2631 @@
         <p:txBody>
           <a:bodyPr/>
           <a:p>
-            <a:fld id="{F27E0E19-405D-46C7-BD37-0BD50561A40E}" type="datetime1">
+            <a:fld id="{EE6AD863-BE9C-4E63-AFB7-B09738741B1A}" type="datetime1">
               <a:rPr lang="en-US"/>
-              <a:t>12/07/2022</a:t>
+              <a:t>12/09/2022</a:t>
+            </a:fld>
+          </a:p>
+        </p:txBody>
+      </p:sp>
+    </p:spTree>
+  </p:cSld>
+  <mc:AlternateContent>
+    <mc:Choice Requires="p14">
+      <p:transition spd="slow" p14:dur="2000"/>
+    </mc:Choice>
+    <mc:Fallback>
+      <p:transition spd="slow"/>
+    </mc:Fallback>
+  </mc:AlternateContent>
+</p:sld>
+</file>
+
+<file path=ppt/slides/slide10.xml><?xml version="1.0" encoding="utf-8"?>
+<p:sld xmlns:a="http://schemas.openxmlformats.org/drawingml/2006/main" xmlns:p="http://schemas.openxmlformats.org/presentationml/2006/main" xmlns:r="http://schemas.openxmlformats.org/officeDocument/2006/relationships" xmlns:p14="http://schemas.microsoft.com/office/powerpoint/2010/main" xmlns:p15="http://schemas.microsoft.com/office/powerpoint/2012/main" xmlns:mc="http://schemas.openxmlformats.org/markup-compatibility/2006">
+  <p:cSld>
+    <p:spTree>
+      <p:nvGrpSpPr>
+        <p:cNvPr id="1" name=""/>
+        <p:cNvGrpSpPr/>
+        <p:nvPr/>
+      </p:nvGrpSpPr>
+      <p:grpSpPr>
+        <a:xfrm>
+          <a:off x="0" y="0"/>
+          <a:ext cx="0" cy="0"/>
+          <a:chOff x="0" y="0"/>
+          <a:chExt cx="0" cy="0"/>
+        </a:xfrm>
+      </p:grpSpPr>
+      <p:sp>
+        <p:nvSpPr>
+          <p:cNvPr id="74" name="PlaceHolder 1"/>
+          <p:cNvSpPr>
+            <a:spLocks noGrp="1"/>
+          </p:cNvSpPr>
+          <p:nvPr>
+            <p:ph type="title"/>
+          </p:nvPr>
+        </p:nvSpPr>
+        <p:spPr>
+          <a:xfrm>
+            <a:off x="0" y="2130480"/>
+            <a:ext cx="9140400" cy="1466280"/>
+          </a:xfrm>
+          <a:prstGeom prst="rect">
+            <a:avLst/>
+          </a:prstGeom>
+          <a:solidFill>
+            <a:srgbClr val="00b0f0"/>
+          </a:solidFill>
+          <a:ln w="0">
+            <a:noFill/>
+          </a:ln>
+        </p:spPr>
+        <p:txBody>
+          <a:bodyPr lIns="0" rIns="0" tIns="0" bIns="0" anchor="ctr">
+            <a:normAutofit/>
+          </a:bodyPr>
+          <a:p>
+            <a:pPr algn="ctr">
+              <a:lnSpc>
+                <a:spcPct val="100000"/>
+              </a:lnSpc>
+              <a:buNone/>
+            </a:pPr>
+            <a:r>
+              <a:rPr b="1" lang="en-US" sz="4000" spc="-1" strike="noStrike">
+                <a:solidFill>
+                  <a:srgbClr val="ffff00"/>
+                </a:solidFill>
+                <a:latin typeface="Calibri"/>
+              </a:rPr>
+              <a:t>002.4 Use Validation Flag</a:t>
+            </a:r>
+            <a:endParaRPr b="0" lang="en-US" sz="4000" spc="-1" strike="noStrike">
+              <a:latin typeface="Arial"/>
+            </a:endParaRPr>
+          </a:p>
+        </p:txBody>
+      </p:sp>
+      <p:pic>
+        <p:nvPicPr>
+          <p:cNvPr id="75" name="Picture 5" descr="Image result for google vulkan logo"/>
+          <p:cNvPicPr/>
+          <p:nvPr/>
+        </p:nvPicPr>
+        <p:blipFill>
+          <a:blip r:embed="rId1"/>
+          <a:stretch/>
+        </p:blipFill>
+        <p:spPr>
+          <a:xfrm>
+            <a:off x="3564000" y="3707280"/>
+            <a:ext cx="1610280" cy="849240"/>
+          </a:xfrm>
+          <a:prstGeom prst="rect">
+            <a:avLst/>
+          </a:prstGeom>
+          <a:ln w="0">
+            <a:noFill/>
+          </a:ln>
+        </p:spPr>
+      </p:pic>
+      <p:sp>
+        <p:nvSpPr>
+          <p:cNvPr id="3" name="PlaceHolder 2"/>
+          <p:cNvSpPr>
+            <a:spLocks noGrp="1"/>
+          </p:cNvSpPr>
+          <p:nvPr>
+            <p:ph type="sldNum" idx="2"/>
+          </p:nvPr>
+        </p:nvSpPr>
+        <p:spPr/>
+        <p:txBody>
+          <a:bodyPr/>
+          <a:p>
+            <a:fld id="{6CCDDC6B-91D1-405B-AD2B-8CC246755F0B}" type="slidenum">
+              <a:t>10</a:t>
+            </a:fld>
+          </a:p>
+        </p:txBody>
+      </p:sp>
+      <p:sp>
+        <p:nvSpPr>
+          <p:cNvPr id="4" name="PlaceHolder 3"/>
+          <p:cNvSpPr>
+            <a:spLocks noGrp="1"/>
+          </p:cNvSpPr>
+          <p:nvPr>
+            <p:ph type="dt" idx="3"/>
+          </p:nvPr>
+        </p:nvSpPr>
+        <p:spPr/>
+        <p:txBody>
+          <a:bodyPr/>
+          <a:p>
+            <a:fld id="{CAE973E8-B6C9-4294-A8C5-992890FA0024}" type="datetime1">
+              <a:rPr lang="en-US"/>
+              <a:t>12/09/2022</a:t>
+            </a:fld>
+          </a:p>
+        </p:txBody>
+      </p:sp>
+    </p:spTree>
+  </p:cSld>
+  <mc:AlternateContent>
+    <mc:Choice Requires="p14">
+      <p:transition spd="slow" p14:dur="2000"/>
+    </mc:Choice>
+    <mc:Fallback>
+      <p:transition spd="slow"/>
+    </mc:Fallback>
+  </mc:AlternateContent>
+</p:sld>
+</file>
+
+<file path=ppt/slides/slide11.xml><?xml version="1.0" encoding="utf-8"?>
+<p:sld xmlns:a="http://schemas.openxmlformats.org/drawingml/2006/main" xmlns:p="http://schemas.openxmlformats.org/presentationml/2006/main" xmlns:r="http://schemas.openxmlformats.org/officeDocument/2006/relationships" xmlns:p14="http://schemas.microsoft.com/office/powerpoint/2010/main" xmlns:p15="http://schemas.microsoft.com/office/powerpoint/2012/main" xmlns:mc="http://schemas.openxmlformats.org/markup-compatibility/2006">
+  <p:cSld>
+    <p:spTree>
+      <p:nvGrpSpPr>
+        <p:cNvPr id="1" name=""/>
+        <p:cNvGrpSpPr/>
+        <p:nvPr/>
+      </p:nvGrpSpPr>
+      <p:grpSpPr>
+        <a:xfrm>
+          <a:off x="0" y="0"/>
+          <a:ext cx="0" cy="0"/>
+          <a:chOff x="0" y="0"/>
+          <a:chExt cx="0" cy="0"/>
+        </a:xfrm>
+      </p:grpSpPr>
+      <p:pic>
+        <p:nvPicPr>
+          <p:cNvPr id="76" name="" descr=""/>
+          <p:cNvPicPr/>
+          <p:nvPr/>
+        </p:nvPicPr>
+        <p:blipFill>
+          <a:blip r:embed="rId1"/>
+          <a:stretch/>
+        </p:blipFill>
+        <p:spPr>
+          <a:xfrm>
+            <a:off x="933480" y="2158920"/>
+            <a:ext cx="7067160" cy="4241520"/>
+          </a:xfrm>
+          <a:prstGeom prst="rect">
+            <a:avLst/>
+          </a:prstGeom>
+          <a:ln w="0">
+            <a:noFill/>
+          </a:ln>
+        </p:spPr>
+      </p:pic>
+      <p:sp>
+        <p:nvSpPr>
+          <p:cNvPr id="77" name="PlaceHolder 1"/>
+          <p:cNvSpPr>
+            <a:spLocks noGrp="1"/>
+          </p:cNvSpPr>
+          <p:nvPr>
+            <p:ph type="title"/>
+          </p:nvPr>
+        </p:nvSpPr>
+        <p:spPr>
+          <a:xfrm>
+            <a:off x="0" y="2520"/>
+            <a:ext cx="9140400" cy="761040"/>
+          </a:xfrm>
+          <a:prstGeom prst="rect">
+            <a:avLst/>
+          </a:prstGeom>
+          <a:gradFill rotWithShape="0">
+            <a:gsLst>
+              <a:gs pos="0">
+                <a:srgbClr val="bf0000"/>
+              </a:gs>
+              <a:gs pos="100000">
+                <a:srgbClr val="710000"/>
+              </a:gs>
+            </a:gsLst>
+            <a:lin ang="8100000"/>
+          </a:gradFill>
+          <a:ln w="0">
+            <a:noFill/>
+          </a:ln>
+        </p:spPr>
+        <p:txBody>
+          <a:bodyPr lIns="0" rIns="0" tIns="0" bIns="0" anchor="ctr">
+            <a:normAutofit/>
+          </a:bodyPr>
+          <a:p>
+            <a:pPr>
+              <a:lnSpc>
+                <a:spcPct val="100000"/>
+              </a:lnSpc>
+              <a:buNone/>
+            </a:pPr>
+            <a:r>
+              <a:rPr b="1" lang="en-US" sz="4000" spc="-1" strike="noStrike">
+                <a:solidFill>
+                  <a:srgbClr val="ffff00"/>
+                </a:solidFill>
+                <a:latin typeface="Calibri"/>
+              </a:rPr>
+              <a:t>002.4 Use Validation Flag</a:t>
+            </a:r>
+            <a:endParaRPr b="0" lang="en-US" sz="4000" spc="-1" strike="noStrike">
+              <a:latin typeface="Arial"/>
+            </a:endParaRPr>
+          </a:p>
+        </p:txBody>
+      </p:sp>
+      <p:sp>
+        <p:nvSpPr>
+          <p:cNvPr id="78" name="PlaceHolder 2"/>
+          <p:cNvSpPr>
+            <a:spLocks noGrp="1"/>
+          </p:cNvSpPr>
+          <p:nvPr>
+            <p:ph type="subTitle"/>
+          </p:nvPr>
+        </p:nvSpPr>
+        <p:spPr>
+          <a:xfrm>
+            <a:off x="467640" y="1371600"/>
+            <a:ext cx="8218800" cy="685440"/>
+          </a:xfrm>
+          <a:prstGeom prst="rect">
+            <a:avLst/>
+          </a:prstGeom>
+          <a:solidFill>
+            <a:srgbClr val="ffffff"/>
+          </a:solidFill>
+          <a:ln w="25560">
+            <a:solidFill>
+              <a:srgbClr val="c00000"/>
+            </a:solidFill>
+            <a:round/>
+          </a:ln>
+        </p:spPr>
+        <p:txBody>
+          <a:bodyPr lIns="0" rIns="0" tIns="0" bIns="0" anchor="t">
+            <a:noAutofit/>
+          </a:bodyPr>
+          <a:p>
+            <a:pPr marL="343080" indent="-343080">
+              <a:lnSpc>
+                <a:spcPct val="100000"/>
+              </a:lnSpc>
+              <a:spcBef>
+                <a:spcPts val="360"/>
+              </a:spcBef>
+              <a:buClr>
+                <a:srgbClr val="0070c0"/>
+              </a:buClr>
+              <a:buSzPct val="80000"/>
+              <a:buFont typeface="Wingdings" charset="2"/>
+              <a:buChar char=""/>
+            </a:pPr>
+            <a:r>
+              <a:rPr b="1" lang="en-US" sz="1800" spc="-1" strike="noStrike">
+                <a:solidFill>
+                  <a:srgbClr val="2d2d2d"/>
+                </a:solidFill>
+                <a:latin typeface="Calibri"/>
+              </a:rPr>
+              <a:t>Use Validation Flag</a:t>
+            </a:r>
+            <a:endParaRPr b="0" lang="en-US" sz="1800" spc="-1" strike="noStrike">
+              <a:latin typeface="Arial"/>
+            </a:endParaRPr>
+          </a:p>
+          <a:p>
+            <a:pPr marL="343080" indent="-343080">
+              <a:lnSpc>
+                <a:spcPct val="100000"/>
+              </a:lnSpc>
+              <a:spcBef>
+                <a:spcPts val="360"/>
+              </a:spcBef>
+              <a:buClr>
+                <a:srgbClr val="0070c0"/>
+              </a:buClr>
+              <a:buSzPct val="80000"/>
+              <a:buFont typeface="Wingdings" charset="2"/>
+              <a:buChar char=""/>
+            </a:pPr>
+            <a:r>
+              <a:rPr b="0" lang="en-US" sz="1800" spc="-1" strike="noStrike">
+                <a:solidFill>
+                  <a:srgbClr val="2d2d2d"/>
+                </a:solidFill>
+                <a:latin typeface="Calibri"/>
+              </a:rPr>
+              <a:t>Use Validation flag “enableValidationLayers” to check.</a:t>
+            </a:r>
+            <a:endParaRPr b="0" lang="en-US" sz="1800" spc="-1" strike="noStrike">
+              <a:latin typeface="Arial"/>
+            </a:endParaRPr>
+          </a:p>
+        </p:txBody>
+      </p:sp>
+      <p:sp>
+        <p:nvSpPr>
+          <p:cNvPr id="79" name="標題 4"/>
+          <p:cNvSpPr/>
+          <p:nvPr/>
+        </p:nvSpPr>
+        <p:spPr>
+          <a:xfrm>
+            <a:off x="0" y="764640"/>
+            <a:ext cx="9140400" cy="356400"/>
+          </a:xfrm>
+          <a:prstGeom prst="rect">
+            <a:avLst/>
+          </a:prstGeom>
+          <a:gradFill rotWithShape="0">
+            <a:gsLst>
+              <a:gs pos="0">
+                <a:srgbClr val="00afef"/>
+              </a:gs>
+              <a:gs pos="100000">
+                <a:srgbClr val="00688e"/>
+              </a:gs>
+            </a:gsLst>
+            <a:lin ang="8100000"/>
+          </a:gradFill>
+          <a:ln w="0">
+            <a:noFill/>
+          </a:ln>
+        </p:spPr>
+        <p:style>
+          <a:lnRef idx="0"/>
+          <a:fillRef idx="0"/>
+          <a:effectRef idx="0"/>
+          <a:fontRef idx="minor"/>
+        </p:style>
+        <p:txBody>
+          <a:bodyPr lIns="90000" rIns="90000" tIns="45000" bIns="45000" anchor="ctr">
+            <a:normAutofit fontScale="97000"/>
+          </a:bodyPr>
+          <a:p>
+            <a:pPr>
+              <a:lnSpc>
+                <a:spcPct val="100000"/>
+              </a:lnSpc>
+              <a:buNone/>
+            </a:pPr>
+            <a:r>
+              <a:rPr b="0" lang="en-US" sz="1800" spc="-1" strike="noStrike">
+                <a:solidFill>
+                  <a:srgbClr val="000000"/>
+                </a:solidFill>
+                <a:latin typeface="Calibri"/>
+                <a:ea typeface="DejaVu Sans"/>
+              </a:rPr>
+              <a:t>https://vulkan-tutorial.com/Development_environment#page_Linux</a:t>
+            </a:r>
+            <a:endParaRPr b="0" lang="en-US" sz="1800" spc="-1" strike="noStrike">
+              <a:latin typeface="Arial"/>
+            </a:endParaRPr>
+          </a:p>
+        </p:txBody>
+      </p:sp>
+      <p:sp>
+        <p:nvSpPr>
+          <p:cNvPr id="80" name=""/>
+          <p:cNvSpPr/>
+          <p:nvPr/>
+        </p:nvSpPr>
+        <p:spPr>
+          <a:xfrm>
+            <a:off x="1600200" y="3886200"/>
+            <a:ext cx="2285640" cy="228240"/>
+          </a:xfrm>
+          <a:prstGeom prst="rect">
+            <a:avLst/>
+          </a:prstGeom>
+          <a:noFill/>
+          <a:ln w="0">
+            <a:solidFill>
+              <a:srgbClr val="bf0041"/>
+            </a:solidFill>
+          </a:ln>
+        </p:spPr>
+        <p:style>
+          <a:lnRef idx="0"/>
+          <a:fillRef idx="0"/>
+          <a:effectRef idx="0"/>
+          <a:fontRef idx="minor"/>
+        </p:style>
+      </p:sp>
+      <p:sp>
+        <p:nvSpPr>
+          <p:cNvPr id="4" name="PlaceHolder 3"/>
+          <p:cNvSpPr>
+            <a:spLocks noGrp="1"/>
+          </p:cNvSpPr>
+          <p:nvPr>
+            <p:ph type="sldNum" idx="2"/>
+          </p:nvPr>
+        </p:nvSpPr>
+        <p:spPr/>
+        <p:txBody>
+          <a:bodyPr/>
+          <a:p>
+            <a:fld id="{4D9062DD-0B7F-4C22-B5E2-1ADCC10BFB10}" type="slidenum">
+              <a:t>11</a:t>
+            </a:fld>
+          </a:p>
+        </p:txBody>
+      </p:sp>
+      <p:sp>
+        <p:nvSpPr>
+          <p:cNvPr id="5" name="PlaceHolder 4"/>
+          <p:cNvSpPr>
+            <a:spLocks noGrp="1"/>
+          </p:cNvSpPr>
+          <p:nvPr>
+            <p:ph type="dt" idx="3"/>
+          </p:nvPr>
+        </p:nvSpPr>
+        <p:spPr/>
+        <p:txBody>
+          <a:bodyPr/>
+          <a:p>
+            <a:fld id="{4BCD6DCD-2EB2-454C-B097-D6ACFE172AD3}" type="datetime1">
+              <a:rPr lang="en-US"/>
+              <a:t>12/09/2022</a:t>
+            </a:fld>
+          </a:p>
+        </p:txBody>
+      </p:sp>
+    </p:spTree>
+  </p:cSld>
+  <mc:AlternateContent>
+    <mc:Choice Requires="p14">
+      <p:transition spd="slow" p14:dur="2000"/>
+    </mc:Choice>
+    <mc:Fallback>
+      <p:transition spd="slow"/>
+    </mc:Fallback>
+  </mc:AlternateContent>
+</p:sld>
+</file>
+
+<file path=ppt/slides/slide12.xml><?xml version="1.0" encoding="utf-8"?>
+<p:sld xmlns:a="http://schemas.openxmlformats.org/drawingml/2006/main" xmlns:p="http://schemas.openxmlformats.org/presentationml/2006/main" xmlns:r="http://schemas.openxmlformats.org/officeDocument/2006/relationships" xmlns:p14="http://schemas.microsoft.com/office/powerpoint/2010/main" xmlns:p15="http://schemas.microsoft.com/office/powerpoint/2012/main" xmlns:mc="http://schemas.openxmlformats.org/markup-compatibility/2006">
+  <p:cSld>
+    <p:spTree>
+      <p:nvGrpSpPr>
+        <p:cNvPr id="1" name=""/>
+        <p:cNvGrpSpPr/>
+        <p:nvPr/>
+      </p:nvGrpSpPr>
+      <p:grpSpPr>
+        <a:xfrm>
+          <a:off x="0" y="0"/>
+          <a:ext cx="0" cy="0"/>
+          <a:chOff x="0" y="0"/>
+          <a:chExt cx="0" cy="0"/>
+        </a:xfrm>
+      </p:grpSpPr>
+      <p:sp>
+        <p:nvSpPr>
+          <p:cNvPr id="81" name="PlaceHolder 1"/>
+          <p:cNvSpPr>
+            <a:spLocks noGrp="1"/>
+          </p:cNvSpPr>
+          <p:nvPr>
+            <p:ph type="title"/>
+          </p:nvPr>
+        </p:nvSpPr>
+        <p:spPr>
+          <a:xfrm>
+            <a:off x="0" y="2130480"/>
+            <a:ext cx="9140400" cy="1466280"/>
+          </a:xfrm>
+          <a:prstGeom prst="rect">
+            <a:avLst/>
+          </a:prstGeom>
+          <a:solidFill>
+            <a:srgbClr val="00b0f0"/>
+          </a:solidFill>
+          <a:ln w="0">
+            <a:noFill/>
+          </a:ln>
+        </p:spPr>
+        <p:txBody>
+          <a:bodyPr lIns="0" rIns="0" tIns="0" bIns="0" anchor="ctr">
+            <a:normAutofit/>
+          </a:bodyPr>
+          <a:p>
+            <a:pPr algn="ctr">
+              <a:lnSpc>
+                <a:spcPct val="100000"/>
+              </a:lnSpc>
+              <a:buNone/>
+            </a:pPr>
+            <a:r>
+              <a:rPr b="1" lang="en-US" sz="4000" spc="-1" strike="noStrike">
+                <a:solidFill>
+                  <a:srgbClr val="ffff00"/>
+                </a:solidFill>
+                <a:latin typeface="Calibri"/>
+              </a:rPr>
+              <a:t>002.5 Message Callback</a:t>
+            </a:r>
+            <a:endParaRPr b="0" lang="en-US" sz="4000" spc="-1" strike="noStrike">
+              <a:latin typeface="Arial"/>
+            </a:endParaRPr>
+          </a:p>
+        </p:txBody>
+      </p:sp>
+      <p:pic>
+        <p:nvPicPr>
+          <p:cNvPr id="82" name="Picture 6" descr="Image result for google vulkan logo"/>
+          <p:cNvPicPr/>
+          <p:nvPr/>
+        </p:nvPicPr>
+        <p:blipFill>
+          <a:blip r:embed="rId1"/>
+          <a:stretch/>
+        </p:blipFill>
+        <p:spPr>
+          <a:xfrm>
+            <a:off x="3564000" y="3707280"/>
+            <a:ext cx="1610280" cy="849240"/>
+          </a:xfrm>
+          <a:prstGeom prst="rect">
+            <a:avLst/>
+          </a:prstGeom>
+          <a:ln w="0">
+            <a:noFill/>
+          </a:ln>
+        </p:spPr>
+      </p:pic>
+      <p:sp>
+        <p:nvSpPr>
+          <p:cNvPr id="3" name="PlaceHolder 2"/>
+          <p:cNvSpPr>
+            <a:spLocks noGrp="1"/>
+          </p:cNvSpPr>
+          <p:nvPr>
+            <p:ph type="sldNum" idx="2"/>
+          </p:nvPr>
+        </p:nvSpPr>
+        <p:spPr/>
+        <p:txBody>
+          <a:bodyPr/>
+          <a:p>
+            <a:fld id="{9241749B-E463-4AE3-B744-DAED4E3031E1}" type="slidenum">
+              <a:t>12</a:t>
+            </a:fld>
+          </a:p>
+        </p:txBody>
+      </p:sp>
+      <p:sp>
+        <p:nvSpPr>
+          <p:cNvPr id="4" name="PlaceHolder 3"/>
+          <p:cNvSpPr>
+            <a:spLocks noGrp="1"/>
+          </p:cNvSpPr>
+          <p:nvPr>
+            <p:ph type="dt" idx="3"/>
+          </p:nvPr>
+        </p:nvSpPr>
+        <p:spPr/>
+        <p:txBody>
+          <a:bodyPr/>
+          <a:p>
+            <a:fld id="{4DE14365-85BD-4A47-AFC2-924697E1D021}" type="datetime1">
+              <a:rPr lang="en-US"/>
+              <a:t>12/09/2022</a:t>
+            </a:fld>
+          </a:p>
+        </p:txBody>
+      </p:sp>
+    </p:spTree>
+  </p:cSld>
+  <mc:AlternateContent>
+    <mc:Choice Requires="p14">
+      <p:transition spd="slow" p14:dur="2000"/>
+    </mc:Choice>
+    <mc:Fallback>
+      <p:transition spd="slow"/>
+    </mc:Fallback>
+  </mc:AlternateContent>
+</p:sld>
+</file>
+
+<file path=ppt/slides/slide13.xml><?xml version="1.0" encoding="utf-8"?>
+<p:sld xmlns:a="http://schemas.openxmlformats.org/drawingml/2006/main" xmlns:p="http://schemas.openxmlformats.org/presentationml/2006/main" xmlns:r="http://schemas.openxmlformats.org/officeDocument/2006/relationships" xmlns:p14="http://schemas.microsoft.com/office/powerpoint/2010/main" xmlns:p15="http://schemas.microsoft.com/office/powerpoint/2012/main" xmlns:mc="http://schemas.openxmlformats.org/markup-compatibility/2006">
+  <p:cSld>
+    <p:spTree>
+      <p:nvGrpSpPr>
+        <p:cNvPr id="1" name=""/>
+        <p:cNvGrpSpPr/>
+        <p:nvPr/>
+      </p:nvGrpSpPr>
+      <p:grpSpPr>
+        <a:xfrm>
+          <a:off x="0" y="0"/>
+          <a:ext cx="0" cy="0"/>
+          <a:chOff x="0" y="0"/>
+          <a:chExt cx="0" cy="0"/>
+        </a:xfrm>
+      </p:grpSpPr>
+      <p:pic>
+        <p:nvPicPr>
+          <p:cNvPr id="83" name="" descr=""/>
+          <p:cNvPicPr/>
+          <p:nvPr/>
+        </p:nvPicPr>
+        <p:blipFill>
+          <a:blip r:embed="rId1"/>
+          <a:stretch/>
+        </p:blipFill>
+        <p:spPr>
+          <a:xfrm>
+            <a:off x="228600" y="2286000"/>
+            <a:ext cx="8255520" cy="4202280"/>
+          </a:xfrm>
+          <a:prstGeom prst="rect">
+            <a:avLst/>
+          </a:prstGeom>
+          <a:ln w="0">
+            <a:noFill/>
+          </a:ln>
+        </p:spPr>
+      </p:pic>
+      <p:sp>
+        <p:nvSpPr>
+          <p:cNvPr id="84" name="PlaceHolder 1"/>
+          <p:cNvSpPr>
+            <a:spLocks noGrp="1"/>
+          </p:cNvSpPr>
+          <p:nvPr>
+            <p:ph type="title"/>
+          </p:nvPr>
+        </p:nvSpPr>
+        <p:spPr>
+          <a:xfrm>
+            <a:off x="0" y="2520"/>
+            <a:ext cx="9140400" cy="761040"/>
+          </a:xfrm>
+          <a:prstGeom prst="rect">
+            <a:avLst/>
+          </a:prstGeom>
+          <a:gradFill rotWithShape="0">
+            <a:gsLst>
+              <a:gs pos="0">
+                <a:srgbClr val="bf0000"/>
+              </a:gs>
+              <a:gs pos="100000">
+                <a:srgbClr val="710000"/>
+              </a:gs>
+            </a:gsLst>
+            <a:lin ang="8100000"/>
+          </a:gradFill>
+          <a:ln w="0">
+            <a:noFill/>
+          </a:ln>
+        </p:spPr>
+        <p:txBody>
+          <a:bodyPr lIns="0" rIns="0" tIns="0" bIns="0" anchor="ctr">
+            <a:normAutofit/>
+          </a:bodyPr>
+          <a:p>
+            <a:pPr>
+              <a:lnSpc>
+                <a:spcPct val="100000"/>
+              </a:lnSpc>
+              <a:buNone/>
+            </a:pPr>
+            <a:r>
+              <a:rPr b="1" lang="en-US" sz="4000" spc="-1" strike="noStrike">
+                <a:solidFill>
+                  <a:srgbClr val="ffff00"/>
+                </a:solidFill>
+                <a:latin typeface="Calibri"/>
+              </a:rPr>
+              <a:t>002.5 Message Callback</a:t>
+            </a:r>
+            <a:endParaRPr b="0" lang="en-US" sz="4000" spc="-1" strike="noStrike">
+              <a:latin typeface="Arial"/>
+            </a:endParaRPr>
+          </a:p>
+        </p:txBody>
+      </p:sp>
+      <p:sp>
+        <p:nvSpPr>
+          <p:cNvPr id="85" name="PlaceHolder 2"/>
+          <p:cNvSpPr>
+            <a:spLocks noGrp="1"/>
+          </p:cNvSpPr>
+          <p:nvPr>
+            <p:ph type="subTitle"/>
+          </p:nvPr>
+        </p:nvSpPr>
+        <p:spPr>
+          <a:xfrm>
+            <a:off x="467640" y="1371600"/>
+            <a:ext cx="8218800" cy="914040"/>
+          </a:xfrm>
+          <a:prstGeom prst="rect">
+            <a:avLst/>
+          </a:prstGeom>
+          <a:solidFill>
+            <a:srgbClr val="ffffff"/>
+          </a:solidFill>
+          <a:ln w="25560">
+            <a:solidFill>
+              <a:srgbClr val="c00000"/>
+            </a:solidFill>
+            <a:round/>
+          </a:ln>
+        </p:spPr>
+        <p:txBody>
+          <a:bodyPr lIns="0" rIns="0" tIns="0" bIns="0" anchor="t">
+            <a:noAutofit/>
+          </a:bodyPr>
+          <a:p>
+            <a:pPr marL="343080" indent="-343080">
+              <a:lnSpc>
+                <a:spcPct val="100000"/>
+              </a:lnSpc>
+              <a:spcBef>
+                <a:spcPts val="360"/>
+              </a:spcBef>
+              <a:buClr>
+                <a:srgbClr val="0070c0"/>
+              </a:buClr>
+              <a:buSzPct val="80000"/>
+              <a:buFont typeface="Wingdings" charset="2"/>
+              <a:buChar char=""/>
+            </a:pPr>
+            <a:r>
+              <a:rPr b="1" lang="en-US" sz="1800" spc="-1" strike="noStrike">
+                <a:solidFill>
+                  <a:srgbClr val="2d2d2d"/>
+                </a:solidFill>
+                <a:latin typeface="Calibri"/>
+              </a:rPr>
+              <a:t>Message Callback</a:t>
+            </a:r>
+            <a:endParaRPr b="0" lang="en-US" sz="1800" spc="-1" strike="noStrike">
+              <a:latin typeface="Arial"/>
+            </a:endParaRPr>
+          </a:p>
+          <a:p>
+            <a:pPr marL="343080" indent="-343080">
+              <a:lnSpc>
+                <a:spcPct val="100000"/>
+              </a:lnSpc>
+              <a:spcBef>
+                <a:spcPts val="360"/>
+              </a:spcBef>
+              <a:buClr>
+                <a:srgbClr val="0070c0"/>
+              </a:buClr>
+              <a:buSzPct val="80000"/>
+              <a:buFont typeface="Wingdings" charset="2"/>
+              <a:buChar char=""/>
+            </a:pPr>
+            <a:r>
+              <a:rPr b="0" lang="en-US" sz="1800" spc="-1" strike="noStrike">
+                <a:solidFill>
+                  <a:srgbClr val="2d2d2d"/>
+                </a:solidFill>
+                <a:latin typeface="Calibri"/>
+              </a:rPr>
+              <a:t>We use defined getRequiredExtensions() to get the return validation.</a:t>
+            </a:r>
+            <a:endParaRPr b="0" lang="en-US" sz="1800" spc="-1" strike="noStrike">
+              <a:latin typeface="Arial"/>
+            </a:endParaRPr>
+          </a:p>
+        </p:txBody>
+      </p:sp>
+      <p:sp>
+        <p:nvSpPr>
+          <p:cNvPr id="86" name="標題 6"/>
+          <p:cNvSpPr/>
+          <p:nvPr/>
+        </p:nvSpPr>
+        <p:spPr>
+          <a:xfrm>
+            <a:off x="0" y="764640"/>
+            <a:ext cx="9140400" cy="356400"/>
+          </a:xfrm>
+          <a:prstGeom prst="rect">
+            <a:avLst/>
+          </a:prstGeom>
+          <a:gradFill rotWithShape="0">
+            <a:gsLst>
+              <a:gs pos="0">
+                <a:srgbClr val="00afef"/>
+              </a:gs>
+              <a:gs pos="100000">
+                <a:srgbClr val="00688e"/>
+              </a:gs>
+            </a:gsLst>
+            <a:lin ang="8100000"/>
+          </a:gradFill>
+          <a:ln w="0">
+            <a:noFill/>
+          </a:ln>
+        </p:spPr>
+        <p:style>
+          <a:lnRef idx="0"/>
+          <a:fillRef idx="0"/>
+          <a:effectRef idx="0"/>
+          <a:fontRef idx="minor"/>
+        </p:style>
+        <p:txBody>
+          <a:bodyPr lIns="90000" rIns="90000" tIns="45000" bIns="45000" anchor="ctr">
+            <a:normAutofit fontScale="97000"/>
+          </a:bodyPr>
+          <a:p>
+            <a:pPr>
+              <a:lnSpc>
+                <a:spcPct val="100000"/>
+              </a:lnSpc>
+              <a:buNone/>
+            </a:pPr>
+            <a:r>
+              <a:rPr b="0" lang="en-US" sz="1800" spc="-1" strike="noStrike">
+                <a:solidFill>
+                  <a:srgbClr val="000000"/>
+                </a:solidFill>
+                <a:latin typeface="Calibri"/>
+                <a:ea typeface="DejaVu Sans"/>
+              </a:rPr>
+              <a:t>https://vulkan-tutorial.com/Development_environment#page_Linux</a:t>
+            </a:r>
+            <a:endParaRPr b="0" lang="en-US" sz="1800" spc="-1" strike="noStrike">
+              <a:latin typeface="Arial"/>
+            </a:endParaRPr>
+          </a:p>
+        </p:txBody>
+      </p:sp>
+      <p:sp>
+        <p:nvSpPr>
+          <p:cNvPr id="87" name=""/>
+          <p:cNvSpPr/>
+          <p:nvPr/>
+        </p:nvSpPr>
+        <p:spPr>
+          <a:xfrm>
+            <a:off x="914400" y="5257800"/>
+            <a:ext cx="6857640" cy="685440"/>
+          </a:xfrm>
+          <a:prstGeom prst="rect">
+            <a:avLst/>
+          </a:prstGeom>
+          <a:noFill/>
+          <a:ln w="0">
+            <a:solidFill>
+              <a:srgbClr val="bf0041"/>
+            </a:solidFill>
+          </a:ln>
+        </p:spPr>
+        <p:style>
+          <a:lnRef idx="0"/>
+          <a:fillRef idx="0"/>
+          <a:effectRef idx="0"/>
+          <a:fontRef idx="minor"/>
+        </p:style>
+      </p:sp>
+      <p:sp>
+        <p:nvSpPr>
+          <p:cNvPr id="4" name="PlaceHolder 3"/>
+          <p:cNvSpPr>
+            <a:spLocks noGrp="1"/>
+          </p:cNvSpPr>
+          <p:nvPr>
+            <p:ph type="sldNum" idx="2"/>
+          </p:nvPr>
+        </p:nvSpPr>
+        <p:spPr/>
+        <p:txBody>
+          <a:bodyPr/>
+          <a:p>
+            <a:fld id="{A3CCFEB9-4F88-47AE-8987-B0A7C96F386E}" type="slidenum">
+              <a:t>13</a:t>
+            </a:fld>
+          </a:p>
+        </p:txBody>
+      </p:sp>
+      <p:sp>
+        <p:nvSpPr>
+          <p:cNvPr id="5" name="PlaceHolder 4"/>
+          <p:cNvSpPr>
+            <a:spLocks noGrp="1"/>
+          </p:cNvSpPr>
+          <p:nvPr>
+            <p:ph type="dt" idx="3"/>
+          </p:nvPr>
+        </p:nvSpPr>
+        <p:spPr/>
+        <p:txBody>
+          <a:bodyPr/>
+          <a:p>
+            <a:fld id="{9B0D7346-8376-4AF1-AA8C-83B7ED10F13E}" type="datetime1">
+              <a:rPr lang="en-US"/>
+              <a:t>12/09/2022</a:t>
+            </a:fld>
+          </a:p>
+        </p:txBody>
+      </p:sp>
+    </p:spTree>
+  </p:cSld>
+  <mc:AlternateContent>
+    <mc:Choice Requires="p14">
+      <p:transition spd="slow" p14:dur="2000"/>
+    </mc:Choice>
+    <mc:Fallback>
+      <p:transition spd="slow"/>
+    </mc:Fallback>
+  </mc:AlternateContent>
+</p:sld>
+</file>
+
+<file path=ppt/slides/slide14.xml><?xml version="1.0" encoding="utf-8"?>
+<p:sld xmlns:a="http://schemas.openxmlformats.org/drawingml/2006/main" xmlns:p="http://schemas.openxmlformats.org/presentationml/2006/main" xmlns:r="http://schemas.openxmlformats.org/officeDocument/2006/relationships" xmlns:p14="http://schemas.microsoft.com/office/powerpoint/2010/main" xmlns:p15="http://schemas.microsoft.com/office/powerpoint/2012/main" xmlns:mc="http://schemas.openxmlformats.org/markup-compatibility/2006">
+  <p:cSld>
+    <p:spTree>
+      <p:nvGrpSpPr>
+        <p:cNvPr id="1" name=""/>
+        <p:cNvGrpSpPr/>
+        <p:nvPr/>
+      </p:nvGrpSpPr>
+      <p:grpSpPr>
+        <a:xfrm>
+          <a:off x="0" y="0"/>
+          <a:ext cx="0" cy="0"/>
+          <a:chOff x="0" y="0"/>
+          <a:chExt cx="0" cy="0"/>
+        </a:xfrm>
+      </p:grpSpPr>
+      <p:sp>
+        <p:nvSpPr>
+          <p:cNvPr id="88" name="PlaceHolder 1"/>
+          <p:cNvSpPr>
+            <a:spLocks noGrp="1"/>
+          </p:cNvSpPr>
+          <p:nvPr>
+            <p:ph type="title"/>
+          </p:nvPr>
+        </p:nvSpPr>
+        <p:spPr>
+          <a:xfrm>
+            <a:off x="0" y="2130480"/>
+            <a:ext cx="9140400" cy="1466280"/>
+          </a:xfrm>
+          <a:prstGeom prst="rect">
+            <a:avLst/>
+          </a:prstGeom>
+          <a:solidFill>
+            <a:srgbClr val="00b0f0"/>
+          </a:solidFill>
+          <a:ln w="0">
+            <a:noFill/>
+          </a:ln>
+        </p:spPr>
+        <p:txBody>
+          <a:bodyPr lIns="0" rIns="0" tIns="0" bIns="0" anchor="ctr">
+            <a:normAutofit/>
+          </a:bodyPr>
+          <a:p>
+            <a:pPr algn="ctr">
+              <a:lnSpc>
+                <a:spcPct val="100000"/>
+              </a:lnSpc>
+              <a:buNone/>
+            </a:pPr>
+            <a:r>
+              <a:rPr b="1" lang="en-US" sz="4000" spc="-1" strike="noStrike">
+                <a:solidFill>
+                  <a:srgbClr val="ffff00"/>
+                </a:solidFill>
+                <a:latin typeface="Calibri"/>
+              </a:rPr>
+              <a:t>002.6 </a:t>
+            </a:r>
+            <a:r>
+              <a:rPr b="1" lang="en-US" sz="4000" spc="-1" strike="noStrike">
+                <a:solidFill>
+                  <a:srgbClr val="ffff00"/>
+                </a:solidFill>
+                <a:latin typeface="Calibri"/>
+              </a:rPr>
+              <a:t>Debug </a:t>
+            </a:r>
+            <a:r>
+              <a:rPr b="1" lang="en-US" sz="4000" spc="-1" strike="noStrike">
+                <a:solidFill>
+                  <a:srgbClr val="ffff00"/>
+                </a:solidFill>
+                <a:latin typeface="Calibri"/>
+              </a:rPr>
+              <a:t>Instanc</a:t>
+            </a:r>
+            <a:r>
+              <a:rPr b="1" lang="en-US" sz="4000" spc="-1" strike="noStrike">
+                <a:solidFill>
+                  <a:srgbClr val="ffff00"/>
+                </a:solidFill>
+                <a:latin typeface="Calibri"/>
+              </a:rPr>
+              <a:t>e </a:t>
+            </a:r>
+            <a:r>
+              <a:rPr b="1" lang="en-US" sz="4000" spc="-1" strike="noStrike">
+                <a:solidFill>
+                  <a:srgbClr val="ffff00"/>
+                </a:solidFill>
+                <a:latin typeface="Calibri"/>
+              </a:rPr>
+              <a:t>Creatio</a:t>
+            </a:r>
+            <a:r>
+              <a:rPr b="1" lang="en-US" sz="4000" spc="-1" strike="noStrike">
+                <a:solidFill>
+                  <a:srgbClr val="ffff00"/>
+                </a:solidFill>
+                <a:latin typeface="Calibri"/>
+              </a:rPr>
+              <a:t>n</a:t>
+            </a:r>
+            <a:endParaRPr b="0" lang="en-US" sz="4000" spc="-1" strike="noStrike">
+              <a:latin typeface="Arial"/>
+            </a:endParaRPr>
+          </a:p>
+        </p:txBody>
+      </p:sp>
+      <p:pic>
+        <p:nvPicPr>
+          <p:cNvPr id="89" name="Picture 7" descr="Image result for google vulkan logo"/>
+          <p:cNvPicPr/>
+          <p:nvPr/>
+        </p:nvPicPr>
+        <p:blipFill>
+          <a:blip r:embed="rId1"/>
+          <a:stretch/>
+        </p:blipFill>
+        <p:spPr>
+          <a:xfrm>
+            <a:off x="3564000" y="3707280"/>
+            <a:ext cx="1610280" cy="849240"/>
+          </a:xfrm>
+          <a:prstGeom prst="rect">
+            <a:avLst/>
+          </a:prstGeom>
+          <a:ln w="0">
+            <a:noFill/>
+          </a:ln>
+        </p:spPr>
+      </p:pic>
+      <p:sp>
+        <p:nvSpPr>
+          <p:cNvPr id="3" name="PlaceHolder 2"/>
+          <p:cNvSpPr>
+            <a:spLocks noGrp="1"/>
+          </p:cNvSpPr>
+          <p:nvPr>
+            <p:ph type="sldNum" idx="2"/>
+          </p:nvPr>
+        </p:nvSpPr>
+        <p:spPr/>
+        <p:txBody>
+          <a:bodyPr/>
+          <a:p>
+            <a:fld id="{540CC73D-9CE1-4B2B-9511-65C0616A22BD}" type="slidenum">
+              <a:t>14</a:t>
+            </a:fld>
+          </a:p>
+        </p:txBody>
+      </p:sp>
+      <p:sp>
+        <p:nvSpPr>
+          <p:cNvPr id="4" name="PlaceHolder 3"/>
+          <p:cNvSpPr>
+            <a:spLocks noGrp="1"/>
+          </p:cNvSpPr>
+          <p:nvPr>
+            <p:ph type="dt" idx="3"/>
+          </p:nvPr>
+        </p:nvSpPr>
+        <p:spPr/>
+        <p:txBody>
+          <a:bodyPr/>
+          <a:p>
+            <a:fld id="{747CC229-F0F0-4925-80B6-2985B42D9F0C}" type="datetime1">
+              <a:rPr lang="en-US"/>
+              <a:t>12/09/2022</a:t>
+            </a:fld>
+          </a:p>
+        </p:txBody>
+      </p:sp>
+    </p:spTree>
+  </p:cSld>
+  <mc:AlternateContent>
+    <mc:Choice Requires="p14">
+      <p:transition spd="slow" p14:dur="2000"/>
+    </mc:Choice>
+    <mc:Fallback>
+      <p:transition spd="slow"/>
+    </mc:Fallback>
+  </mc:AlternateContent>
+</p:sld>
+</file>
+
+<file path=ppt/slides/slide15.xml><?xml version="1.0" encoding="utf-8"?>
+<p:sld xmlns:a="http://schemas.openxmlformats.org/drawingml/2006/main" xmlns:p="http://schemas.openxmlformats.org/presentationml/2006/main" xmlns:r="http://schemas.openxmlformats.org/officeDocument/2006/relationships" xmlns:p14="http://schemas.microsoft.com/office/powerpoint/2010/main" xmlns:p15="http://schemas.microsoft.com/office/powerpoint/2012/main" xmlns:mc="http://schemas.openxmlformats.org/markup-compatibility/2006">
+  <p:cSld>
+    <p:spTree>
+      <p:nvGrpSpPr>
+        <p:cNvPr id="1" name=""/>
+        <p:cNvGrpSpPr/>
+        <p:nvPr/>
+      </p:nvGrpSpPr>
+      <p:grpSpPr>
+        <a:xfrm>
+          <a:off x="0" y="0"/>
+          <a:ext cx="0" cy="0"/>
+          <a:chOff x="0" y="0"/>
+          <a:chExt cx="0" cy="0"/>
+        </a:xfrm>
+      </p:grpSpPr>
+      <p:sp>
+        <p:nvSpPr>
+          <p:cNvPr id="90" name="PlaceHolder 1"/>
+          <p:cNvSpPr>
+            <a:spLocks noGrp="1"/>
+          </p:cNvSpPr>
+          <p:nvPr>
+            <p:ph type="title"/>
+          </p:nvPr>
+        </p:nvSpPr>
+        <p:spPr>
+          <a:xfrm>
+            <a:off x="0" y="2520"/>
+            <a:ext cx="9140400" cy="761040"/>
+          </a:xfrm>
+          <a:prstGeom prst="rect">
+            <a:avLst/>
+          </a:prstGeom>
+          <a:gradFill rotWithShape="0">
+            <a:gsLst>
+              <a:gs pos="0">
+                <a:srgbClr val="bf0000"/>
+              </a:gs>
+              <a:gs pos="100000">
+                <a:srgbClr val="710000"/>
+              </a:gs>
+            </a:gsLst>
+            <a:lin ang="8100000"/>
+          </a:gradFill>
+          <a:ln w="0">
+            <a:noFill/>
+          </a:ln>
+        </p:spPr>
+        <p:txBody>
+          <a:bodyPr lIns="0" rIns="0" tIns="0" bIns="0" anchor="ctr">
+            <a:normAutofit/>
+          </a:bodyPr>
+          <a:p>
+            <a:pPr>
+              <a:lnSpc>
+                <a:spcPct val="100000"/>
+              </a:lnSpc>
+              <a:buNone/>
+            </a:pPr>
+            <a:r>
+              <a:rPr b="1" lang="en-US" sz="4000" spc="-1" strike="noStrike">
+                <a:solidFill>
+                  <a:srgbClr val="ffff00"/>
+                </a:solidFill>
+                <a:latin typeface="Calibri"/>
+              </a:rPr>
+              <a:t>002.6 Debug Instance Creation</a:t>
+            </a:r>
+            <a:endParaRPr b="0" lang="en-US" sz="4000" spc="-1" strike="noStrike">
+              <a:latin typeface="Arial"/>
+            </a:endParaRPr>
+          </a:p>
+        </p:txBody>
+      </p:sp>
+      <p:sp>
+        <p:nvSpPr>
+          <p:cNvPr id="91" name="PlaceHolder 2"/>
+          <p:cNvSpPr>
+            <a:spLocks noGrp="1"/>
+          </p:cNvSpPr>
+          <p:nvPr>
+            <p:ph type="subTitle"/>
+          </p:nvPr>
+        </p:nvSpPr>
+        <p:spPr>
+          <a:xfrm>
+            <a:off x="467640" y="1371600"/>
+            <a:ext cx="8218800" cy="685800"/>
+          </a:xfrm>
+          <a:prstGeom prst="rect">
+            <a:avLst/>
+          </a:prstGeom>
+          <a:solidFill>
+            <a:srgbClr val="ffffff"/>
+          </a:solidFill>
+          <a:ln w="25560">
+            <a:solidFill>
+              <a:srgbClr val="c00000"/>
+            </a:solidFill>
+            <a:round/>
+          </a:ln>
+        </p:spPr>
+        <p:txBody>
+          <a:bodyPr lIns="0" rIns="0" tIns="0" bIns="0" anchor="t">
+            <a:noAutofit/>
+          </a:bodyPr>
+          <a:p>
+            <a:pPr marL="343080" indent="-343080">
+              <a:lnSpc>
+                <a:spcPct val="100000"/>
+              </a:lnSpc>
+              <a:spcBef>
+                <a:spcPts val="360"/>
+              </a:spcBef>
+              <a:buClr>
+                <a:srgbClr val="0070c0"/>
+              </a:buClr>
+              <a:buSzPct val="80000"/>
+              <a:buFont typeface="Wingdings" charset="2"/>
+              <a:buChar char=""/>
+            </a:pPr>
+            <a:r>
+              <a:rPr b="1" lang="en-US" sz="1800" spc="-1" strike="noStrike">
+                <a:solidFill>
+                  <a:srgbClr val="2d2d2d"/>
+                </a:solidFill>
+                <a:latin typeface="Calibri"/>
+              </a:rPr>
+              <a:t>Debug Instance Creation</a:t>
+            </a:r>
+            <a:endParaRPr b="0" lang="en-US" sz="1800" spc="-1" strike="noStrike">
+              <a:latin typeface="Arial"/>
+            </a:endParaRPr>
+          </a:p>
+          <a:p>
+            <a:pPr marL="343080" indent="-343080">
+              <a:lnSpc>
+                <a:spcPct val="100000"/>
+              </a:lnSpc>
+              <a:spcBef>
+                <a:spcPts val="360"/>
+              </a:spcBef>
+              <a:buClr>
+                <a:srgbClr val="0070c0"/>
+              </a:buClr>
+              <a:buSzPct val="80000"/>
+              <a:buFont typeface="Wingdings" charset="2"/>
+              <a:buChar char=""/>
+            </a:pPr>
+            <a:r>
+              <a:rPr b="0" lang="en-US" sz="1800" spc="-1" strike="noStrike">
+                <a:solidFill>
+                  <a:srgbClr val="2d2d2d"/>
+                </a:solidFill>
+                <a:latin typeface="Calibri"/>
+              </a:rPr>
+              <a:t>Define instance debug function.</a:t>
+            </a:r>
+            <a:endParaRPr b="0" lang="en-US" sz="1800" spc="-1" strike="noStrike">
+              <a:latin typeface="Arial"/>
+            </a:endParaRPr>
+          </a:p>
+        </p:txBody>
+      </p:sp>
+      <p:sp>
+        <p:nvSpPr>
+          <p:cNvPr id="92" name="標題 10"/>
+          <p:cNvSpPr/>
+          <p:nvPr/>
+        </p:nvSpPr>
+        <p:spPr>
+          <a:xfrm>
+            <a:off x="0" y="764640"/>
+            <a:ext cx="9140400" cy="356400"/>
+          </a:xfrm>
+          <a:prstGeom prst="rect">
+            <a:avLst/>
+          </a:prstGeom>
+          <a:gradFill rotWithShape="0">
+            <a:gsLst>
+              <a:gs pos="0">
+                <a:srgbClr val="00afef"/>
+              </a:gs>
+              <a:gs pos="100000">
+                <a:srgbClr val="00688e"/>
+              </a:gs>
+            </a:gsLst>
+            <a:lin ang="8100000"/>
+          </a:gradFill>
+          <a:ln w="0">
+            <a:noFill/>
+          </a:ln>
+        </p:spPr>
+        <p:style>
+          <a:lnRef idx="0"/>
+          <a:fillRef idx="0"/>
+          <a:effectRef idx="0"/>
+          <a:fontRef idx="minor"/>
+        </p:style>
+        <p:txBody>
+          <a:bodyPr lIns="90000" rIns="90000" tIns="45000" bIns="45000" anchor="ctr">
+            <a:normAutofit fontScale="97000"/>
+          </a:bodyPr>
+          <a:p>
+            <a:pPr>
+              <a:lnSpc>
+                <a:spcPct val="100000"/>
+              </a:lnSpc>
+              <a:buNone/>
+            </a:pPr>
+            <a:r>
+              <a:rPr b="0" lang="en-US" sz="1800" spc="-1" strike="noStrike">
+                <a:solidFill>
+                  <a:srgbClr val="000000"/>
+                </a:solidFill>
+                <a:latin typeface="Calibri"/>
+                <a:ea typeface="DejaVu Sans"/>
+              </a:rPr>
+              <a:t>https://vulkan-tutorial.com/Development_environment#page_Linux</a:t>
+            </a:r>
+            <a:endParaRPr b="0" lang="en-US" sz="1800" spc="-1" strike="noStrike">
+              <a:latin typeface="Arial"/>
+            </a:endParaRPr>
+          </a:p>
+        </p:txBody>
+      </p:sp>
+      <p:pic>
+        <p:nvPicPr>
+          <p:cNvPr id="93" name="" descr=""/>
+          <p:cNvPicPr/>
+          <p:nvPr/>
+        </p:nvPicPr>
+        <p:blipFill>
+          <a:blip r:embed="rId1"/>
+          <a:stretch/>
+        </p:blipFill>
+        <p:spPr>
+          <a:xfrm>
+            <a:off x="229320" y="2286000"/>
+            <a:ext cx="9143280" cy="3620520"/>
+          </a:xfrm>
+          <a:prstGeom prst="rect">
+            <a:avLst/>
+          </a:prstGeom>
+          <a:ln w="0">
+            <a:noFill/>
+          </a:ln>
+        </p:spPr>
+      </p:pic>
+      <p:sp>
+        <p:nvSpPr>
+          <p:cNvPr id="94" name=""/>
+          <p:cNvSpPr/>
+          <p:nvPr/>
+        </p:nvSpPr>
+        <p:spPr>
+          <a:xfrm>
+            <a:off x="457920" y="2706120"/>
+            <a:ext cx="8686800" cy="1600200"/>
+          </a:xfrm>
+          <a:prstGeom prst="rect">
+            <a:avLst/>
+          </a:prstGeom>
+          <a:noFill/>
+          <a:ln w="0">
+            <a:solidFill>
+              <a:srgbClr val="bf0041"/>
+            </a:solidFill>
+          </a:ln>
+        </p:spPr>
+        <p:style>
+          <a:lnRef idx="0"/>
+          <a:fillRef idx="0"/>
+          <a:effectRef idx="0"/>
+          <a:fontRef idx="minor"/>
+        </p:style>
+      </p:sp>
+      <p:sp>
+        <p:nvSpPr>
+          <p:cNvPr id="4" name="PlaceHolder 3"/>
+          <p:cNvSpPr>
+            <a:spLocks noGrp="1"/>
+          </p:cNvSpPr>
+          <p:nvPr>
+            <p:ph type="sldNum" idx="2"/>
+          </p:nvPr>
+        </p:nvSpPr>
+        <p:spPr/>
+        <p:txBody>
+          <a:bodyPr/>
+          <a:p>
+            <a:fld id="{9D405200-CDAE-4559-BCE3-C24B13B8F8D3}" type="slidenum">
+              <a:t>15</a:t>
+            </a:fld>
+          </a:p>
+        </p:txBody>
+      </p:sp>
+      <p:sp>
+        <p:nvSpPr>
+          <p:cNvPr id="5" name="PlaceHolder 4"/>
+          <p:cNvSpPr>
+            <a:spLocks noGrp="1"/>
+          </p:cNvSpPr>
+          <p:nvPr>
+            <p:ph type="dt" idx="3"/>
+          </p:nvPr>
+        </p:nvSpPr>
+        <p:spPr/>
+        <p:txBody>
+          <a:bodyPr/>
+          <a:p>
+            <a:fld id="{5EE953C7-AB45-4971-BC29-8E56AAA4C449}" type="datetime1">
+              <a:rPr lang="en-US"/>
+              <a:t>12/09/2022</a:t>
+            </a:fld>
+          </a:p>
+        </p:txBody>
+      </p:sp>
+    </p:spTree>
+  </p:cSld>
+  <mc:AlternateContent>
+    <mc:Choice Requires="p14">
+      <p:transition spd="slow" p14:dur="2000"/>
+    </mc:Choice>
+    <mc:Fallback>
+      <p:transition spd="slow"/>
+    </mc:Fallback>
+  </mc:AlternateContent>
+</p:sld>
+</file>
+
+<file path=ppt/slides/slide16.xml><?xml version="1.0" encoding="utf-8"?>
+<p:sld xmlns:a="http://schemas.openxmlformats.org/drawingml/2006/main" xmlns:p="http://schemas.openxmlformats.org/presentationml/2006/main" xmlns:r="http://schemas.openxmlformats.org/officeDocument/2006/relationships" xmlns:p14="http://schemas.microsoft.com/office/powerpoint/2010/main" xmlns:p15="http://schemas.microsoft.com/office/powerpoint/2012/main" xmlns:mc="http://schemas.openxmlformats.org/markup-compatibility/2006">
+  <p:cSld>
+    <p:spTree>
+      <p:nvGrpSpPr>
+        <p:cNvPr id="1" name=""/>
+        <p:cNvGrpSpPr/>
+        <p:nvPr/>
+      </p:nvGrpSpPr>
+      <p:grpSpPr>
+        <a:xfrm>
+          <a:off x="0" y="0"/>
+          <a:ext cx="0" cy="0"/>
+          <a:chOff x="0" y="0"/>
+          <a:chExt cx="0" cy="0"/>
+        </a:xfrm>
+      </p:grpSpPr>
+      <p:sp>
+        <p:nvSpPr>
+          <p:cNvPr id="95" name="PlaceHolder 1"/>
+          <p:cNvSpPr>
+            <a:spLocks noGrp="1"/>
+          </p:cNvSpPr>
+          <p:nvPr>
+            <p:ph type="title"/>
+          </p:nvPr>
+        </p:nvSpPr>
+        <p:spPr>
+          <a:xfrm>
+            <a:off x="0" y="2520"/>
+            <a:ext cx="9140400" cy="761040"/>
+          </a:xfrm>
+          <a:prstGeom prst="rect">
+            <a:avLst/>
+          </a:prstGeom>
+          <a:gradFill rotWithShape="0">
+            <a:gsLst>
+              <a:gs pos="0">
+                <a:srgbClr val="bf0000"/>
+              </a:gs>
+              <a:gs pos="100000">
+                <a:srgbClr val="710000"/>
+              </a:gs>
+            </a:gsLst>
+            <a:lin ang="8100000"/>
+          </a:gradFill>
+          <a:ln w="0">
+            <a:noFill/>
+          </a:ln>
+        </p:spPr>
+        <p:txBody>
+          <a:bodyPr lIns="0" rIns="0" tIns="0" bIns="0" anchor="ctr">
+            <a:normAutofit/>
+          </a:bodyPr>
+          <a:p>
+            <a:pPr>
+              <a:lnSpc>
+                <a:spcPct val="100000"/>
+              </a:lnSpc>
+              <a:buNone/>
+            </a:pPr>
+            <a:r>
+              <a:rPr b="1" lang="en-US" sz="4000" spc="-1" strike="noStrike">
+                <a:solidFill>
+                  <a:srgbClr val="ffff00"/>
+                </a:solidFill>
+                <a:latin typeface="Calibri"/>
+              </a:rPr>
+              <a:t>002.6 Creation and Destruction</a:t>
+            </a:r>
+            <a:endParaRPr b="0" lang="en-US" sz="4000" spc="-1" strike="noStrike">
+              <a:latin typeface="Arial"/>
+            </a:endParaRPr>
+          </a:p>
+        </p:txBody>
+      </p:sp>
+      <p:sp>
+        <p:nvSpPr>
+          <p:cNvPr id="96" name="PlaceHolder 2"/>
+          <p:cNvSpPr>
+            <a:spLocks noGrp="1"/>
+          </p:cNvSpPr>
+          <p:nvPr>
+            <p:ph type="subTitle"/>
+          </p:nvPr>
+        </p:nvSpPr>
+        <p:spPr>
+          <a:xfrm>
+            <a:off x="467640" y="1371600"/>
+            <a:ext cx="8218800" cy="685800"/>
+          </a:xfrm>
+          <a:prstGeom prst="rect">
+            <a:avLst/>
+          </a:prstGeom>
+          <a:solidFill>
+            <a:srgbClr val="ffffff"/>
+          </a:solidFill>
+          <a:ln w="25560">
+            <a:solidFill>
+              <a:srgbClr val="c00000"/>
+            </a:solidFill>
+            <a:round/>
+          </a:ln>
+        </p:spPr>
+        <p:txBody>
+          <a:bodyPr lIns="0" rIns="0" tIns="0" bIns="0" anchor="t">
+            <a:noAutofit/>
+          </a:bodyPr>
+          <a:p>
+            <a:pPr marL="343080" indent="-343080">
+              <a:lnSpc>
+                <a:spcPct val="100000"/>
+              </a:lnSpc>
+              <a:spcBef>
+                <a:spcPts val="360"/>
+              </a:spcBef>
+              <a:buClr>
+                <a:srgbClr val="0070c0"/>
+              </a:buClr>
+              <a:buFont typeface="Wingdings" charset="2"/>
+              <a:buChar char=""/>
+            </a:pPr>
+            <a:r>
+              <a:rPr b="1" lang="en-US" sz="1800" spc="-1" strike="noStrike">
+                <a:solidFill>
+                  <a:srgbClr val="2d2d2d"/>
+                </a:solidFill>
+                <a:latin typeface="Calibri"/>
+              </a:rPr>
+              <a:t>Debug Instance Creation</a:t>
+            </a:r>
+            <a:endParaRPr b="0" lang="en-US" sz="1800" spc="-1" strike="noStrike">
+              <a:latin typeface="Arial"/>
+            </a:endParaRPr>
+          </a:p>
+          <a:p>
+            <a:pPr marL="343080" indent="-343080">
+              <a:lnSpc>
+                <a:spcPct val="100000"/>
+              </a:lnSpc>
+              <a:spcBef>
+                <a:spcPts val="360"/>
+              </a:spcBef>
+              <a:buClr>
+                <a:srgbClr val="0070c0"/>
+              </a:buClr>
+              <a:buSzPct val="80000"/>
+              <a:buFont typeface="Wingdings" charset="2"/>
+              <a:buChar char=""/>
+            </a:pPr>
+            <a:r>
+              <a:rPr b="0" lang="en-US" sz="1800" spc="-1" strike="noStrike">
+                <a:solidFill>
+                  <a:srgbClr val="2d2d2d"/>
+                </a:solidFill>
+                <a:latin typeface="Calibri"/>
+              </a:rPr>
+              <a:t>Add instance debug function in the initVulan().</a:t>
+            </a:r>
+            <a:endParaRPr b="0" lang="en-US" sz="1800" spc="-1" strike="noStrike">
+              <a:latin typeface="Arial"/>
+            </a:endParaRPr>
+          </a:p>
+        </p:txBody>
+      </p:sp>
+      <p:sp>
+        <p:nvSpPr>
+          <p:cNvPr id="97" name="標題 11"/>
+          <p:cNvSpPr/>
+          <p:nvPr/>
+        </p:nvSpPr>
+        <p:spPr>
+          <a:xfrm>
+            <a:off x="0" y="764640"/>
+            <a:ext cx="9140400" cy="356400"/>
+          </a:xfrm>
+          <a:prstGeom prst="rect">
+            <a:avLst/>
+          </a:prstGeom>
+          <a:gradFill rotWithShape="0">
+            <a:gsLst>
+              <a:gs pos="0">
+                <a:srgbClr val="00afef"/>
+              </a:gs>
+              <a:gs pos="100000">
+                <a:srgbClr val="00688e"/>
+              </a:gs>
+            </a:gsLst>
+            <a:lin ang="8100000"/>
+          </a:gradFill>
+          <a:ln w="0">
+            <a:noFill/>
+          </a:ln>
+        </p:spPr>
+        <p:style>
+          <a:lnRef idx="0"/>
+          <a:fillRef idx="0"/>
+          <a:effectRef idx="0"/>
+          <a:fontRef idx="minor"/>
+        </p:style>
+        <p:txBody>
+          <a:bodyPr lIns="90000" rIns="90000" tIns="45000" bIns="45000" anchor="ctr">
+            <a:normAutofit fontScale="97000"/>
+          </a:bodyPr>
+          <a:p>
+            <a:pPr>
+              <a:lnSpc>
+                <a:spcPct val="100000"/>
+              </a:lnSpc>
+              <a:buNone/>
+            </a:pPr>
+            <a:r>
+              <a:rPr b="0" lang="en-US" sz="1800" spc="-1" strike="noStrike">
+                <a:solidFill>
+                  <a:srgbClr val="000000"/>
+                </a:solidFill>
+                <a:latin typeface="Calibri"/>
+                <a:ea typeface="DejaVu Sans"/>
+              </a:rPr>
+              <a:t>https://vulkan-tutorial.com/Development_environment#page_Linux</a:t>
+            </a:r>
+            <a:endParaRPr b="0" lang="en-US" sz="1800" spc="-1" strike="noStrike">
+              <a:latin typeface="Arial"/>
+            </a:endParaRPr>
+          </a:p>
+        </p:txBody>
+      </p:sp>
+      <p:pic>
+        <p:nvPicPr>
+          <p:cNvPr id="98" name="" descr=""/>
+          <p:cNvPicPr/>
+          <p:nvPr/>
+        </p:nvPicPr>
+        <p:blipFill>
+          <a:blip r:embed="rId1"/>
+          <a:stretch/>
+        </p:blipFill>
+        <p:spPr>
+          <a:xfrm>
+            <a:off x="228600" y="2238840"/>
+            <a:ext cx="8772120" cy="4390560"/>
+          </a:xfrm>
+          <a:prstGeom prst="rect">
+            <a:avLst/>
+          </a:prstGeom>
+          <a:ln w="0">
+            <a:noFill/>
+          </a:ln>
+        </p:spPr>
+      </p:pic>
+      <p:sp>
+        <p:nvSpPr>
+          <p:cNvPr id="99" name=""/>
+          <p:cNvSpPr/>
+          <p:nvPr/>
+        </p:nvSpPr>
+        <p:spPr>
+          <a:xfrm>
+            <a:off x="1828800" y="4800600"/>
+            <a:ext cx="2286000" cy="228600"/>
+          </a:xfrm>
+          <a:prstGeom prst="rect">
+            <a:avLst/>
+          </a:prstGeom>
+          <a:noFill/>
+          <a:ln w="0">
+            <a:solidFill>
+              <a:srgbClr val="bf0041"/>
+            </a:solidFill>
+          </a:ln>
+        </p:spPr>
+        <p:style>
+          <a:lnRef idx="0"/>
+          <a:fillRef idx="0"/>
+          <a:effectRef idx="0"/>
+          <a:fontRef idx="minor"/>
+        </p:style>
+      </p:sp>
+      <p:sp>
+        <p:nvSpPr>
+          <p:cNvPr id="4" name="PlaceHolder 3"/>
+          <p:cNvSpPr>
+            <a:spLocks noGrp="1"/>
+          </p:cNvSpPr>
+          <p:nvPr>
+            <p:ph type="sldNum" idx="2"/>
+          </p:nvPr>
+        </p:nvSpPr>
+        <p:spPr/>
+        <p:txBody>
+          <a:bodyPr/>
+          <a:p>
+            <a:fld id="{BE3A8E6A-C856-47B0-912E-54AA0CC604BC}" type="slidenum">
+              <a:t>16</a:t>
+            </a:fld>
+          </a:p>
+        </p:txBody>
+      </p:sp>
+      <p:sp>
+        <p:nvSpPr>
+          <p:cNvPr id="5" name="PlaceHolder 4"/>
+          <p:cNvSpPr>
+            <a:spLocks noGrp="1"/>
+          </p:cNvSpPr>
+          <p:nvPr>
+            <p:ph type="dt" idx="3"/>
+          </p:nvPr>
+        </p:nvSpPr>
+        <p:spPr/>
+        <p:txBody>
+          <a:bodyPr/>
+          <a:p>
+            <a:fld id="{A924ADBE-45CC-4C40-912A-59475FCBA6C5}" type="datetime1">
+              <a:rPr lang="en-US"/>
+              <a:t>12/09/2022</a:t>
+            </a:fld>
+          </a:p>
+        </p:txBody>
+      </p:sp>
+    </p:spTree>
+  </p:cSld>
+  <mc:AlternateContent>
+    <mc:Choice Requires="p14">
+      <p:transition spd="slow" p14:dur="2000"/>
+    </mc:Choice>
+    <mc:Fallback>
+      <p:transition spd="slow"/>
+    </mc:Fallback>
+  </mc:AlternateContent>
+</p:sld>
+</file>
+
+<file path=ppt/slides/slide17.xml><?xml version="1.0" encoding="utf-8"?>
+<p:sld xmlns:a="http://schemas.openxmlformats.org/drawingml/2006/main" xmlns:p="http://schemas.openxmlformats.org/presentationml/2006/main" xmlns:r="http://schemas.openxmlformats.org/officeDocument/2006/relationships" xmlns:p14="http://schemas.microsoft.com/office/powerpoint/2010/main" xmlns:p15="http://schemas.microsoft.com/office/powerpoint/2012/main" xmlns:mc="http://schemas.openxmlformats.org/markup-compatibility/2006">
+  <p:cSld>
+    <p:spTree>
+      <p:nvGrpSpPr>
+        <p:cNvPr id="1" name=""/>
+        <p:cNvGrpSpPr/>
+        <p:nvPr/>
+      </p:nvGrpSpPr>
+      <p:grpSpPr>
+        <a:xfrm>
+          <a:off x="0" y="0"/>
+          <a:ext cx="0" cy="0"/>
+          <a:chOff x="0" y="0"/>
+          <a:chExt cx="0" cy="0"/>
+        </a:xfrm>
+      </p:grpSpPr>
+      <p:pic>
+        <p:nvPicPr>
+          <p:cNvPr id="100" name="" descr=""/>
+          <p:cNvPicPr/>
+          <p:nvPr/>
+        </p:nvPicPr>
+        <p:blipFill>
+          <a:blip r:embed="rId1"/>
+          <a:stretch/>
+        </p:blipFill>
+        <p:spPr>
+          <a:xfrm>
+            <a:off x="360" y="2464200"/>
+            <a:ext cx="9143640" cy="3479400"/>
+          </a:xfrm>
+          <a:prstGeom prst="rect">
+            <a:avLst/>
+          </a:prstGeom>
+          <a:ln w="0">
+            <a:noFill/>
+          </a:ln>
+        </p:spPr>
+      </p:pic>
+      <p:sp>
+        <p:nvSpPr>
+          <p:cNvPr id="101" name="PlaceHolder 1"/>
+          <p:cNvSpPr>
+            <a:spLocks noGrp="1"/>
+          </p:cNvSpPr>
+          <p:nvPr>
+            <p:ph type="title"/>
+          </p:nvPr>
+        </p:nvSpPr>
+        <p:spPr>
+          <a:xfrm>
+            <a:off x="0" y="2520"/>
+            <a:ext cx="9140400" cy="761040"/>
+          </a:xfrm>
+          <a:prstGeom prst="rect">
+            <a:avLst/>
+          </a:prstGeom>
+          <a:gradFill rotWithShape="0">
+            <a:gsLst>
+              <a:gs pos="0">
+                <a:srgbClr val="bf0000"/>
+              </a:gs>
+              <a:gs pos="100000">
+                <a:srgbClr val="710000"/>
+              </a:gs>
+            </a:gsLst>
+            <a:lin ang="8100000"/>
+          </a:gradFill>
+          <a:ln w="0">
+            <a:noFill/>
+          </a:ln>
+        </p:spPr>
+        <p:txBody>
+          <a:bodyPr lIns="0" rIns="0" tIns="0" bIns="0" anchor="ctr">
+            <a:normAutofit/>
+          </a:bodyPr>
+          <a:p>
+            <a:pPr>
+              <a:lnSpc>
+                <a:spcPct val="100000"/>
+              </a:lnSpc>
+              <a:buNone/>
+            </a:pPr>
+            <a:r>
+              <a:rPr b="1" lang="en-US" sz="4000" spc="-1" strike="noStrike">
+                <a:solidFill>
+                  <a:srgbClr val="ffff00"/>
+                </a:solidFill>
+                <a:latin typeface="Calibri"/>
+              </a:rPr>
+              <a:t>002.6 Creation and Destruction</a:t>
+            </a:r>
+            <a:endParaRPr b="0" lang="en-US" sz="4000" spc="-1" strike="noStrike">
+              <a:latin typeface="Arial"/>
+            </a:endParaRPr>
+          </a:p>
+        </p:txBody>
+      </p:sp>
+      <p:sp>
+        <p:nvSpPr>
+          <p:cNvPr id="102" name="PlaceHolder 2"/>
+          <p:cNvSpPr>
+            <a:spLocks noGrp="1"/>
+          </p:cNvSpPr>
+          <p:nvPr>
+            <p:ph type="subTitle"/>
+          </p:nvPr>
+        </p:nvSpPr>
+        <p:spPr>
+          <a:xfrm>
+            <a:off x="467640" y="1371600"/>
+            <a:ext cx="8218800" cy="685800"/>
+          </a:xfrm>
+          <a:prstGeom prst="rect">
+            <a:avLst/>
+          </a:prstGeom>
+          <a:solidFill>
+            <a:srgbClr val="ffffff"/>
+          </a:solidFill>
+          <a:ln w="25560">
+            <a:solidFill>
+              <a:srgbClr val="c00000"/>
+            </a:solidFill>
+            <a:round/>
+          </a:ln>
+        </p:spPr>
+        <p:txBody>
+          <a:bodyPr lIns="0" rIns="0" tIns="0" bIns="0" anchor="t">
+            <a:noAutofit/>
+          </a:bodyPr>
+          <a:p>
+            <a:pPr marL="343080" indent="-343080">
+              <a:lnSpc>
+                <a:spcPct val="100000"/>
+              </a:lnSpc>
+              <a:spcBef>
+                <a:spcPts val="360"/>
+              </a:spcBef>
+              <a:buClr>
+                <a:srgbClr val="0070c0"/>
+              </a:buClr>
+              <a:buSzPct val="80000"/>
+              <a:buFont typeface="Wingdings" charset="2"/>
+              <a:buChar char=""/>
+            </a:pPr>
+            <a:r>
+              <a:rPr b="1" lang="en-US" sz="1800" spc="-1" strike="noStrike">
+                <a:solidFill>
+                  <a:srgbClr val="2d2d2d"/>
+                </a:solidFill>
+                <a:latin typeface="Calibri"/>
+              </a:rPr>
+              <a:t>Debug Instance Creation</a:t>
+            </a:r>
+            <a:endParaRPr b="0" lang="en-US" sz="1800" spc="-1" strike="noStrike">
+              <a:latin typeface="Arial"/>
+            </a:endParaRPr>
+          </a:p>
+          <a:p>
+            <a:pPr marL="343080" indent="-343080">
+              <a:lnSpc>
+                <a:spcPct val="100000"/>
+              </a:lnSpc>
+              <a:spcBef>
+                <a:spcPts val="360"/>
+              </a:spcBef>
+              <a:buClr>
+                <a:srgbClr val="0070c0"/>
+              </a:buClr>
+              <a:buSzPct val="80000"/>
+              <a:buFont typeface="Wingdings" charset="2"/>
+              <a:buChar char=""/>
+            </a:pPr>
+            <a:r>
+              <a:rPr b="0" lang="en-US" sz="1800" spc="-1" strike="noStrike">
+                <a:solidFill>
+                  <a:srgbClr val="2d2d2d"/>
+                </a:solidFill>
+                <a:latin typeface="Calibri"/>
+              </a:rPr>
+              <a:t>Add process code in the instance debug funciton.</a:t>
+            </a:r>
+            <a:endParaRPr b="0" lang="en-US" sz="1800" spc="-1" strike="noStrike">
+              <a:latin typeface="Arial"/>
+            </a:endParaRPr>
+          </a:p>
+        </p:txBody>
+      </p:sp>
+      <p:sp>
+        <p:nvSpPr>
+          <p:cNvPr id="103" name="標題 12"/>
+          <p:cNvSpPr/>
+          <p:nvPr/>
+        </p:nvSpPr>
+        <p:spPr>
+          <a:xfrm>
+            <a:off x="0" y="764640"/>
+            <a:ext cx="9140400" cy="356400"/>
+          </a:xfrm>
+          <a:prstGeom prst="rect">
+            <a:avLst/>
+          </a:prstGeom>
+          <a:gradFill rotWithShape="0">
+            <a:gsLst>
+              <a:gs pos="0">
+                <a:srgbClr val="00afef"/>
+              </a:gs>
+              <a:gs pos="100000">
+                <a:srgbClr val="00688e"/>
+              </a:gs>
+            </a:gsLst>
+            <a:lin ang="8100000"/>
+          </a:gradFill>
+          <a:ln w="0">
+            <a:noFill/>
+          </a:ln>
+        </p:spPr>
+        <p:style>
+          <a:lnRef idx="0"/>
+          <a:fillRef idx="0"/>
+          <a:effectRef idx="0"/>
+          <a:fontRef idx="minor"/>
+        </p:style>
+        <p:txBody>
+          <a:bodyPr lIns="90000" rIns="90000" tIns="45000" bIns="45000" anchor="ctr">
+            <a:normAutofit fontScale="97000"/>
+          </a:bodyPr>
+          <a:p>
+            <a:pPr>
+              <a:lnSpc>
+                <a:spcPct val="100000"/>
+              </a:lnSpc>
+              <a:buNone/>
+            </a:pPr>
+            <a:r>
+              <a:rPr b="0" lang="en-US" sz="1800" spc="-1" strike="noStrike">
+                <a:solidFill>
+                  <a:srgbClr val="000000"/>
+                </a:solidFill>
+                <a:latin typeface="Calibri"/>
+                <a:ea typeface="DejaVu Sans"/>
+              </a:rPr>
+              <a:t>https://vulkan-tutorial.com/Development_environment#page_Linux</a:t>
+            </a:r>
+            <a:endParaRPr b="0" lang="en-US" sz="1800" spc="-1" strike="noStrike">
+              <a:latin typeface="Arial"/>
+            </a:endParaRPr>
+          </a:p>
+        </p:txBody>
+      </p:sp>
+      <p:sp>
+        <p:nvSpPr>
+          <p:cNvPr id="104" name=""/>
+          <p:cNvSpPr/>
+          <p:nvPr/>
+        </p:nvSpPr>
+        <p:spPr>
+          <a:xfrm>
+            <a:off x="1143000" y="4114800"/>
+            <a:ext cx="7315200" cy="914400"/>
+          </a:xfrm>
+          <a:prstGeom prst="rect">
+            <a:avLst/>
+          </a:prstGeom>
+          <a:noFill/>
+          <a:ln w="0">
+            <a:solidFill>
+              <a:srgbClr val="bf0041"/>
+            </a:solidFill>
+          </a:ln>
+        </p:spPr>
+        <p:style>
+          <a:lnRef idx="0"/>
+          <a:fillRef idx="0"/>
+          <a:effectRef idx="0"/>
+          <a:fontRef idx="minor"/>
+        </p:style>
+      </p:sp>
+      <p:sp>
+        <p:nvSpPr>
+          <p:cNvPr id="4" name="PlaceHolder 3"/>
+          <p:cNvSpPr>
+            <a:spLocks noGrp="1"/>
+          </p:cNvSpPr>
+          <p:nvPr>
+            <p:ph type="sldNum" idx="2"/>
+          </p:nvPr>
+        </p:nvSpPr>
+        <p:spPr/>
+        <p:txBody>
+          <a:bodyPr/>
+          <a:p>
+            <a:fld id="{5FBD3C85-A6FF-42FD-962B-475787B665EF}" type="slidenum">
+              <a:t>17</a:t>
+            </a:fld>
+          </a:p>
+        </p:txBody>
+      </p:sp>
+      <p:sp>
+        <p:nvSpPr>
+          <p:cNvPr id="5" name="PlaceHolder 4"/>
+          <p:cNvSpPr>
+            <a:spLocks noGrp="1"/>
+          </p:cNvSpPr>
+          <p:nvPr>
+            <p:ph type="dt" idx="3"/>
+          </p:nvPr>
+        </p:nvSpPr>
+        <p:spPr/>
+        <p:txBody>
+          <a:bodyPr/>
+          <a:p>
+            <a:fld id="{31DB27C1-95EB-4A89-8448-806B74FA9873}" type="datetime1">
+              <a:rPr lang="en-US"/>
+              <a:t>12/09/2022</a:t>
+            </a:fld>
+          </a:p>
+        </p:txBody>
+      </p:sp>
+    </p:spTree>
+  </p:cSld>
+  <mc:AlternateContent>
+    <mc:Choice Requires="p14">
+      <p:transition spd="slow" p14:dur="2000"/>
+    </mc:Choice>
+    <mc:Fallback>
+      <p:transition spd="slow"/>
+    </mc:Fallback>
+  </mc:AlternateContent>
+</p:sld>
+</file>
+
+<file path=ppt/slides/slide18.xml><?xml version="1.0" encoding="utf-8"?>
+<p:sld xmlns:a="http://schemas.openxmlformats.org/drawingml/2006/main" xmlns:p="http://schemas.openxmlformats.org/presentationml/2006/main" xmlns:r="http://schemas.openxmlformats.org/officeDocument/2006/relationships" xmlns:p14="http://schemas.microsoft.com/office/powerpoint/2010/main" xmlns:p15="http://schemas.microsoft.com/office/powerpoint/2012/main" xmlns:mc="http://schemas.openxmlformats.org/markup-compatibility/2006">
+  <p:cSld>
+    <p:spTree>
+      <p:nvGrpSpPr>
+        <p:cNvPr id="1" name=""/>
+        <p:cNvGrpSpPr/>
+        <p:nvPr/>
+      </p:nvGrpSpPr>
+      <p:grpSpPr>
+        <a:xfrm>
+          <a:off x="0" y="0"/>
+          <a:ext cx="0" cy="0"/>
+          <a:chOff x="0" y="0"/>
+          <a:chExt cx="0" cy="0"/>
+        </a:xfrm>
+      </p:grpSpPr>
+      <p:sp>
+        <p:nvSpPr>
+          <p:cNvPr id="105" name="PlaceHolder 1"/>
+          <p:cNvSpPr>
+            <a:spLocks noGrp="1"/>
+          </p:cNvSpPr>
+          <p:nvPr>
+            <p:ph type="title"/>
+          </p:nvPr>
+        </p:nvSpPr>
+        <p:spPr>
+          <a:xfrm>
+            <a:off x="0" y="2130480"/>
+            <a:ext cx="9140400" cy="1466280"/>
+          </a:xfrm>
+          <a:prstGeom prst="rect">
+            <a:avLst/>
+          </a:prstGeom>
+          <a:solidFill>
+            <a:srgbClr val="00b0f0"/>
+          </a:solidFill>
+          <a:ln w="0">
+            <a:noFill/>
+          </a:ln>
+        </p:spPr>
+        <p:txBody>
+          <a:bodyPr lIns="0" rIns="0" tIns="0" bIns="0" anchor="ctr">
+            <a:normAutofit/>
+          </a:bodyPr>
+          <a:p>
+            <a:pPr algn="ctr">
+              <a:lnSpc>
+                <a:spcPct val="100000"/>
+              </a:lnSpc>
+              <a:buNone/>
+            </a:pPr>
+            <a:r>
+              <a:rPr b="1" lang="en-US" sz="4000" spc="-1" strike="noStrike">
+                <a:solidFill>
+                  <a:srgbClr val="ffff00"/>
+                </a:solidFill>
+                <a:latin typeface="Calibri"/>
+              </a:rPr>
+              <a:t>002.7 Debug Instance Destroy</a:t>
+            </a:r>
+            <a:endParaRPr b="0" lang="en-US" sz="4000" spc="-1" strike="noStrike">
+              <a:latin typeface="Arial"/>
+            </a:endParaRPr>
+          </a:p>
+        </p:txBody>
+      </p:sp>
+      <p:pic>
+        <p:nvPicPr>
+          <p:cNvPr id="106" name="Picture 9" descr="Image result for google vulkan logo"/>
+          <p:cNvPicPr/>
+          <p:nvPr/>
+        </p:nvPicPr>
+        <p:blipFill>
+          <a:blip r:embed="rId1"/>
+          <a:stretch/>
+        </p:blipFill>
+        <p:spPr>
+          <a:xfrm>
+            <a:off x="3564000" y="3707280"/>
+            <a:ext cx="1610280" cy="849240"/>
+          </a:xfrm>
+          <a:prstGeom prst="rect">
+            <a:avLst/>
+          </a:prstGeom>
+          <a:ln w="0">
+            <a:noFill/>
+          </a:ln>
+        </p:spPr>
+      </p:pic>
+      <p:sp>
+        <p:nvSpPr>
+          <p:cNvPr id="3" name="PlaceHolder 2"/>
+          <p:cNvSpPr>
+            <a:spLocks noGrp="1"/>
+          </p:cNvSpPr>
+          <p:nvPr>
+            <p:ph type="sldNum" idx="2"/>
+          </p:nvPr>
+        </p:nvSpPr>
+        <p:spPr/>
+        <p:txBody>
+          <a:bodyPr/>
+          <a:p>
+            <a:fld id="{394A2733-5B0E-4886-B134-D919F50258E5}" type="slidenum">
+              <a:t>18</a:t>
+            </a:fld>
+          </a:p>
+        </p:txBody>
+      </p:sp>
+      <p:sp>
+        <p:nvSpPr>
+          <p:cNvPr id="4" name="PlaceHolder 3"/>
+          <p:cNvSpPr>
+            <a:spLocks noGrp="1"/>
+          </p:cNvSpPr>
+          <p:nvPr>
+            <p:ph type="dt" idx="3"/>
+          </p:nvPr>
+        </p:nvSpPr>
+        <p:spPr/>
+        <p:txBody>
+          <a:bodyPr/>
+          <a:p>
+            <a:fld id="{32B709B5-30C1-4F3F-8942-D9948D72F1FB}" type="datetime1">
+              <a:rPr lang="en-US"/>
+              <a:t>12/09/2022</a:t>
+            </a:fld>
+          </a:p>
+        </p:txBody>
+      </p:sp>
+    </p:spTree>
+  </p:cSld>
+  <mc:AlternateContent>
+    <mc:Choice Requires="p14">
+      <p:transition spd="slow" p14:dur="2000"/>
+    </mc:Choice>
+    <mc:Fallback>
+      <p:transition spd="slow"/>
+    </mc:Fallback>
+  </mc:AlternateContent>
+</p:sld>
+</file>
+
+<file path=ppt/slides/slide19.xml><?xml version="1.0" encoding="utf-8"?>
+<p:sld xmlns:a="http://schemas.openxmlformats.org/drawingml/2006/main" xmlns:p="http://schemas.openxmlformats.org/presentationml/2006/main" xmlns:r="http://schemas.openxmlformats.org/officeDocument/2006/relationships" xmlns:p14="http://schemas.microsoft.com/office/powerpoint/2010/main" xmlns:p15="http://schemas.microsoft.com/office/powerpoint/2012/main" xmlns:mc="http://schemas.openxmlformats.org/markup-compatibility/2006">
+  <p:cSld>
+    <p:spTree>
+      <p:nvGrpSpPr>
+        <p:cNvPr id="1" name=""/>
+        <p:cNvGrpSpPr/>
+        <p:nvPr/>
+      </p:nvGrpSpPr>
+      <p:grpSpPr>
+        <a:xfrm>
+          <a:off x="0" y="0"/>
+          <a:ext cx="0" cy="0"/>
+          <a:chOff x="0" y="0"/>
+          <a:chExt cx="0" cy="0"/>
+        </a:xfrm>
+      </p:grpSpPr>
+      <p:sp>
+        <p:nvSpPr>
+          <p:cNvPr id="107" name="PlaceHolder 1"/>
+          <p:cNvSpPr>
+            <a:spLocks noGrp="1"/>
+          </p:cNvSpPr>
+          <p:nvPr>
+            <p:ph type="title"/>
+          </p:nvPr>
+        </p:nvSpPr>
+        <p:spPr>
+          <a:xfrm>
+            <a:off x="0" y="2520"/>
+            <a:ext cx="9140400" cy="761040"/>
+          </a:xfrm>
+          <a:prstGeom prst="rect">
+            <a:avLst/>
+          </a:prstGeom>
+          <a:gradFill rotWithShape="0">
+            <a:gsLst>
+              <a:gs pos="0">
+                <a:srgbClr val="bf0000"/>
+              </a:gs>
+              <a:gs pos="100000">
+                <a:srgbClr val="710000"/>
+              </a:gs>
+            </a:gsLst>
+            <a:lin ang="8100000"/>
+          </a:gradFill>
+          <a:ln w="0">
+            <a:noFill/>
+          </a:ln>
+        </p:spPr>
+        <p:txBody>
+          <a:bodyPr lIns="0" rIns="0" tIns="0" bIns="0" anchor="ctr">
+            <a:normAutofit/>
+          </a:bodyPr>
+          <a:p>
+            <a:pPr>
+              <a:lnSpc>
+                <a:spcPct val="100000"/>
+              </a:lnSpc>
+              <a:buNone/>
+            </a:pPr>
+            <a:r>
+              <a:rPr b="1" lang="en-US" sz="4000" spc="-1" strike="noStrike">
+                <a:solidFill>
+                  <a:srgbClr val="ffff00"/>
+                </a:solidFill>
+                <a:latin typeface="Calibri"/>
+              </a:rPr>
+              <a:t>002.7 Debug Instance Destroy</a:t>
+            </a:r>
+            <a:endParaRPr b="0" lang="en-US" sz="4000" spc="-1" strike="noStrike">
+              <a:latin typeface="Arial"/>
+            </a:endParaRPr>
+          </a:p>
+        </p:txBody>
+      </p:sp>
+      <p:sp>
+        <p:nvSpPr>
+          <p:cNvPr id="108" name="PlaceHolder 2"/>
+          <p:cNvSpPr>
+            <a:spLocks noGrp="1"/>
+          </p:cNvSpPr>
+          <p:nvPr>
+            <p:ph type="subTitle"/>
+          </p:nvPr>
+        </p:nvSpPr>
+        <p:spPr>
+          <a:xfrm>
+            <a:off x="467640" y="1371600"/>
+            <a:ext cx="8218800" cy="685800"/>
+          </a:xfrm>
+          <a:prstGeom prst="rect">
+            <a:avLst/>
+          </a:prstGeom>
+          <a:solidFill>
+            <a:srgbClr val="ffffff"/>
+          </a:solidFill>
+          <a:ln w="25560">
+            <a:solidFill>
+              <a:srgbClr val="c00000"/>
+            </a:solidFill>
+            <a:round/>
+          </a:ln>
+        </p:spPr>
+        <p:txBody>
+          <a:bodyPr lIns="0" rIns="0" tIns="0" bIns="0" anchor="t">
+            <a:noAutofit/>
+          </a:bodyPr>
+          <a:p>
+            <a:pPr marL="343080" indent="-343080">
+              <a:lnSpc>
+                <a:spcPct val="100000"/>
+              </a:lnSpc>
+              <a:spcBef>
+                <a:spcPts val="360"/>
+              </a:spcBef>
+              <a:buClr>
+                <a:srgbClr val="0070c0"/>
+              </a:buClr>
+              <a:buSzPct val="80000"/>
+              <a:buFont typeface="Wingdings" charset="2"/>
+              <a:buChar char=""/>
+            </a:pPr>
+            <a:r>
+              <a:rPr b="1" lang="en-US" sz="1800" spc="-1" strike="noStrike">
+                <a:solidFill>
+                  <a:srgbClr val="2d2d2d"/>
+                </a:solidFill>
+                <a:latin typeface="Calibri"/>
+              </a:rPr>
+              <a:t>Debug Instance Destroy</a:t>
+            </a:r>
+            <a:endParaRPr b="0" lang="en-US" sz="1800" spc="-1" strike="noStrike">
+              <a:latin typeface="Arial"/>
+            </a:endParaRPr>
+          </a:p>
+          <a:p>
+            <a:pPr marL="343080" indent="-343080">
+              <a:lnSpc>
+                <a:spcPct val="100000"/>
+              </a:lnSpc>
+              <a:spcBef>
+                <a:spcPts val="360"/>
+              </a:spcBef>
+              <a:buClr>
+                <a:srgbClr val="0070c0"/>
+              </a:buClr>
+              <a:buSzPct val="80000"/>
+              <a:buFont typeface="Wingdings" charset="2"/>
+              <a:buChar char=""/>
+            </a:pPr>
+            <a:r>
+              <a:rPr b="0" lang="en-US" sz="1800" spc="-1" strike="noStrike">
+                <a:solidFill>
+                  <a:srgbClr val="2d2d2d"/>
+                </a:solidFill>
+                <a:latin typeface="Calibri"/>
+              </a:rPr>
+              <a:t>Define destroy instance function.</a:t>
+            </a:r>
+            <a:endParaRPr b="0" lang="en-US" sz="1800" spc="-1" strike="noStrike">
+              <a:latin typeface="Arial"/>
+            </a:endParaRPr>
+          </a:p>
+        </p:txBody>
+      </p:sp>
+      <p:sp>
+        <p:nvSpPr>
+          <p:cNvPr id="109" name="標題 13"/>
+          <p:cNvSpPr/>
+          <p:nvPr/>
+        </p:nvSpPr>
+        <p:spPr>
+          <a:xfrm>
+            <a:off x="0" y="764640"/>
+            <a:ext cx="9140400" cy="356400"/>
+          </a:xfrm>
+          <a:prstGeom prst="rect">
+            <a:avLst/>
+          </a:prstGeom>
+          <a:gradFill rotWithShape="0">
+            <a:gsLst>
+              <a:gs pos="0">
+                <a:srgbClr val="00afef"/>
+              </a:gs>
+              <a:gs pos="100000">
+                <a:srgbClr val="00688e"/>
+              </a:gs>
+            </a:gsLst>
+            <a:lin ang="8100000"/>
+          </a:gradFill>
+          <a:ln w="0">
+            <a:noFill/>
+          </a:ln>
+        </p:spPr>
+        <p:style>
+          <a:lnRef idx="0"/>
+          <a:fillRef idx="0"/>
+          <a:effectRef idx="0"/>
+          <a:fontRef idx="minor"/>
+        </p:style>
+        <p:txBody>
+          <a:bodyPr lIns="90000" rIns="90000" tIns="45000" bIns="45000" anchor="ctr">
+            <a:normAutofit fontScale="97000"/>
+          </a:bodyPr>
+          <a:p>
+            <a:pPr>
+              <a:lnSpc>
+                <a:spcPct val="100000"/>
+              </a:lnSpc>
+              <a:buNone/>
+            </a:pPr>
+            <a:r>
+              <a:rPr b="0" lang="en-US" sz="1800" spc="-1" strike="noStrike">
+                <a:solidFill>
+                  <a:srgbClr val="000000"/>
+                </a:solidFill>
+                <a:latin typeface="Calibri"/>
+                <a:ea typeface="DejaVu Sans"/>
+              </a:rPr>
+              <a:t>https://vulkan-tutorial.com/Development_environment#page_Linux</a:t>
+            </a:r>
+            <a:endParaRPr b="0" lang="en-US" sz="1800" spc="-1" strike="noStrike">
+              <a:latin typeface="Arial"/>
+            </a:endParaRPr>
+          </a:p>
+        </p:txBody>
+      </p:sp>
+      <p:pic>
+        <p:nvPicPr>
+          <p:cNvPr id="110" name="" descr=""/>
+          <p:cNvPicPr/>
+          <p:nvPr/>
+        </p:nvPicPr>
+        <p:blipFill>
+          <a:blip r:embed="rId1"/>
+          <a:stretch/>
+        </p:blipFill>
+        <p:spPr>
+          <a:xfrm>
+            <a:off x="229320" y="2286000"/>
+            <a:ext cx="9143280" cy="3620520"/>
+          </a:xfrm>
+          <a:prstGeom prst="rect">
+            <a:avLst/>
+          </a:prstGeom>
+          <a:ln w="0">
+            <a:noFill/>
+          </a:ln>
+        </p:spPr>
+      </p:pic>
+      <p:sp>
+        <p:nvSpPr>
+          <p:cNvPr id="111" name=""/>
+          <p:cNvSpPr/>
+          <p:nvPr/>
+        </p:nvSpPr>
+        <p:spPr>
+          <a:xfrm>
+            <a:off x="685800" y="4343400"/>
+            <a:ext cx="8458920" cy="1143000"/>
+          </a:xfrm>
+          <a:prstGeom prst="rect">
+            <a:avLst/>
+          </a:prstGeom>
+          <a:noFill/>
+          <a:ln w="0">
+            <a:solidFill>
+              <a:srgbClr val="bf0041"/>
+            </a:solidFill>
+          </a:ln>
+        </p:spPr>
+        <p:style>
+          <a:lnRef idx="0"/>
+          <a:fillRef idx="0"/>
+          <a:effectRef idx="0"/>
+          <a:fontRef idx="minor"/>
+        </p:style>
+      </p:sp>
+      <p:sp>
+        <p:nvSpPr>
+          <p:cNvPr id="4" name="PlaceHolder 3"/>
+          <p:cNvSpPr>
+            <a:spLocks noGrp="1"/>
+          </p:cNvSpPr>
+          <p:nvPr>
+            <p:ph type="sldNum" idx="2"/>
+          </p:nvPr>
+        </p:nvSpPr>
+        <p:spPr/>
+        <p:txBody>
+          <a:bodyPr/>
+          <a:p>
+            <a:fld id="{CD9EE405-F221-4BD0-8302-3CD031A411BE}" type="slidenum">
+              <a:t>19</a:t>
+            </a:fld>
+          </a:p>
+        </p:txBody>
+      </p:sp>
+      <p:sp>
+        <p:nvSpPr>
+          <p:cNvPr id="5" name="PlaceHolder 4"/>
+          <p:cNvSpPr>
+            <a:spLocks noGrp="1"/>
+          </p:cNvSpPr>
+          <p:nvPr>
+            <p:ph type="dt" idx="3"/>
+          </p:nvPr>
+        </p:nvSpPr>
+        <p:spPr/>
+        <p:txBody>
+          <a:bodyPr/>
+          <a:p>
+            <a:fld id="{6BE6BB18-15F5-4A58-A439-AC06F2AEB74A}" type="datetime1">
+              <a:rPr lang="en-US"/>
+              <a:t>12/09/2022</a:t>
             </a:fld>
           </a:p>
         </p:txBody>
@@ -2938,7 +5584,7 @@
         <p:spPr>
           <a:xfrm>
             <a:off x="0" y="2520"/>
-            <a:ext cx="9141120" cy="761760"/>
+            <a:ext cx="9140400" cy="761040"/>
           </a:xfrm>
           <a:prstGeom prst="rect">
             <a:avLst/>
@@ -2997,7 +5643,7 @@
         <p:spPr>
           <a:xfrm>
             <a:off x="467640" y="1371600"/>
-            <a:ext cx="8447400" cy="2742840"/>
+            <a:ext cx="8218800" cy="4114440"/>
           </a:xfrm>
           <a:prstGeom prst="rect">
             <a:avLst/>
@@ -3038,7 +5684,7 @@
                 </a:solidFill>
                 <a:latin typeface="Calibri"/>
               </a:rPr>
-              <a:t>Validation Layer</a:t>
+              <a:t>What Are Validation Layers?</a:t>
             </a:r>
             <a:endParaRPr b="0" lang="en-US" sz="1800" spc="-1" strike="noStrike">
               <a:latin typeface="Arial"/>
@@ -3066,7 +5712,7 @@
                 </a:solidFill>
                 <a:latin typeface="Calibri"/>
               </a:rPr>
-              <a:t>Common operations in validation layers are:</a:t>
+              <a:t>It is easy to make mistakes in passing parameter.</a:t>
             </a:r>
             <a:endParaRPr b="0" lang="en-US" sz="1800" spc="-1" strike="noStrike">
               <a:latin typeface="Arial"/>
@@ -3094,7 +5740,7 @@
                 </a:solidFill>
                 <a:latin typeface="Calibri"/>
               </a:rPr>
-              <a:t>Checking the values of parameters against the specification to detect misuse</a:t>
+              <a:t>For example, use GPU feature and forgetting to request it at logical device creation time.</a:t>
             </a:r>
             <a:endParaRPr b="0" lang="en-US" sz="1800" spc="-1" strike="noStrike">
               <a:latin typeface="Arial"/>
@@ -3122,7 +5768,7 @@
                 </a:solidFill>
                 <a:latin typeface="Calibri"/>
               </a:rPr>
-              <a:t>Tracking creation and destruction of objects to find resource leaks</a:t>
+              <a:t>Vulkan provides check for validation layers.</a:t>
             </a:r>
             <a:endParaRPr b="0" lang="en-US" sz="1800" spc="-1" strike="noStrike">
               <a:latin typeface="Arial"/>
@@ -3150,7 +5796,7 @@
                 </a:solidFill>
                 <a:latin typeface="Calibri"/>
               </a:rPr>
-              <a:t>Checking thread safety by tracking the threads that calls originate from</a:t>
+              <a:t>Validation layers are optional function calls.</a:t>
             </a:r>
             <a:endParaRPr b="0" lang="en-US" sz="1800" spc="-1" strike="noStrike">
               <a:latin typeface="Arial"/>
@@ -3178,7 +5824,7 @@
                 </a:solidFill>
                 <a:latin typeface="Calibri"/>
               </a:rPr>
-              <a:t>Logging every call and its parameters to the standard output</a:t>
+              <a:t>Common operations in validation layers are:</a:t>
             </a:r>
             <a:endParaRPr b="0" lang="en-US" sz="1800" spc="-1" strike="noStrike">
               <a:latin typeface="Arial"/>
@@ -3206,22 +5852,120 @@
                 </a:solidFill>
                 <a:latin typeface="Calibri"/>
               </a:rPr>
-              <a:t>Tracing Vulkan calls for profiling and replaying</a:t>
+              <a:t>1. Checking the values of parameters against the specification</a:t>
             </a:r>
             <a:endParaRPr b="0" lang="en-US" sz="1800" spc="-1" strike="noStrike">
               <a:latin typeface="Arial"/>
             </a:endParaRPr>
           </a:p>
           <a:p>
-            <a:pPr>
+            <a:pPr marL="343080" indent="-343080">
               <a:lnSpc>
                 <a:spcPct val="100000"/>
               </a:lnSpc>
               <a:spcBef>
                 <a:spcPts val="360"/>
               </a:spcBef>
-              <a:buNone/>
-            </a:pPr>
+              <a:buClr>
+                <a:srgbClr val="0070c0"/>
+              </a:buClr>
+              <a:buSzPct val="80000"/>
+              <a:buFont typeface="Wingdings" charset="2"/>
+              <a:buChar char=""/>
+            </a:pPr>
+            <a:r>
+              <a:rPr b="0" lang="en-US" sz="1800" spc="-1" strike="noStrike">
+                <a:solidFill>
+                  <a:srgbClr val="2d2d2d"/>
+                </a:solidFill>
+                <a:latin typeface="Calibri"/>
+              </a:rPr>
+              <a:t>2. Tracking creation and destruction of objects to find resource leaks</a:t>
+            </a:r>
+            <a:endParaRPr b="0" lang="en-US" sz="1800" spc="-1" strike="noStrike">
+              <a:latin typeface="Arial"/>
+            </a:endParaRPr>
+          </a:p>
+          <a:p>
+            <a:pPr marL="343080" indent="-343080">
+              <a:lnSpc>
+                <a:spcPct val="100000"/>
+              </a:lnSpc>
+              <a:spcBef>
+                <a:spcPts val="360"/>
+              </a:spcBef>
+              <a:buClr>
+                <a:srgbClr val="0070c0"/>
+              </a:buClr>
+              <a:buSzPct val="80000"/>
+              <a:buFont typeface="Wingdings" charset="2"/>
+              <a:buChar char=""/>
+            </a:pPr>
+            <a:r>
+              <a:rPr b="0" lang="en-US" sz="1800" spc="-1" strike="noStrike">
+                <a:solidFill>
+                  <a:srgbClr val="2d2d2d"/>
+                </a:solidFill>
+                <a:latin typeface="Calibri"/>
+              </a:rPr>
+              <a:t>3. Checking thread safety by tracking the threads that calls originate from</a:t>
+            </a:r>
+            <a:endParaRPr b="0" lang="en-US" sz="1800" spc="-1" strike="noStrike">
+              <a:latin typeface="Arial"/>
+            </a:endParaRPr>
+          </a:p>
+          <a:p>
+            <a:pPr marL="343080" indent="-343080">
+              <a:lnSpc>
+                <a:spcPct val="100000"/>
+              </a:lnSpc>
+              <a:spcBef>
+                <a:spcPts val="360"/>
+              </a:spcBef>
+              <a:buClr>
+                <a:srgbClr val="0070c0"/>
+              </a:buClr>
+              <a:buSzPct val="80000"/>
+              <a:buFont typeface="Wingdings" charset="2"/>
+              <a:buChar char=""/>
+            </a:pPr>
+            <a:r>
+              <a:rPr b="0" lang="en-US" sz="1800" spc="-1" strike="noStrike">
+                <a:solidFill>
+                  <a:srgbClr val="2d2d2d"/>
+                </a:solidFill>
+                <a:latin typeface="Calibri"/>
+              </a:rPr>
+              <a:t>4. Logging every call and its parameters to the standard output</a:t>
+            </a:r>
+            <a:endParaRPr b="0" lang="en-US" sz="1800" spc="-1" strike="noStrike">
+              <a:latin typeface="Arial"/>
+            </a:endParaRPr>
+          </a:p>
+          <a:p>
+            <a:pPr marL="343080" indent="-343080">
+              <a:lnSpc>
+                <a:spcPct val="100000"/>
+              </a:lnSpc>
+              <a:spcBef>
+                <a:spcPts val="360"/>
+              </a:spcBef>
+              <a:buClr>
+                <a:srgbClr val="0070c0"/>
+              </a:buClr>
+              <a:buSzPct val="80000"/>
+              <a:buFont typeface="Wingdings" charset="2"/>
+              <a:buChar char=""/>
+            </a:pPr>
+            <a:r>
+              <a:rPr b="0" lang="en-US" sz="1800" spc="-1" strike="noStrike">
+                <a:solidFill>
+                  <a:srgbClr val="2d2d2d"/>
+                </a:solidFill>
+                <a:latin typeface="Calibri"/>
+              </a:rPr>
+              <a:t>5. Tracing Vulkan calls for profiling and replaying</a:t>
+            </a:r>
             <a:endParaRPr b="0" lang="en-US" sz="1800" spc="-1" strike="noStrike">
               <a:latin typeface="Arial"/>
             </a:endParaRPr>
@@ -3237,7 +5981,7 @@
         <p:spPr>
           <a:xfrm>
             <a:off x="0" y="764640"/>
-            <a:ext cx="9141120" cy="357120"/>
+            <a:ext cx="9140400" cy="356400"/>
           </a:xfrm>
           <a:prstGeom prst="rect">
             <a:avLst/>
@@ -3304,7 +6048,7 @@
         <p:txBody>
           <a:bodyPr/>
           <a:p>
-            <a:fld id="{B2B22EBF-CDC4-4EF3-B054-0303505803BD}" type="slidenum">
+            <a:fld id="{7B539153-7D0D-4B5A-803D-C35D395BCCED}" type="slidenum">
               <a:t>2</a:t>
             </a:fld>
           </a:p>
@@ -3324,9 +6068,2446 @@
         <p:txBody>
           <a:bodyPr/>
           <a:p>
-            <a:fld id="{1D281423-6641-449F-8340-2C3CA1433B9A}" type="datetime1">
+            <a:fld id="{14CC37A9-BD37-4829-B9D2-54FEC4FA5F70}" type="datetime1">
               <a:rPr lang="en-US"/>
-              <a:t>12/07/2022</a:t>
+              <a:t>12/09/2022</a:t>
+            </a:fld>
+          </a:p>
+        </p:txBody>
+      </p:sp>
+    </p:spTree>
+  </p:cSld>
+  <mc:AlternateContent>
+    <mc:Choice Requires="p14">
+      <p:transition spd="slow" p14:dur="2000"/>
+    </mc:Choice>
+    <mc:Fallback>
+      <p:transition spd="slow"/>
+    </mc:Fallback>
+  </mc:AlternateContent>
+</p:sld>
+</file>
+
+<file path=ppt/slides/slide20.xml><?xml version="1.0" encoding="utf-8"?>
+<p:sld xmlns:a="http://schemas.openxmlformats.org/drawingml/2006/main" xmlns:p="http://schemas.openxmlformats.org/presentationml/2006/main" xmlns:r="http://schemas.openxmlformats.org/officeDocument/2006/relationships" xmlns:p14="http://schemas.microsoft.com/office/powerpoint/2010/main" xmlns:p15="http://schemas.microsoft.com/office/powerpoint/2012/main" xmlns:mc="http://schemas.openxmlformats.org/markup-compatibility/2006">
+  <p:cSld>
+    <p:spTree>
+      <p:nvGrpSpPr>
+        <p:cNvPr id="1" name=""/>
+        <p:cNvGrpSpPr/>
+        <p:nvPr/>
+      </p:nvGrpSpPr>
+      <p:grpSpPr>
+        <a:xfrm>
+          <a:off x="0" y="0"/>
+          <a:ext cx="0" cy="0"/>
+          <a:chOff x="0" y="0"/>
+          <a:chExt cx="0" cy="0"/>
+        </a:xfrm>
+      </p:grpSpPr>
+      <p:pic>
+        <p:nvPicPr>
+          <p:cNvPr id="112" name="" descr=""/>
+          <p:cNvPicPr/>
+          <p:nvPr/>
+        </p:nvPicPr>
+        <p:blipFill>
+          <a:blip r:embed="rId1"/>
+          <a:stretch/>
+        </p:blipFill>
+        <p:spPr>
+          <a:xfrm>
+            <a:off x="228960" y="2464200"/>
+            <a:ext cx="9143640" cy="3479400"/>
+          </a:xfrm>
+          <a:prstGeom prst="rect">
+            <a:avLst/>
+          </a:prstGeom>
+          <a:ln w="0">
+            <a:noFill/>
+          </a:ln>
+        </p:spPr>
+      </p:pic>
+      <p:sp>
+        <p:nvSpPr>
+          <p:cNvPr id="113" name="PlaceHolder 1"/>
+          <p:cNvSpPr>
+            <a:spLocks noGrp="1"/>
+          </p:cNvSpPr>
+          <p:nvPr>
+            <p:ph type="title"/>
+          </p:nvPr>
+        </p:nvSpPr>
+        <p:spPr>
+          <a:xfrm>
+            <a:off x="0" y="2520"/>
+            <a:ext cx="9140400" cy="761040"/>
+          </a:xfrm>
+          <a:prstGeom prst="rect">
+            <a:avLst/>
+          </a:prstGeom>
+          <a:gradFill rotWithShape="0">
+            <a:gsLst>
+              <a:gs pos="0">
+                <a:srgbClr val="bf0000"/>
+              </a:gs>
+              <a:gs pos="100000">
+                <a:srgbClr val="710000"/>
+              </a:gs>
+            </a:gsLst>
+            <a:lin ang="8100000"/>
+          </a:gradFill>
+          <a:ln w="0">
+            <a:noFill/>
+          </a:ln>
+        </p:spPr>
+        <p:txBody>
+          <a:bodyPr lIns="0" rIns="0" tIns="0" bIns="0" anchor="ctr">
+            <a:normAutofit/>
+          </a:bodyPr>
+          <a:p>
+            <a:pPr>
+              <a:lnSpc>
+                <a:spcPct val="100000"/>
+              </a:lnSpc>
+              <a:buNone/>
+            </a:pPr>
+            <a:r>
+              <a:rPr b="1" lang="en-US" sz="4000" spc="-1" strike="noStrike">
+                <a:solidFill>
+                  <a:srgbClr val="ffff00"/>
+                </a:solidFill>
+                <a:latin typeface="Calibri"/>
+              </a:rPr>
+              <a:t>002.7 Debug Instance Destroy</a:t>
+            </a:r>
+            <a:endParaRPr b="0" lang="en-US" sz="4000" spc="-1" strike="noStrike">
+              <a:latin typeface="Arial"/>
+            </a:endParaRPr>
+          </a:p>
+        </p:txBody>
+      </p:sp>
+      <p:sp>
+        <p:nvSpPr>
+          <p:cNvPr id="114" name="PlaceHolder 2"/>
+          <p:cNvSpPr>
+            <a:spLocks noGrp="1"/>
+          </p:cNvSpPr>
+          <p:nvPr>
+            <p:ph type="subTitle"/>
+          </p:nvPr>
+        </p:nvSpPr>
+        <p:spPr>
+          <a:xfrm>
+            <a:off x="467640" y="1371600"/>
+            <a:ext cx="8218800" cy="685800"/>
+          </a:xfrm>
+          <a:prstGeom prst="rect">
+            <a:avLst/>
+          </a:prstGeom>
+          <a:solidFill>
+            <a:srgbClr val="ffffff"/>
+          </a:solidFill>
+          <a:ln w="25560">
+            <a:solidFill>
+              <a:srgbClr val="c00000"/>
+            </a:solidFill>
+            <a:round/>
+          </a:ln>
+        </p:spPr>
+        <p:txBody>
+          <a:bodyPr lIns="0" rIns="0" tIns="0" bIns="0" anchor="t">
+            <a:noAutofit/>
+          </a:bodyPr>
+          <a:p>
+            <a:pPr marL="343080" indent="-343080">
+              <a:lnSpc>
+                <a:spcPct val="100000"/>
+              </a:lnSpc>
+              <a:spcBef>
+                <a:spcPts val="360"/>
+              </a:spcBef>
+              <a:buClr>
+                <a:srgbClr val="0070c0"/>
+              </a:buClr>
+              <a:buFont typeface="Wingdings" charset="2"/>
+              <a:buChar char=""/>
+            </a:pPr>
+            <a:r>
+              <a:rPr b="1" lang="en-US" sz="1800" spc="-1" strike="noStrike">
+                <a:solidFill>
+                  <a:srgbClr val="2d2d2d"/>
+                </a:solidFill>
+                <a:latin typeface="Calibri"/>
+              </a:rPr>
+              <a:t>Debug Instance Destroy</a:t>
+            </a:r>
+            <a:endParaRPr b="0" lang="en-US" sz="1800" spc="-1" strike="noStrike">
+              <a:latin typeface="Arial"/>
+            </a:endParaRPr>
+          </a:p>
+          <a:p>
+            <a:pPr marL="343080" indent="-343080">
+              <a:lnSpc>
+                <a:spcPct val="100000"/>
+              </a:lnSpc>
+              <a:spcBef>
+                <a:spcPts val="360"/>
+              </a:spcBef>
+              <a:buClr>
+                <a:srgbClr val="0070c0"/>
+              </a:buClr>
+              <a:buSzPct val="80000"/>
+              <a:buFont typeface="Wingdings" charset="2"/>
+              <a:buChar char=""/>
+            </a:pPr>
+            <a:r>
+              <a:rPr b="0" lang="en-US" sz="1800" spc="-1" strike="noStrike">
+                <a:solidFill>
+                  <a:srgbClr val="2d2d2d"/>
+                </a:solidFill>
+                <a:latin typeface="Calibri"/>
+              </a:rPr>
+              <a:t>Add destroy instance function in the cleanup().</a:t>
+            </a:r>
+            <a:endParaRPr b="0" lang="en-US" sz="1800" spc="-1" strike="noStrike">
+              <a:latin typeface="Arial"/>
+            </a:endParaRPr>
+          </a:p>
+        </p:txBody>
+      </p:sp>
+      <p:sp>
+        <p:nvSpPr>
+          <p:cNvPr id="115" name="標題 14"/>
+          <p:cNvSpPr/>
+          <p:nvPr/>
+        </p:nvSpPr>
+        <p:spPr>
+          <a:xfrm>
+            <a:off x="0" y="764640"/>
+            <a:ext cx="9140400" cy="356400"/>
+          </a:xfrm>
+          <a:prstGeom prst="rect">
+            <a:avLst/>
+          </a:prstGeom>
+          <a:gradFill rotWithShape="0">
+            <a:gsLst>
+              <a:gs pos="0">
+                <a:srgbClr val="00afef"/>
+              </a:gs>
+              <a:gs pos="100000">
+                <a:srgbClr val="00688e"/>
+              </a:gs>
+            </a:gsLst>
+            <a:lin ang="8100000"/>
+          </a:gradFill>
+          <a:ln w="0">
+            <a:noFill/>
+          </a:ln>
+        </p:spPr>
+        <p:style>
+          <a:lnRef idx="0"/>
+          <a:fillRef idx="0"/>
+          <a:effectRef idx="0"/>
+          <a:fontRef idx="minor"/>
+        </p:style>
+        <p:txBody>
+          <a:bodyPr lIns="90000" rIns="90000" tIns="45000" bIns="45000" anchor="ctr">
+            <a:normAutofit fontScale="97000"/>
+          </a:bodyPr>
+          <a:p>
+            <a:pPr>
+              <a:lnSpc>
+                <a:spcPct val="100000"/>
+              </a:lnSpc>
+              <a:buNone/>
+            </a:pPr>
+            <a:r>
+              <a:rPr b="0" lang="en-US" sz="1800" spc="-1" strike="noStrike">
+                <a:solidFill>
+                  <a:srgbClr val="000000"/>
+                </a:solidFill>
+                <a:latin typeface="Calibri"/>
+                <a:ea typeface="DejaVu Sans"/>
+              </a:rPr>
+              <a:t>https://vulkan-tutorial.com/Development_environment#page_Linux</a:t>
+            </a:r>
+            <a:endParaRPr b="0" lang="en-US" sz="1800" spc="-1" strike="noStrike">
+              <a:latin typeface="Arial"/>
+            </a:endParaRPr>
+          </a:p>
+        </p:txBody>
+      </p:sp>
+      <p:sp>
+        <p:nvSpPr>
+          <p:cNvPr id="116" name=""/>
+          <p:cNvSpPr/>
+          <p:nvPr/>
+        </p:nvSpPr>
+        <p:spPr>
+          <a:xfrm>
+            <a:off x="1828800" y="4114800"/>
+            <a:ext cx="4800600" cy="228600"/>
+          </a:xfrm>
+          <a:prstGeom prst="rect">
+            <a:avLst/>
+          </a:prstGeom>
+          <a:noFill/>
+          <a:ln w="0">
+            <a:solidFill>
+              <a:srgbClr val="bf0041"/>
+            </a:solidFill>
+          </a:ln>
+        </p:spPr>
+        <p:style>
+          <a:lnRef idx="0"/>
+          <a:fillRef idx="0"/>
+          <a:effectRef idx="0"/>
+          <a:fontRef idx="minor"/>
+        </p:style>
+      </p:sp>
+      <p:sp>
+        <p:nvSpPr>
+          <p:cNvPr id="4" name="PlaceHolder 3"/>
+          <p:cNvSpPr>
+            <a:spLocks noGrp="1"/>
+          </p:cNvSpPr>
+          <p:nvPr>
+            <p:ph type="sldNum" idx="2"/>
+          </p:nvPr>
+        </p:nvSpPr>
+        <p:spPr/>
+        <p:txBody>
+          <a:bodyPr/>
+          <a:p>
+            <a:fld id="{41BC7538-8744-42FB-97C1-451AAE314160}" type="slidenum">
+              <a:t>20</a:t>
+            </a:fld>
+          </a:p>
+        </p:txBody>
+      </p:sp>
+      <p:sp>
+        <p:nvSpPr>
+          <p:cNvPr id="5" name="PlaceHolder 4"/>
+          <p:cNvSpPr>
+            <a:spLocks noGrp="1"/>
+          </p:cNvSpPr>
+          <p:nvPr>
+            <p:ph type="dt" idx="3"/>
+          </p:nvPr>
+        </p:nvSpPr>
+        <p:spPr/>
+        <p:txBody>
+          <a:bodyPr/>
+          <a:p>
+            <a:fld id="{83629594-D8AE-43CF-BB1E-4C1725AAFC0F}" type="datetime1">
+              <a:rPr lang="en-US"/>
+              <a:t>12/09/2022</a:t>
+            </a:fld>
+          </a:p>
+        </p:txBody>
+      </p:sp>
+    </p:spTree>
+  </p:cSld>
+  <mc:AlternateContent>
+    <mc:Choice Requires="p14">
+      <p:transition spd="slow" p14:dur="2000"/>
+    </mc:Choice>
+    <mc:Fallback>
+      <p:transition spd="slow"/>
+    </mc:Fallback>
+  </mc:AlternateContent>
+</p:sld>
+</file>
+
+<file path=ppt/slides/slide21.xml><?xml version="1.0" encoding="utf-8"?>
+<p:sld xmlns:a="http://schemas.openxmlformats.org/drawingml/2006/main" xmlns:p="http://schemas.openxmlformats.org/presentationml/2006/main" xmlns:r="http://schemas.openxmlformats.org/officeDocument/2006/relationships" xmlns:p14="http://schemas.microsoft.com/office/powerpoint/2010/main" xmlns:p15="http://schemas.microsoft.com/office/powerpoint/2012/main" xmlns:mc="http://schemas.openxmlformats.org/markup-compatibility/2006">
+  <p:cSld>
+    <p:spTree>
+      <p:nvGrpSpPr>
+        <p:cNvPr id="1" name=""/>
+        <p:cNvGrpSpPr/>
+        <p:nvPr/>
+      </p:nvGrpSpPr>
+      <p:grpSpPr>
+        <a:xfrm>
+          <a:off x="0" y="0"/>
+          <a:ext cx="0" cy="0"/>
+          <a:chOff x="0" y="0"/>
+          <a:chExt cx="0" cy="0"/>
+        </a:xfrm>
+      </p:grpSpPr>
+      <p:sp>
+        <p:nvSpPr>
+          <p:cNvPr id="117" name="PlaceHolder 1"/>
+          <p:cNvSpPr>
+            <a:spLocks noGrp="1"/>
+          </p:cNvSpPr>
+          <p:nvPr>
+            <p:ph type="title"/>
+          </p:nvPr>
+        </p:nvSpPr>
+        <p:spPr>
+          <a:xfrm>
+            <a:off x="0" y="2130480"/>
+            <a:ext cx="9140400" cy="1466280"/>
+          </a:xfrm>
+          <a:prstGeom prst="rect">
+            <a:avLst/>
+          </a:prstGeom>
+          <a:solidFill>
+            <a:srgbClr val="00b0f0"/>
+          </a:solidFill>
+          <a:ln w="0">
+            <a:noFill/>
+          </a:ln>
+        </p:spPr>
+        <p:txBody>
+          <a:bodyPr lIns="0" rIns="0" tIns="0" bIns="0" anchor="ctr">
+            <a:normAutofit/>
+          </a:bodyPr>
+          <a:p>
+            <a:pPr algn="ctr">
+              <a:lnSpc>
+                <a:spcPct val="100000"/>
+              </a:lnSpc>
+              <a:buNone/>
+            </a:pPr>
+            <a:r>
+              <a:rPr b="1" lang="en-US" sz="4000" spc="-1" strike="noStrike">
+                <a:solidFill>
+                  <a:srgbClr val="ffff00"/>
+                </a:solidFill>
+                <a:latin typeface="Calibri"/>
+              </a:rPr>
+              <a:t>002.8 Validate Code</a:t>
+            </a:r>
+            <a:endParaRPr b="0" lang="en-US" sz="4000" spc="-1" strike="noStrike">
+              <a:latin typeface="Arial"/>
+            </a:endParaRPr>
+          </a:p>
+        </p:txBody>
+      </p:sp>
+      <p:pic>
+        <p:nvPicPr>
+          <p:cNvPr id="118" name="Picture 8" descr="Image result for google vulkan logo"/>
+          <p:cNvPicPr/>
+          <p:nvPr/>
+        </p:nvPicPr>
+        <p:blipFill>
+          <a:blip r:embed="rId1"/>
+          <a:stretch/>
+        </p:blipFill>
+        <p:spPr>
+          <a:xfrm>
+            <a:off x="3564000" y="3707280"/>
+            <a:ext cx="1610280" cy="849240"/>
+          </a:xfrm>
+          <a:prstGeom prst="rect">
+            <a:avLst/>
+          </a:prstGeom>
+          <a:ln w="0">
+            <a:noFill/>
+          </a:ln>
+        </p:spPr>
+      </p:pic>
+      <p:sp>
+        <p:nvSpPr>
+          <p:cNvPr id="3" name="PlaceHolder 2"/>
+          <p:cNvSpPr>
+            <a:spLocks noGrp="1"/>
+          </p:cNvSpPr>
+          <p:nvPr>
+            <p:ph type="sldNum" idx="2"/>
+          </p:nvPr>
+        </p:nvSpPr>
+        <p:spPr/>
+        <p:txBody>
+          <a:bodyPr/>
+          <a:p>
+            <a:fld id="{B2E985DD-BE7C-4BE8-BC3F-CC5E11FEA89E}" type="slidenum">
+              <a:t>21</a:t>
+            </a:fld>
+          </a:p>
+        </p:txBody>
+      </p:sp>
+      <p:sp>
+        <p:nvSpPr>
+          <p:cNvPr id="4" name="PlaceHolder 3"/>
+          <p:cNvSpPr>
+            <a:spLocks noGrp="1"/>
+          </p:cNvSpPr>
+          <p:nvPr>
+            <p:ph type="dt" idx="3"/>
+          </p:nvPr>
+        </p:nvSpPr>
+        <p:spPr/>
+        <p:txBody>
+          <a:bodyPr/>
+          <a:p>
+            <a:fld id="{334D6EED-3259-4A86-B9F4-EBA625A3A5C6}" type="datetime1">
+              <a:rPr lang="en-US"/>
+              <a:t>12/09/2022</a:t>
+            </a:fld>
+          </a:p>
+        </p:txBody>
+      </p:sp>
+    </p:spTree>
+  </p:cSld>
+  <mc:AlternateContent>
+    <mc:Choice Requires="p14">
+      <p:transition spd="slow" p14:dur="2000"/>
+    </mc:Choice>
+    <mc:Fallback>
+      <p:transition spd="slow"/>
+    </mc:Fallback>
+  </mc:AlternateContent>
+</p:sld>
+</file>
+
+<file path=ppt/slides/slide22.xml><?xml version="1.0" encoding="utf-8"?>
+<p:sld xmlns:a="http://schemas.openxmlformats.org/drawingml/2006/main" xmlns:p="http://schemas.openxmlformats.org/presentationml/2006/main" xmlns:r="http://schemas.openxmlformats.org/officeDocument/2006/relationships" xmlns:p14="http://schemas.microsoft.com/office/powerpoint/2010/main" xmlns:p15="http://schemas.microsoft.com/office/powerpoint/2012/main" xmlns:mc="http://schemas.openxmlformats.org/markup-compatibility/2006">
+  <p:cSld>
+    <p:spTree>
+      <p:nvGrpSpPr>
+        <p:cNvPr id="1" name=""/>
+        <p:cNvGrpSpPr/>
+        <p:nvPr/>
+      </p:nvGrpSpPr>
+      <p:grpSpPr>
+        <a:xfrm>
+          <a:off x="0" y="0"/>
+          <a:ext cx="0" cy="0"/>
+          <a:chOff x="0" y="0"/>
+          <a:chExt cx="0" cy="0"/>
+        </a:xfrm>
+      </p:grpSpPr>
+      <p:sp>
+        <p:nvSpPr>
+          <p:cNvPr id="119" name="PlaceHolder 1"/>
+          <p:cNvSpPr>
+            <a:spLocks noGrp="1"/>
+          </p:cNvSpPr>
+          <p:nvPr>
+            <p:ph type="title"/>
+          </p:nvPr>
+        </p:nvSpPr>
+        <p:spPr>
+          <a:xfrm>
+            <a:off x="0" y="2520"/>
+            <a:ext cx="9140400" cy="761040"/>
+          </a:xfrm>
+          <a:prstGeom prst="rect">
+            <a:avLst/>
+          </a:prstGeom>
+          <a:gradFill rotWithShape="0">
+            <a:gsLst>
+              <a:gs pos="0">
+                <a:srgbClr val="bf0000"/>
+              </a:gs>
+              <a:gs pos="100000">
+                <a:srgbClr val="710000"/>
+              </a:gs>
+            </a:gsLst>
+            <a:lin ang="8100000"/>
+          </a:gradFill>
+          <a:ln w="0">
+            <a:noFill/>
+          </a:ln>
+        </p:spPr>
+        <p:txBody>
+          <a:bodyPr lIns="0" rIns="0" tIns="0" bIns="0" anchor="ctr">
+            <a:normAutofit/>
+          </a:bodyPr>
+          <a:p>
+            <a:pPr>
+              <a:lnSpc>
+                <a:spcPct val="100000"/>
+              </a:lnSpc>
+              <a:buNone/>
+            </a:pPr>
+            <a:r>
+              <a:rPr b="1" lang="en-US" sz="4000" spc="-1" strike="noStrike">
+                <a:solidFill>
+                  <a:srgbClr val="ffff00"/>
+                </a:solidFill>
+                <a:latin typeface="Calibri"/>
+              </a:rPr>
+              <a:t>002.8 Validate Code</a:t>
+            </a:r>
+            <a:endParaRPr b="0" lang="en-US" sz="4000" spc="-1" strike="noStrike">
+              <a:latin typeface="Arial"/>
+            </a:endParaRPr>
+          </a:p>
+        </p:txBody>
+      </p:sp>
+      <p:sp>
+        <p:nvSpPr>
+          <p:cNvPr id="120" name="PlaceHolder 2"/>
+          <p:cNvSpPr>
+            <a:spLocks noGrp="1"/>
+          </p:cNvSpPr>
+          <p:nvPr>
+            <p:ph type="subTitle"/>
+          </p:nvPr>
+        </p:nvSpPr>
+        <p:spPr>
+          <a:xfrm>
+            <a:off x="467640" y="1371600"/>
+            <a:ext cx="8218800" cy="685440"/>
+          </a:xfrm>
+          <a:prstGeom prst="rect">
+            <a:avLst/>
+          </a:prstGeom>
+          <a:solidFill>
+            <a:srgbClr val="ffffff"/>
+          </a:solidFill>
+          <a:ln w="25560">
+            <a:solidFill>
+              <a:srgbClr val="c00000"/>
+            </a:solidFill>
+            <a:round/>
+          </a:ln>
+        </p:spPr>
+        <p:txBody>
+          <a:bodyPr lIns="0" rIns="0" tIns="0" bIns="0" anchor="t">
+            <a:noAutofit/>
+          </a:bodyPr>
+          <a:p>
+            <a:pPr marL="343080" indent="-343080">
+              <a:lnSpc>
+                <a:spcPct val="100000"/>
+              </a:lnSpc>
+              <a:spcBef>
+                <a:spcPts val="360"/>
+              </a:spcBef>
+              <a:buClr>
+                <a:srgbClr val="0070c0"/>
+              </a:buClr>
+              <a:buSzPct val="80000"/>
+              <a:buFont typeface="Wingdings" charset="2"/>
+              <a:buChar char=""/>
+            </a:pPr>
+            <a:r>
+              <a:rPr b="1" lang="en-US" sz="1800" spc="-1" strike="noStrike">
+                <a:solidFill>
+                  <a:srgbClr val="2d2d2d"/>
+                </a:solidFill>
+                <a:latin typeface="Calibri"/>
+              </a:rPr>
+              <a:t>Validate Code (1)</a:t>
+            </a:r>
+            <a:endParaRPr b="0" lang="en-US" sz="1800" spc="-1" strike="noStrike">
+              <a:latin typeface="Arial"/>
+            </a:endParaRPr>
+          </a:p>
+          <a:p>
+            <a:pPr marL="343080" indent="-343080">
+              <a:lnSpc>
+                <a:spcPct val="100000"/>
+              </a:lnSpc>
+              <a:spcBef>
+                <a:spcPts val="360"/>
+              </a:spcBef>
+              <a:buClr>
+                <a:srgbClr val="0070c0"/>
+              </a:buClr>
+              <a:buSzPct val="80000"/>
+              <a:buFont typeface="Wingdings" charset="2"/>
+              <a:buChar char=""/>
+            </a:pPr>
+            <a:r>
+              <a:rPr b="0" lang="en-US" sz="1800" spc="-1" strike="noStrike">
+                <a:solidFill>
+                  <a:srgbClr val="2d2d2d"/>
+                </a:solidFill>
+                <a:latin typeface="Calibri"/>
+              </a:rPr>
+              <a:t>Lines 1-21: Define variables.</a:t>
+            </a:r>
+            <a:endParaRPr b="0" lang="en-US" sz="1800" spc="-1" strike="noStrike">
+              <a:latin typeface="Arial"/>
+            </a:endParaRPr>
+          </a:p>
+        </p:txBody>
+      </p:sp>
+      <p:sp>
+        <p:nvSpPr>
+          <p:cNvPr id="121" name="標題 7"/>
+          <p:cNvSpPr/>
+          <p:nvPr/>
+        </p:nvSpPr>
+        <p:spPr>
+          <a:xfrm>
+            <a:off x="0" y="764640"/>
+            <a:ext cx="9140400" cy="356400"/>
+          </a:xfrm>
+          <a:prstGeom prst="rect">
+            <a:avLst/>
+          </a:prstGeom>
+          <a:gradFill rotWithShape="0">
+            <a:gsLst>
+              <a:gs pos="0">
+                <a:srgbClr val="00afef"/>
+              </a:gs>
+              <a:gs pos="100000">
+                <a:srgbClr val="00688e"/>
+              </a:gs>
+            </a:gsLst>
+            <a:lin ang="8100000"/>
+          </a:gradFill>
+          <a:ln w="0">
+            <a:noFill/>
+          </a:ln>
+        </p:spPr>
+        <p:style>
+          <a:lnRef idx="0"/>
+          <a:fillRef idx="0"/>
+          <a:effectRef idx="0"/>
+          <a:fontRef idx="minor"/>
+        </p:style>
+        <p:txBody>
+          <a:bodyPr lIns="90000" rIns="90000" tIns="45000" bIns="45000" anchor="ctr">
+            <a:normAutofit fontScale="97000"/>
+          </a:bodyPr>
+          <a:p>
+            <a:pPr>
+              <a:lnSpc>
+                <a:spcPct val="100000"/>
+              </a:lnSpc>
+              <a:buNone/>
+            </a:pPr>
+            <a:r>
+              <a:rPr b="0" lang="en-US" sz="1800" spc="-1" strike="noStrike">
+                <a:solidFill>
+                  <a:srgbClr val="000000"/>
+                </a:solidFill>
+                <a:latin typeface="Calibri"/>
+                <a:ea typeface="DejaVu Sans"/>
+              </a:rPr>
+              <a:t>https://vulkan-tutorial.com/Development_environment#page_Linux</a:t>
+            </a:r>
+            <a:endParaRPr b="0" lang="en-US" sz="1800" spc="-1" strike="noStrike">
+              <a:latin typeface="Arial"/>
+            </a:endParaRPr>
+          </a:p>
+        </p:txBody>
+      </p:sp>
+      <p:pic>
+        <p:nvPicPr>
+          <p:cNvPr id="122" name="" descr=""/>
+          <p:cNvPicPr/>
+          <p:nvPr/>
+        </p:nvPicPr>
+        <p:blipFill>
+          <a:blip r:embed="rId1"/>
+          <a:stretch/>
+        </p:blipFill>
+        <p:spPr>
+          <a:xfrm>
+            <a:off x="1371600" y="2124360"/>
+            <a:ext cx="7057440" cy="4733280"/>
+          </a:xfrm>
+          <a:prstGeom prst="rect">
+            <a:avLst/>
+          </a:prstGeom>
+          <a:ln w="0">
+            <a:noFill/>
+          </a:ln>
+        </p:spPr>
+      </p:pic>
+      <p:sp>
+        <p:nvSpPr>
+          <p:cNvPr id="4" name="PlaceHolder 3"/>
+          <p:cNvSpPr>
+            <a:spLocks noGrp="1"/>
+          </p:cNvSpPr>
+          <p:nvPr>
+            <p:ph type="sldNum" idx="2"/>
+          </p:nvPr>
+        </p:nvSpPr>
+        <p:spPr/>
+        <p:txBody>
+          <a:bodyPr/>
+          <a:p>
+            <a:fld id="{D4A31D1C-EF3A-40A9-AB1B-CFD81A6C5265}" type="slidenum">
+              <a:t>22</a:t>
+            </a:fld>
+          </a:p>
+        </p:txBody>
+      </p:sp>
+      <p:sp>
+        <p:nvSpPr>
+          <p:cNvPr id="5" name="PlaceHolder 4"/>
+          <p:cNvSpPr>
+            <a:spLocks noGrp="1"/>
+          </p:cNvSpPr>
+          <p:nvPr>
+            <p:ph type="dt" idx="3"/>
+          </p:nvPr>
+        </p:nvSpPr>
+        <p:spPr/>
+        <p:txBody>
+          <a:bodyPr/>
+          <a:p>
+            <a:fld id="{AD72A4FD-649A-401B-B917-9D290EBCCE8B}" type="datetime1">
+              <a:rPr lang="en-US"/>
+              <a:t>12/09/2022</a:t>
+            </a:fld>
+          </a:p>
+        </p:txBody>
+      </p:sp>
+    </p:spTree>
+  </p:cSld>
+  <mc:AlternateContent>
+    <mc:Choice Requires="p14">
+      <p:transition spd="slow" p14:dur="2000"/>
+    </mc:Choice>
+    <mc:Fallback>
+      <p:transition spd="slow"/>
+    </mc:Fallback>
+  </mc:AlternateContent>
+</p:sld>
+</file>
+
+<file path=ppt/slides/slide23.xml><?xml version="1.0" encoding="utf-8"?>
+<p:sld xmlns:a="http://schemas.openxmlformats.org/drawingml/2006/main" xmlns:p="http://schemas.openxmlformats.org/presentationml/2006/main" xmlns:r="http://schemas.openxmlformats.org/officeDocument/2006/relationships" xmlns:p14="http://schemas.microsoft.com/office/powerpoint/2010/main" xmlns:p15="http://schemas.microsoft.com/office/powerpoint/2012/main" xmlns:mc="http://schemas.openxmlformats.org/markup-compatibility/2006">
+  <p:cSld>
+    <p:spTree>
+      <p:nvGrpSpPr>
+        <p:cNvPr id="1" name=""/>
+        <p:cNvGrpSpPr/>
+        <p:nvPr/>
+      </p:nvGrpSpPr>
+      <p:grpSpPr>
+        <a:xfrm>
+          <a:off x="0" y="0"/>
+          <a:ext cx="0" cy="0"/>
+          <a:chOff x="0" y="0"/>
+          <a:chExt cx="0" cy="0"/>
+        </a:xfrm>
+      </p:grpSpPr>
+      <p:sp>
+        <p:nvSpPr>
+          <p:cNvPr id="123" name="PlaceHolder 1"/>
+          <p:cNvSpPr>
+            <a:spLocks noGrp="1"/>
+          </p:cNvSpPr>
+          <p:nvPr>
+            <p:ph type="title"/>
+          </p:nvPr>
+        </p:nvSpPr>
+        <p:spPr>
+          <a:xfrm>
+            <a:off x="0" y="2520"/>
+            <a:ext cx="9140400" cy="761040"/>
+          </a:xfrm>
+          <a:prstGeom prst="rect">
+            <a:avLst/>
+          </a:prstGeom>
+          <a:gradFill rotWithShape="0">
+            <a:gsLst>
+              <a:gs pos="0">
+                <a:srgbClr val="bf0000"/>
+              </a:gs>
+              <a:gs pos="100000">
+                <a:srgbClr val="710000"/>
+              </a:gs>
+            </a:gsLst>
+            <a:lin ang="8100000"/>
+          </a:gradFill>
+          <a:ln w="0">
+            <a:noFill/>
+          </a:ln>
+        </p:spPr>
+        <p:txBody>
+          <a:bodyPr lIns="0" rIns="0" tIns="0" bIns="0" anchor="ctr">
+            <a:normAutofit/>
+          </a:bodyPr>
+          <a:p>
+            <a:pPr>
+              <a:lnSpc>
+                <a:spcPct val="100000"/>
+              </a:lnSpc>
+              <a:buNone/>
+            </a:pPr>
+            <a:r>
+              <a:rPr b="1" lang="en-US" sz="4000" spc="-1" strike="noStrike">
+                <a:solidFill>
+                  <a:srgbClr val="ffff00"/>
+                </a:solidFill>
+                <a:latin typeface="Calibri"/>
+              </a:rPr>
+              <a:t>002.8 Validate Code</a:t>
+            </a:r>
+            <a:endParaRPr b="0" lang="en-US" sz="4000" spc="-1" strike="noStrike">
+              <a:latin typeface="Arial"/>
+            </a:endParaRPr>
+          </a:p>
+        </p:txBody>
+      </p:sp>
+      <p:sp>
+        <p:nvSpPr>
+          <p:cNvPr id="124" name="PlaceHolder 2"/>
+          <p:cNvSpPr>
+            <a:spLocks noGrp="1"/>
+          </p:cNvSpPr>
+          <p:nvPr>
+            <p:ph type="subTitle"/>
+          </p:nvPr>
+        </p:nvSpPr>
+        <p:spPr>
+          <a:xfrm>
+            <a:off x="467640" y="1371600"/>
+            <a:ext cx="8218800" cy="914040"/>
+          </a:xfrm>
+          <a:prstGeom prst="rect">
+            <a:avLst/>
+          </a:prstGeom>
+          <a:solidFill>
+            <a:srgbClr val="ffffff"/>
+          </a:solidFill>
+          <a:ln w="25560">
+            <a:solidFill>
+              <a:srgbClr val="c00000"/>
+            </a:solidFill>
+            <a:round/>
+          </a:ln>
+        </p:spPr>
+        <p:txBody>
+          <a:bodyPr lIns="0" rIns="0" tIns="0" bIns="0" anchor="t">
+            <a:noAutofit/>
+          </a:bodyPr>
+          <a:p>
+            <a:pPr marL="343080" indent="-343080">
+              <a:lnSpc>
+                <a:spcPct val="100000"/>
+              </a:lnSpc>
+              <a:spcBef>
+                <a:spcPts val="360"/>
+              </a:spcBef>
+              <a:buClr>
+                <a:srgbClr val="0070c0"/>
+              </a:buClr>
+              <a:buSzPct val="80000"/>
+              <a:buFont typeface="Wingdings" charset="2"/>
+              <a:buChar char=""/>
+            </a:pPr>
+            <a:r>
+              <a:rPr b="1" lang="en-US" sz="1800" spc="-1" strike="noStrike">
+                <a:solidFill>
+                  <a:srgbClr val="2d2d2d"/>
+                </a:solidFill>
+                <a:latin typeface="Calibri"/>
+              </a:rPr>
+              <a:t>Validate Code (2)</a:t>
+            </a:r>
+            <a:endParaRPr b="0" lang="en-US" sz="1800" spc="-1" strike="noStrike">
+              <a:latin typeface="Arial"/>
+            </a:endParaRPr>
+          </a:p>
+          <a:p>
+            <a:pPr marL="343080" indent="-343080">
+              <a:lnSpc>
+                <a:spcPct val="100000"/>
+              </a:lnSpc>
+              <a:spcBef>
+                <a:spcPts val="360"/>
+              </a:spcBef>
+              <a:buClr>
+                <a:srgbClr val="0070c0"/>
+              </a:buClr>
+              <a:buSzPct val="80000"/>
+              <a:buFont typeface="Wingdings" charset="2"/>
+              <a:buChar char=""/>
+            </a:pPr>
+            <a:r>
+              <a:rPr b="0" lang="en-US" sz="1800" spc="-1" strike="noStrike">
+                <a:solidFill>
+                  <a:srgbClr val="2d2d2d"/>
+                </a:solidFill>
+                <a:latin typeface="Calibri"/>
+              </a:rPr>
+              <a:t>Lines 23-38: Define utility function for creation and destroy instance functions.</a:t>
+            </a:r>
+            <a:endParaRPr b="0" lang="en-US" sz="1800" spc="-1" strike="noStrike">
+              <a:latin typeface="Arial"/>
+            </a:endParaRPr>
+          </a:p>
+        </p:txBody>
+      </p:sp>
+      <p:sp>
+        <p:nvSpPr>
+          <p:cNvPr id="125" name="標題 5"/>
+          <p:cNvSpPr/>
+          <p:nvPr/>
+        </p:nvSpPr>
+        <p:spPr>
+          <a:xfrm>
+            <a:off x="0" y="764640"/>
+            <a:ext cx="9140400" cy="356400"/>
+          </a:xfrm>
+          <a:prstGeom prst="rect">
+            <a:avLst/>
+          </a:prstGeom>
+          <a:gradFill rotWithShape="0">
+            <a:gsLst>
+              <a:gs pos="0">
+                <a:srgbClr val="00afef"/>
+              </a:gs>
+              <a:gs pos="100000">
+                <a:srgbClr val="00688e"/>
+              </a:gs>
+            </a:gsLst>
+            <a:lin ang="8100000"/>
+          </a:gradFill>
+          <a:ln w="0">
+            <a:noFill/>
+          </a:ln>
+        </p:spPr>
+        <p:style>
+          <a:lnRef idx="0"/>
+          <a:fillRef idx="0"/>
+          <a:effectRef idx="0"/>
+          <a:fontRef idx="minor"/>
+        </p:style>
+        <p:txBody>
+          <a:bodyPr lIns="90000" rIns="90000" tIns="45000" bIns="45000" anchor="ctr">
+            <a:normAutofit fontScale="97000"/>
+          </a:bodyPr>
+          <a:p>
+            <a:pPr>
+              <a:lnSpc>
+                <a:spcPct val="100000"/>
+              </a:lnSpc>
+              <a:buNone/>
+            </a:pPr>
+            <a:r>
+              <a:rPr b="0" lang="en-US" sz="1800" spc="-1" strike="noStrike">
+                <a:solidFill>
+                  <a:srgbClr val="000000"/>
+                </a:solidFill>
+                <a:latin typeface="Calibri"/>
+                <a:ea typeface="DejaVu Sans"/>
+              </a:rPr>
+              <a:t>https://vulkan-tutorial.com/Development_environment#page_Linux</a:t>
+            </a:r>
+            <a:endParaRPr b="0" lang="en-US" sz="1800" spc="-1" strike="noStrike">
+              <a:latin typeface="Arial"/>
+            </a:endParaRPr>
+          </a:p>
+        </p:txBody>
+      </p:sp>
+      <p:pic>
+        <p:nvPicPr>
+          <p:cNvPr id="126" name="" descr=""/>
+          <p:cNvPicPr/>
+          <p:nvPr/>
+        </p:nvPicPr>
+        <p:blipFill>
+          <a:blip r:embed="rId1"/>
+          <a:stretch/>
+        </p:blipFill>
+        <p:spPr>
+          <a:xfrm>
+            <a:off x="26640" y="2514600"/>
+            <a:ext cx="9143280" cy="3620520"/>
+          </a:xfrm>
+          <a:prstGeom prst="rect">
+            <a:avLst/>
+          </a:prstGeom>
+          <a:ln w="0">
+            <a:noFill/>
+          </a:ln>
+        </p:spPr>
+      </p:pic>
+      <p:sp>
+        <p:nvSpPr>
+          <p:cNvPr id="4" name="PlaceHolder 3"/>
+          <p:cNvSpPr>
+            <a:spLocks noGrp="1"/>
+          </p:cNvSpPr>
+          <p:nvPr>
+            <p:ph type="sldNum" idx="2"/>
+          </p:nvPr>
+        </p:nvSpPr>
+        <p:spPr/>
+        <p:txBody>
+          <a:bodyPr/>
+          <a:p>
+            <a:fld id="{7DA039BF-1806-49EC-AB93-41B695D96C3D}" type="slidenum">
+              <a:t>23</a:t>
+            </a:fld>
+          </a:p>
+        </p:txBody>
+      </p:sp>
+      <p:sp>
+        <p:nvSpPr>
+          <p:cNvPr id="5" name="PlaceHolder 4"/>
+          <p:cNvSpPr>
+            <a:spLocks noGrp="1"/>
+          </p:cNvSpPr>
+          <p:nvPr>
+            <p:ph type="dt" idx="3"/>
+          </p:nvPr>
+        </p:nvSpPr>
+        <p:spPr/>
+        <p:txBody>
+          <a:bodyPr/>
+          <a:p>
+            <a:fld id="{9885E272-BD44-4395-B757-FB01BD4033D7}" type="datetime1">
+              <a:rPr lang="en-US"/>
+              <a:t>12/09/2022</a:t>
+            </a:fld>
+          </a:p>
+        </p:txBody>
+      </p:sp>
+    </p:spTree>
+  </p:cSld>
+  <mc:AlternateContent>
+    <mc:Choice Requires="p14">
+      <p:transition spd="slow" p14:dur="2000"/>
+    </mc:Choice>
+    <mc:Fallback>
+      <p:transition spd="slow"/>
+    </mc:Fallback>
+  </mc:AlternateContent>
+</p:sld>
+</file>
+
+<file path=ppt/slides/slide24.xml><?xml version="1.0" encoding="utf-8"?>
+<p:sld xmlns:a="http://schemas.openxmlformats.org/drawingml/2006/main" xmlns:p="http://schemas.openxmlformats.org/presentationml/2006/main" xmlns:r="http://schemas.openxmlformats.org/officeDocument/2006/relationships" xmlns:p14="http://schemas.microsoft.com/office/powerpoint/2010/main" xmlns:p15="http://schemas.microsoft.com/office/powerpoint/2012/main" xmlns:mc="http://schemas.openxmlformats.org/markup-compatibility/2006">
+  <p:cSld>
+    <p:spTree>
+      <p:nvGrpSpPr>
+        <p:cNvPr id="1" name=""/>
+        <p:cNvGrpSpPr/>
+        <p:nvPr/>
+      </p:nvGrpSpPr>
+      <p:grpSpPr>
+        <a:xfrm>
+          <a:off x="0" y="0"/>
+          <a:ext cx="0" cy="0"/>
+          <a:chOff x="0" y="0"/>
+          <a:chExt cx="0" cy="0"/>
+        </a:xfrm>
+      </p:grpSpPr>
+      <p:sp>
+        <p:nvSpPr>
+          <p:cNvPr id="127" name="PlaceHolder 1"/>
+          <p:cNvSpPr>
+            <a:spLocks noGrp="1"/>
+          </p:cNvSpPr>
+          <p:nvPr>
+            <p:ph type="title"/>
+          </p:nvPr>
+        </p:nvSpPr>
+        <p:spPr>
+          <a:xfrm>
+            <a:off x="0" y="2520"/>
+            <a:ext cx="9140400" cy="761040"/>
+          </a:xfrm>
+          <a:prstGeom prst="rect">
+            <a:avLst/>
+          </a:prstGeom>
+          <a:gradFill rotWithShape="0">
+            <a:gsLst>
+              <a:gs pos="0">
+                <a:srgbClr val="bf0000"/>
+              </a:gs>
+              <a:gs pos="100000">
+                <a:srgbClr val="710000"/>
+              </a:gs>
+            </a:gsLst>
+            <a:lin ang="8100000"/>
+          </a:gradFill>
+          <a:ln w="0">
+            <a:noFill/>
+          </a:ln>
+        </p:spPr>
+        <p:txBody>
+          <a:bodyPr lIns="0" rIns="0" tIns="0" bIns="0" anchor="ctr">
+            <a:normAutofit/>
+          </a:bodyPr>
+          <a:p>
+            <a:pPr>
+              <a:lnSpc>
+                <a:spcPct val="100000"/>
+              </a:lnSpc>
+              <a:buNone/>
+            </a:pPr>
+            <a:r>
+              <a:rPr b="1" lang="en-US" sz="4000" spc="-1" strike="noStrike">
+                <a:solidFill>
+                  <a:srgbClr val="ffff00"/>
+                </a:solidFill>
+                <a:latin typeface="Calibri"/>
+              </a:rPr>
+              <a:t>002.8 Validate Code</a:t>
+            </a:r>
+            <a:endParaRPr b="0" lang="en-US" sz="4000" spc="-1" strike="noStrike">
+              <a:latin typeface="Arial"/>
+            </a:endParaRPr>
+          </a:p>
+        </p:txBody>
+      </p:sp>
+      <p:sp>
+        <p:nvSpPr>
+          <p:cNvPr id="128" name="PlaceHolder 2"/>
+          <p:cNvSpPr>
+            <a:spLocks noGrp="1"/>
+          </p:cNvSpPr>
+          <p:nvPr>
+            <p:ph type="subTitle"/>
+          </p:nvPr>
+        </p:nvSpPr>
+        <p:spPr>
+          <a:xfrm>
+            <a:off x="467640" y="1371600"/>
+            <a:ext cx="2953800" cy="914040"/>
+          </a:xfrm>
+          <a:prstGeom prst="rect">
+            <a:avLst/>
+          </a:prstGeom>
+          <a:solidFill>
+            <a:srgbClr val="ffffff"/>
+          </a:solidFill>
+          <a:ln w="25560">
+            <a:solidFill>
+              <a:srgbClr val="c00000"/>
+            </a:solidFill>
+            <a:round/>
+          </a:ln>
+        </p:spPr>
+        <p:txBody>
+          <a:bodyPr lIns="0" rIns="0" tIns="0" bIns="0" anchor="t">
+            <a:noAutofit/>
+          </a:bodyPr>
+          <a:p>
+            <a:pPr marL="343080" indent="-343080">
+              <a:lnSpc>
+                <a:spcPct val="100000"/>
+              </a:lnSpc>
+              <a:spcBef>
+                <a:spcPts val="360"/>
+              </a:spcBef>
+              <a:buClr>
+                <a:srgbClr val="0070c0"/>
+              </a:buClr>
+              <a:buSzPct val="80000"/>
+              <a:buFont typeface="Wingdings" charset="2"/>
+              <a:buChar char=""/>
+            </a:pPr>
+            <a:r>
+              <a:rPr b="1" lang="en-US" sz="1800" spc="-1" strike="noStrike">
+                <a:solidFill>
+                  <a:srgbClr val="2d2d2d"/>
+                </a:solidFill>
+                <a:latin typeface="Calibri"/>
+              </a:rPr>
+              <a:t>Validate Code (3)</a:t>
+            </a:r>
+            <a:endParaRPr b="0" lang="en-US" sz="1800" spc="-1" strike="noStrike">
+              <a:latin typeface="Arial"/>
+            </a:endParaRPr>
+          </a:p>
+          <a:p>
+            <a:pPr marL="343080" indent="-343080">
+              <a:lnSpc>
+                <a:spcPct val="100000"/>
+              </a:lnSpc>
+              <a:spcBef>
+                <a:spcPts val="360"/>
+              </a:spcBef>
+              <a:buClr>
+                <a:srgbClr val="0070c0"/>
+              </a:buClr>
+              <a:buSzPct val="80000"/>
+              <a:buFont typeface="Wingdings" charset="2"/>
+              <a:buChar char=""/>
+            </a:pPr>
+            <a:r>
+              <a:rPr b="0" lang="en-US" sz="1800" spc="-1" strike="noStrike">
+                <a:solidFill>
+                  <a:srgbClr val="2d2d2d"/>
+                </a:solidFill>
+                <a:latin typeface="Calibri"/>
+              </a:rPr>
+              <a:t>Lines 39-85</a:t>
+            </a:r>
+            <a:endParaRPr b="0" lang="en-US" sz="1800" spc="-1" strike="noStrike">
+              <a:latin typeface="Arial"/>
+            </a:endParaRPr>
+          </a:p>
+        </p:txBody>
+      </p:sp>
+      <p:sp>
+        <p:nvSpPr>
+          <p:cNvPr id="129" name="標題 15"/>
+          <p:cNvSpPr/>
+          <p:nvPr/>
+        </p:nvSpPr>
+        <p:spPr>
+          <a:xfrm>
+            <a:off x="0" y="764640"/>
+            <a:ext cx="9140400" cy="356400"/>
+          </a:xfrm>
+          <a:prstGeom prst="rect">
+            <a:avLst/>
+          </a:prstGeom>
+          <a:gradFill rotWithShape="0">
+            <a:gsLst>
+              <a:gs pos="0">
+                <a:srgbClr val="00afef"/>
+              </a:gs>
+              <a:gs pos="100000">
+                <a:srgbClr val="00688e"/>
+              </a:gs>
+            </a:gsLst>
+            <a:lin ang="8100000"/>
+          </a:gradFill>
+          <a:ln w="0">
+            <a:noFill/>
+          </a:ln>
+        </p:spPr>
+        <p:style>
+          <a:lnRef idx="0"/>
+          <a:fillRef idx="0"/>
+          <a:effectRef idx="0"/>
+          <a:fontRef idx="minor"/>
+        </p:style>
+        <p:txBody>
+          <a:bodyPr lIns="90000" rIns="90000" tIns="45000" bIns="45000" anchor="ctr">
+            <a:normAutofit fontScale="97000"/>
+          </a:bodyPr>
+          <a:p>
+            <a:pPr>
+              <a:lnSpc>
+                <a:spcPct val="100000"/>
+              </a:lnSpc>
+              <a:buNone/>
+            </a:pPr>
+            <a:r>
+              <a:rPr b="0" lang="en-US" sz="1800" spc="-1" strike="noStrike">
+                <a:solidFill>
+                  <a:srgbClr val="000000"/>
+                </a:solidFill>
+                <a:latin typeface="Calibri"/>
+                <a:ea typeface="DejaVu Sans"/>
+              </a:rPr>
+              <a:t>https://vulkan-tutorial.com/Development_environment#page_Linux</a:t>
+            </a:r>
+            <a:endParaRPr b="0" lang="en-US" sz="1800" spc="-1" strike="noStrike">
+              <a:latin typeface="Arial"/>
+            </a:endParaRPr>
+          </a:p>
+        </p:txBody>
+      </p:sp>
+      <p:pic>
+        <p:nvPicPr>
+          <p:cNvPr id="130" name="" descr=""/>
+          <p:cNvPicPr/>
+          <p:nvPr/>
+        </p:nvPicPr>
+        <p:blipFill>
+          <a:blip r:embed="rId1"/>
+          <a:stretch/>
+        </p:blipFill>
+        <p:spPr>
+          <a:xfrm>
+            <a:off x="3421440" y="1371600"/>
+            <a:ext cx="5951160" cy="5486040"/>
+          </a:xfrm>
+          <a:prstGeom prst="rect">
+            <a:avLst/>
+          </a:prstGeom>
+          <a:ln w="0">
+            <a:noFill/>
+          </a:ln>
+        </p:spPr>
+      </p:pic>
+      <p:sp>
+        <p:nvSpPr>
+          <p:cNvPr id="4" name="PlaceHolder 3"/>
+          <p:cNvSpPr>
+            <a:spLocks noGrp="1"/>
+          </p:cNvSpPr>
+          <p:nvPr>
+            <p:ph type="sldNum" idx="2"/>
+          </p:nvPr>
+        </p:nvSpPr>
+        <p:spPr/>
+        <p:txBody>
+          <a:bodyPr/>
+          <a:p>
+            <a:fld id="{2844BCCC-36B8-4DFE-B812-DBAC0FEB8205}" type="slidenum">
+              <a:t>24</a:t>
+            </a:fld>
+          </a:p>
+        </p:txBody>
+      </p:sp>
+      <p:sp>
+        <p:nvSpPr>
+          <p:cNvPr id="5" name="PlaceHolder 4"/>
+          <p:cNvSpPr>
+            <a:spLocks noGrp="1"/>
+          </p:cNvSpPr>
+          <p:nvPr>
+            <p:ph type="dt" idx="3"/>
+          </p:nvPr>
+        </p:nvSpPr>
+        <p:spPr/>
+        <p:txBody>
+          <a:bodyPr/>
+          <a:p>
+            <a:fld id="{B858A853-ED57-48F0-8ADA-EB8B2D8F94DF}" type="datetime1">
+              <a:rPr lang="en-US"/>
+              <a:t>12/09/2022</a:t>
+            </a:fld>
+          </a:p>
+        </p:txBody>
+      </p:sp>
+    </p:spTree>
+  </p:cSld>
+  <mc:AlternateContent>
+    <mc:Choice Requires="p14">
+      <p:transition spd="slow" p14:dur="2000"/>
+    </mc:Choice>
+    <mc:Fallback>
+      <p:transition spd="slow"/>
+    </mc:Fallback>
+  </mc:AlternateContent>
+</p:sld>
+</file>
+
+<file path=ppt/slides/slide25.xml><?xml version="1.0" encoding="utf-8"?>
+<p:sld xmlns:a="http://schemas.openxmlformats.org/drawingml/2006/main" xmlns:p="http://schemas.openxmlformats.org/presentationml/2006/main" xmlns:r="http://schemas.openxmlformats.org/officeDocument/2006/relationships" xmlns:p14="http://schemas.microsoft.com/office/powerpoint/2010/main" xmlns:p15="http://schemas.microsoft.com/office/powerpoint/2012/main" xmlns:mc="http://schemas.openxmlformats.org/markup-compatibility/2006">
+  <p:cSld>
+    <p:spTree>
+      <p:nvGrpSpPr>
+        <p:cNvPr id="1" name=""/>
+        <p:cNvGrpSpPr/>
+        <p:nvPr/>
+      </p:nvGrpSpPr>
+      <p:grpSpPr>
+        <a:xfrm>
+          <a:off x="0" y="0"/>
+          <a:ext cx="0" cy="0"/>
+          <a:chOff x="0" y="0"/>
+          <a:chExt cx="0" cy="0"/>
+        </a:xfrm>
+      </p:grpSpPr>
+      <p:sp>
+        <p:nvSpPr>
+          <p:cNvPr id="131" name="PlaceHolder 1"/>
+          <p:cNvSpPr>
+            <a:spLocks noGrp="1"/>
+          </p:cNvSpPr>
+          <p:nvPr>
+            <p:ph type="title"/>
+          </p:nvPr>
+        </p:nvSpPr>
+        <p:spPr>
+          <a:xfrm>
+            <a:off x="0" y="2520"/>
+            <a:ext cx="9140400" cy="761040"/>
+          </a:xfrm>
+          <a:prstGeom prst="rect">
+            <a:avLst/>
+          </a:prstGeom>
+          <a:gradFill rotWithShape="0">
+            <a:gsLst>
+              <a:gs pos="0">
+                <a:srgbClr val="bf0000"/>
+              </a:gs>
+              <a:gs pos="100000">
+                <a:srgbClr val="710000"/>
+              </a:gs>
+            </a:gsLst>
+            <a:lin ang="8100000"/>
+          </a:gradFill>
+          <a:ln w="0">
+            <a:noFill/>
+          </a:ln>
+        </p:spPr>
+        <p:txBody>
+          <a:bodyPr lIns="0" rIns="0" tIns="0" bIns="0" anchor="ctr">
+            <a:normAutofit/>
+          </a:bodyPr>
+          <a:p>
+            <a:pPr>
+              <a:lnSpc>
+                <a:spcPct val="100000"/>
+              </a:lnSpc>
+              <a:buNone/>
+            </a:pPr>
+            <a:r>
+              <a:rPr b="1" lang="en-US" sz="4000" spc="-1" strike="noStrike">
+                <a:solidFill>
+                  <a:srgbClr val="ffff00"/>
+                </a:solidFill>
+                <a:latin typeface="Calibri"/>
+              </a:rPr>
+              <a:t>002.8 Validate Code</a:t>
+            </a:r>
+            <a:endParaRPr b="0" lang="en-US" sz="4000" spc="-1" strike="noStrike">
+              <a:latin typeface="Arial"/>
+            </a:endParaRPr>
+          </a:p>
+        </p:txBody>
+      </p:sp>
+      <p:sp>
+        <p:nvSpPr>
+          <p:cNvPr id="132" name="PlaceHolder 2"/>
+          <p:cNvSpPr>
+            <a:spLocks noGrp="1"/>
+          </p:cNvSpPr>
+          <p:nvPr>
+            <p:ph type="subTitle"/>
+          </p:nvPr>
+        </p:nvSpPr>
+        <p:spPr>
+          <a:xfrm>
+            <a:off x="467640" y="1371600"/>
+            <a:ext cx="2953800" cy="914040"/>
+          </a:xfrm>
+          <a:prstGeom prst="rect">
+            <a:avLst/>
+          </a:prstGeom>
+          <a:solidFill>
+            <a:srgbClr val="ffffff"/>
+          </a:solidFill>
+          <a:ln w="25560">
+            <a:solidFill>
+              <a:srgbClr val="c00000"/>
+            </a:solidFill>
+            <a:round/>
+          </a:ln>
+        </p:spPr>
+        <p:txBody>
+          <a:bodyPr lIns="0" rIns="0" tIns="0" bIns="0" anchor="t">
+            <a:noAutofit/>
+          </a:bodyPr>
+          <a:p>
+            <a:pPr marL="343080" indent="-343080">
+              <a:lnSpc>
+                <a:spcPct val="100000"/>
+              </a:lnSpc>
+              <a:spcBef>
+                <a:spcPts val="360"/>
+              </a:spcBef>
+              <a:buClr>
+                <a:srgbClr val="0070c0"/>
+              </a:buClr>
+              <a:buSzPct val="80000"/>
+              <a:buFont typeface="Wingdings" charset="2"/>
+              <a:buChar char=""/>
+            </a:pPr>
+            <a:r>
+              <a:rPr b="1" lang="en-US" sz="1800" spc="-1" strike="noStrike">
+                <a:solidFill>
+                  <a:srgbClr val="2d2d2d"/>
+                </a:solidFill>
+                <a:latin typeface="Calibri"/>
+              </a:rPr>
+              <a:t>Validate Code (4)</a:t>
+            </a:r>
+            <a:endParaRPr b="0" lang="en-US" sz="1800" spc="-1" strike="noStrike">
+              <a:latin typeface="Arial"/>
+            </a:endParaRPr>
+          </a:p>
+          <a:p>
+            <a:pPr marL="343080" indent="-343080">
+              <a:lnSpc>
+                <a:spcPct val="100000"/>
+              </a:lnSpc>
+              <a:spcBef>
+                <a:spcPts val="360"/>
+              </a:spcBef>
+              <a:buClr>
+                <a:srgbClr val="0070c0"/>
+              </a:buClr>
+              <a:buSzPct val="80000"/>
+              <a:buFont typeface="Wingdings" charset="2"/>
+              <a:buChar char=""/>
+            </a:pPr>
+            <a:r>
+              <a:rPr b="0" lang="en-US" sz="1800" spc="-1" strike="noStrike">
+                <a:solidFill>
+                  <a:srgbClr val="2d2d2d"/>
+                </a:solidFill>
+                <a:latin typeface="Calibri"/>
+              </a:rPr>
+              <a:t>Lines 86-124</a:t>
+            </a:r>
+            <a:endParaRPr b="0" lang="en-US" sz="1800" spc="-1" strike="noStrike">
+              <a:latin typeface="Arial"/>
+            </a:endParaRPr>
+          </a:p>
+        </p:txBody>
+      </p:sp>
+      <p:sp>
+        <p:nvSpPr>
+          <p:cNvPr id="133" name="標題 16"/>
+          <p:cNvSpPr/>
+          <p:nvPr/>
+        </p:nvSpPr>
+        <p:spPr>
+          <a:xfrm>
+            <a:off x="0" y="764640"/>
+            <a:ext cx="9140400" cy="356400"/>
+          </a:xfrm>
+          <a:prstGeom prst="rect">
+            <a:avLst/>
+          </a:prstGeom>
+          <a:gradFill rotWithShape="0">
+            <a:gsLst>
+              <a:gs pos="0">
+                <a:srgbClr val="00afef"/>
+              </a:gs>
+              <a:gs pos="100000">
+                <a:srgbClr val="00688e"/>
+              </a:gs>
+            </a:gsLst>
+            <a:lin ang="8100000"/>
+          </a:gradFill>
+          <a:ln w="0">
+            <a:noFill/>
+          </a:ln>
+        </p:spPr>
+        <p:style>
+          <a:lnRef idx="0"/>
+          <a:fillRef idx="0"/>
+          <a:effectRef idx="0"/>
+          <a:fontRef idx="minor"/>
+        </p:style>
+        <p:txBody>
+          <a:bodyPr lIns="90000" rIns="90000" tIns="45000" bIns="45000" anchor="ctr">
+            <a:normAutofit fontScale="97000"/>
+          </a:bodyPr>
+          <a:p>
+            <a:pPr>
+              <a:lnSpc>
+                <a:spcPct val="100000"/>
+              </a:lnSpc>
+              <a:buNone/>
+            </a:pPr>
+            <a:r>
+              <a:rPr b="0" lang="en-US" sz="1800" spc="-1" strike="noStrike">
+                <a:solidFill>
+                  <a:srgbClr val="000000"/>
+                </a:solidFill>
+                <a:latin typeface="Calibri"/>
+                <a:ea typeface="DejaVu Sans"/>
+              </a:rPr>
+              <a:t>https://vulkan-tutorial.com/Development_environment#page_Linux</a:t>
+            </a:r>
+            <a:endParaRPr b="0" lang="en-US" sz="1800" spc="-1" strike="noStrike">
+              <a:latin typeface="Arial"/>
+            </a:endParaRPr>
+          </a:p>
+        </p:txBody>
+      </p:sp>
+      <p:pic>
+        <p:nvPicPr>
+          <p:cNvPr id="134" name="" descr=""/>
+          <p:cNvPicPr/>
+          <p:nvPr/>
+        </p:nvPicPr>
+        <p:blipFill>
+          <a:blip r:embed="rId1"/>
+          <a:stretch/>
+        </p:blipFill>
+        <p:spPr>
+          <a:xfrm>
+            <a:off x="3886200" y="1305720"/>
+            <a:ext cx="4782960" cy="4409280"/>
+          </a:xfrm>
+          <a:prstGeom prst="rect">
+            <a:avLst/>
+          </a:prstGeom>
+          <a:ln w="0">
+            <a:noFill/>
+          </a:ln>
+        </p:spPr>
+      </p:pic>
+      <p:sp>
+        <p:nvSpPr>
+          <p:cNvPr id="4" name="PlaceHolder 3"/>
+          <p:cNvSpPr>
+            <a:spLocks noGrp="1"/>
+          </p:cNvSpPr>
+          <p:nvPr>
+            <p:ph type="sldNum" idx="2"/>
+          </p:nvPr>
+        </p:nvSpPr>
+        <p:spPr/>
+        <p:txBody>
+          <a:bodyPr/>
+          <a:p>
+            <a:fld id="{89B6C7AE-34CD-4DCC-8800-CAB13F7E3E03}" type="slidenum">
+              <a:t>25</a:t>
+            </a:fld>
+          </a:p>
+        </p:txBody>
+      </p:sp>
+      <p:sp>
+        <p:nvSpPr>
+          <p:cNvPr id="5" name="PlaceHolder 4"/>
+          <p:cNvSpPr>
+            <a:spLocks noGrp="1"/>
+          </p:cNvSpPr>
+          <p:nvPr>
+            <p:ph type="dt" idx="3"/>
+          </p:nvPr>
+        </p:nvSpPr>
+        <p:spPr/>
+        <p:txBody>
+          <a:bodyPr/>
+          <a:p>
+            <a:fld id="{242F4C6D-6DE8-48D2-8256-6532F8472793}" type="datetime1">
+              <a:rPr lang="en-US"/>
+              <a:t>12/09/2022</a:t>
+            </a:fld>
+          </a:p>
+        </p:txBody>
+      </p:sp>
+    </p:spTree>
+  </p:cSld>
+  <mc:AlternateContent>
+    <mc:Choice Requires="p14">
+      <p:transition spd="slow" p14:dur="2000"/>
+    </mc:Choice>
+    <mc:Fallback>
+      <p:transition spd="slow"/>
+    </mc:Fallback>
+  </mc:AlternateContent>
+</p:sld>
+</file>
+
+<file path=ppt/slides/slide26.xml><?xml version="1.0" encoding="utf-8"?>
+<p:sld xmlns:a="http://schemas.openxmlformats.org/drawingml/2006/main" xmlns:p="http://schemas.openxmlformats.org/presentationml/2006/main" xmlns:r="http://schemas.openxmlformats.org/officeDocument/2006/relationships" xmlns:p14="http://schemas.microsoft.com/office/powerpoint/2010/main" xmlns:p15="http://schemas.microsoft.com/office/powerpoint/2012/main" xmlns:mc="http://schemas.openxmlformats.org/markup-compatibility/2006">
+  <p:cSld>
+    <p:spTree>
+      <p:nvGrpSpPr>
+        <p:cNvPr id="1" name=""/>
+        <p:cNvGrpSpPr/>
+        <p:nvPr/>
+      </p:nvGrpSpPr>
+      <p:grpSpPr>
+        <a:xfrm>
+          <a:off x="0" y="0"/>
+          <a:ext cx="0" cy="0"/>
+          <a:chOff x="0" y="0"/>
+          <a:chExt cx="0" cy="0"/>
+        </a:xfrm>
+      </p:grpSpPr>
+      <p:sp>
+        <p:nvSpPr>
+          <p:cNvPr id="135" name="PlaceHolder 1"/>
+          <p:cNvSpPr>
+            <a:spLocks noGrp="1"/>
+          </p:cNvSpPr>
+          <p:nvPr>
+            <p:ph type="title"/>
+          </p:nvPr>
+        </p:nvSpPr>
+        <p:spPr>
+          <a:xfrm>
+            <a:off x="0" y="2520"/>
+            <a:ext cx="9140400" cy="761040"/>
+          </a:xfrm>
+          <a:prstGeom prst="rect">
+            <a:avLst/>
+          </a:prstGeom>
+          <a:gradFill rotWithShape="0">
+            <a:gsLst>
+              <a:gs pos="0">
+                <a:srgbClr val="bf0000"/>
+              </a:gs>
+              <a:gs pos="100000">
+                <a:srgbClr val="710000"/>
+              </a:gs>
+            </a:gsLst>
+            <a:lin ang="8100000"/>
+          </a:gradFill>
+          <a:ln w="0">
+            <a:noFill/>
+          </a:ln>
+        </p:spPr>
+        <p:txBody>
+          <a:bodyPr lIns="0" rIns="0" tIns="0" bIns="0" anchor="ctr">
+            <a:normAutofit/>
+          </a:bodyPr>
+          <a:p>
+            <a:pPr>
+              <a:lnSpc>
+                <a:spcPct val="100000"/>
+              </a:lnSpc>
+              <a:buNone/>
+            </a:pPr>
+            <a:r>
+              <a:rPr b="1" lang="en-US" sz="4000" spc="-1" strike="noStrike">
+                <a:solidFill>
+                  <a:srgbClr val="ffff00"/>
+                </a:solidFill>
+                <a:latin typeface="Calibri"/>
+              </a:rPr>
+              <a:t>002.8 Validate Code</a:t>
+            </a:r>
+            <a:endParaRPr b="0" lang="en-US" sz="4000" spc="-1" strike="noStrike">
+              <a:latin typeface="Arial"/>
+            </a:endParaRPr>
+          </a:p>
+        </p:txBody>
+      </p:sp>
+      <p:sp>
+        <p:nvSpPr>
+          <p:cNvPr id="136" name="PlaceHolder 2"/>
+          <p:cNvSpPr>
+            <a:spLocks noGrp="1"/>
+          </p:cNvSpPr>
+          <p:nvPr>
+            <p:ph type="subTitle"/>
+          </p:nvPr>
+        </p:nvSpPr>
+        <p:spPr>
+          <a:xfrm>
+            <a:off x="467640" y="1371600"/>
+            <a:ext cx="2953800" cy="914040"/>
+          </a:xfrm>
+          <a:prstGeom prst="rect">
+            <a:avLst/>
+          </a:prstGeom>
+          <a:solidFill>
+            <a:srgbClr val="ffffff"/>
+          </a:solidFill>
+          <a:ln w="25560">
+            <a:solidFill>
+              <a:srgbClr val="c00000"/>
+            </a:solidFill>
+            <a:round/>
+          </a:ln>
+        </p:spPr>
+        <p:txBody>
+          <a:bodyPr lIns="0" rIns="0" tIns="0" bIns="0" anchor="t">
+            <a:noAutofit/>
+          </a:bodyPr>
+          <a:p>
+            <a:pPr marL="343080" indent="-343080">
+              <a:lnSpc>
+                <a:spcPct val="100000"/>
+              </a:lnSpc>
+              <a:spcBef>
+                <a:spcPts val="360"/>
+              </a:spcBef>
+              <a:buClr>
+                <a:srgbClr val="0070c0"/>
+              </a:buClr>
+              <a:buSzPct val="80000"/>
+              <a:buFont typeface="Wingdings" charset="2"/>
+              <a:buChar char=""/>
+            </a:pPr>
+            <a:r>
+              <a:rPr b="1" lang="en-US" sz="1800" spc="-1" strike="noStrike">
+                <a:solidFill>
+                  <a:srgbClr val="2d2d2d"/>
+                </a:solidFill>
+                <a:latin typeface="Calibri"/>
+              </a:rPr>
+              <a:t>Validate Code (5)</a:t>
+            </a:r>
+            <a:endParaRPr b="0" lang="en-US" sz="1800" spc="-1" strike="noStrike">
+              <a:latin typeface="Arial"/>
+            </a:endParaRPr>
+          </a:p>
+          <a:p>
+            <a:pPr marL="343080" indent="-343080">
+              <a:lnSpc>
+                <a:spcPct val="100000"/>
+              </a:lnSpc>
+              <a:spcBef>
+                <a:spcPts val="360"/>
+              </a:spcBef>
+              <a:buClr>
+                <a:srgbClr val="0070c0"/>
+              </a:buClr>
+              <a:buSzPct val="80000"/>
+              <a:buFont typeface="Wingdings" charset="2"/>
+              <a:buChar char=""/>
+            </a:pPr>
+            <a:r>
+              <a:rPr b="0" lang="en-US" sz="1800" spc="-1" strike="noStrike">
+                <a:solidFill>
+                  <a:srgbClr val="2d2d2d"/>
+                </a:solidFill>
+                <a:latin typeface="Calibri"/>
+              </a:rPr>
+              <a:t>Lines 125-157</a:t>
+            </a:r>
+            <a:endParaRPr b="0" lang="en-US" sz="1800" spc="-1" strike="noStrike">
+              <a:latin typeface="Arial"/>
+            </a:endParaRPr>
+          </a:p>
+        </p:txBody>
+      </p:sp>
+      <p:sp>
+        <p:nvSpPr>
+          <p:cNvPr id="137" name="標題 17"/>
+          <p:cNvSpPr/>
+          <p:nvPr/>
+        </p:nvSpPr>
+        <p:spPr>
+          <a:xfrm>
+            <a:off x="0" y="764640"/>
+            <a:ext cx="9140400" cy="356400"/>
+          </a:xfrm>
+          <a:prstGeom prst="rect">
+            <a:avLst/>
+          </a:prstGeom>
+          <a:gradFill rotWithShape="0">
+            <a:gsLst>
+              <a:gs pos="0">
+                <a:srgbClr val="00afef"/>
+              </a:gs>
+              <a:gs pos="100000">
+                <a:srgbClr val="00688e"/>
+              </a:gs>
+            </a:gsLst>
+            <a:lin ang="8100000"/>
+          </a:gradFill>
+          <a:ln w="0">
+            <a:noFill/>
+          </a:ln>
+        </p:spPr>
+        <p:style>
+          <a:lnRef idx="0"/>
+          <a:fillRef idx="0"/>
+          <a:effectRef idx="0"/>
+          <a:fontRef idx="minor"/>
+        </p:style>
+        <p:txBody>
+          <a:bodyPr lIns="90000" rIns="90000" tIns="45000" bIns="45000" anchor="ctr">
+            <a:normAutofit fontScale="97000"/>
+          </a:bodyPr>
+          <a:p>
+            <a:pPr>
+              <a:lnSpc>
+                <a:spcPct val="100000"/>
+              </a:lnSpc>
+              <a:buNone/>
+            </a:pPr>
+            <a:r>
+              <a:rPr b="0" lang="en-US" sz="1800" spc="-1" strike="noStrike">
+                <a:solidFill>
+                  <a:srgbClr val="000000"/>
+                </a:solidFill>
+                <a:latin typeface="Calibri"/>
+                <a:ea typeface="DejaVu Sans"/>
+              </a:rPr>
+              <a:t>https://vulkan-tutorial.com/Development_environment#page_Linux</a:t>
+            </a:r>
+            <a:endParaRPr b="0" lang="en-US" sz="1800" spc="-1" strike="noStrike">
+              <a:latin typeface="Arial"/>
+            </a:endParaRPr>
+          </a:p>
+        </p:txBody>
+      </p:sp>
+      <p:pic>
+        <p:nvPicPr>
+          <p:cNvPr id="138" name="" descr=""/>
+          <p:cNvPicPr/>
+          <p:nvPr/>
+        </p:nvPicPr>
+        <p:blipFill>
+          <a:blip r:embed="rId1"/>
+          <a:stretch/>
+        </p:blipFill>
+        <p:spPr>
+          <a:xfrm>
+            <a:off x="3657600" y="1305720"/>
+            <a:ext cx="5279040" cy="4866480"/>
+          </a:xfrm>
+          <a:prstGeom prst="rect">
+            <a:avLst/>
+          </a:prstGeom>
+          <a:ln w="0">
+            <a:noFill/>
+          </a:ln>
+        </p:spPr>
+      </p:pic>
+      <p:sp>
+        <p:nvSpPr>
+          <p:cNvPr id="4" name="PlaceHolder 3"/>
+          <p:cNvSpPr>
+            <a:spLocks noGrp="1"/>
+          </p:cNvSpPr>
+          <p:nvPr>
+            <p:ph type="sldNum" idx="2"/>
+          </p:nvPr>
+        </p:nvSpPr>
+        <p:spPr/>
+        <p:txBody>
+          <a:bodyPr/>
+          <a:p>
+            <a:fld id="{B5DCC21D-7A58-49B4-9E14-0B23D3F3E694}" type="slidenum">
+              <a:t>26</a:t>
+            </a:fld>
+          </a:p>
+        </p:txBody>
+      </p:sp>
+      <p:sp>
+        <p:nvSpPr>
+          <p:cNvPr id="5" name="PlaceHolder 4"/>
+          <p:cNvSpPr>
+            <a:spLocks noGrp="1"/>
+          </p:cNvSpPr>
+          <p:nvPr>
+            <p:ph type="dt" idx="3"/>
+          </p:nvPr>
+        </p:nvSpPr>
+        <p:spPr/>
+        <p:txBody>
+          <a:bodyPr/>
+          <a:p>
+            <a:fld id="{22083AA7-F87D-4890-91FE-44235E5DE910}" type="datetime1">
+              <a:rPr lang="en-US"/>
+              <a:t>12/09/2022</a:t>
+            </a:fld>
+          </a:p>
+        </p:txBody>
+      </p:sp>
+    </p:spTree>
+  </p:cSld>
+  <mc:AlternateContent>
+    <mc:Choice Requires="p14">
+      <p:transition spd="slow" p14:dur="2000"/>
+    </mc:Choice>
+    <mc:Fallback>
+      <p:transition spd="slow"/>
+    </mc:Fallback>
+  </mc:AlternateContent>
+</p:sld>
+</file>
+
+<file path=ppt/slides/slide27.xml><?xml version="1.0" encoding="utf-8"?>
+<p:sld xmlns:a="http://schemas.openxmlformats.org/drawingml/2006/main" xmlns:p="http://schemas.openxmlformats.org/presentationml/2006/main" xmlns:r="http://schemas.openxmlformats.org/officeDocument/2006/relationships" xmlns:p14="http://schemas.microsoft.com/office/powerpoint/2010/main" xmlns:p15="http://schemas.microsoft.com/office/powerpoint/2012/main" xmlns:mc="http://schemas.openxmlformats.org/markup-compatibility/2006">
+  <p:cSld>
+    <p:spTree>
+      <p:nvGrpSpPr>
+        <p:cNvPr id="1" name=""/>
+        <p:cNvGrpSpPr/>
+        <p:nvPr/>
+      </p:nvGrpSpPr>
+      <p:grpSpPr>
+        <a:xfrm>
+          <a:off x="0" y="0"/>
+          <a:ext cx="0" cy="0"/>
+          <a:chOff x="0" y="0"/>
+          <a:chExt cx="0" cy="0"/>
+        </a:xfrm>
+      </p:grpSpPr>
+      <p:sp>
+        <p:nvSpPr>
+          <p:cNvPr id="139" name="PlaceHolder 1"/>
+          <p:cNvSpPr>
+            <a:spLocks noGrp="1"/>
+          </p:cNvSpPr>
+          <p:nvPr>
+            <p:ph type="title"/>
+          </p:nvPr>
+        </p:nvSpPr>
+        <p:spPr>
+          <a:xfrm>
+            <a:off x="0" y="2520"/>
+            <a:ext cx="9140400" cy="761040"/>
+          </a:xfrm>
+          <a:prstGeom prst="rect">
+            <a:avLst/>
+          </a:prstGeom>
+          <a:gradFill rotWithShape="0">
+            <a:gsLst>
+              <a:gs pos="0">
+                <a:srgbClr val="bf0000"/>
+              </a:gs>
+              <a:gs pos="100000">
+                <a:srgbClr val="710000"/>
+              </a:gs>
+            </a:gsLst>
+            <a:lin ang="8100000"/>
+          </a:gradFill>
+          <a:ln w="0">
+            <a:noFill/>
+          </a:ln>
+        </p:spPr>
+        <p:txBody>
+          <a:bodyPr lIns="0" rIns="0" tIns="0" bIns="0" anchor="ctr">
+            <a:normAutofit/>
+          </a:bodyPr>
+          <a:p>
+            <a:pPr>
+              <a:lnSpc>
+                <a:spcPct val="100000"/>
+              </a:lnSpc>
+              <a:buNone/>
+            </a:pPr>
+            <a:r>
+              <a:rPr b="1" lang="en-US" sz="4000" spc="-1" strike="noStrike">
+                <a:solidFill>
+                  <a:srgbClr val="ffff00"/>
+                </a:solidFill>
+                <a:latin typeface="Calibri"/>
+              </a:rPr>
+              <a:t>002.8 Validate Code</a:t>
+            </a:r>
+            <a:endParaRPr b="0" lang="en-US" sz="4000" spc="-1" strike="noStrike">
+              <a:latin typeface="Arial"/>
+            </a:endParaRPr>
+          </a:p>
+        </p:txBody>
+      </p:sp>
+      <p:sp>
+        <p:nvSpPr>
+          <p:cNvPr id="140" name="PlaceHolder 2"/>
+          <p:cNvSpPr>
+            <a:spLocks noGrp="1"/>
+          </p:cNvSpPr>
+          <p:nvPr>
+            <p:ph type="subTitle"/>
+          </p:nvPr>
+        </p:nvSpPr>
+        <p:spPr>
+          <a:xfrm>
+            <a:off x="467640" y="1371600"/>
+            <a:ext cx="2953800" cy="914040"/>
+          </a:xfrm>
+          <a:prstGeom prst="rect">
+            <a:avLst/>
+          </a:prstGeom>
+          <a:solidFill>
+            <a:srgbClr val="ffffff"/>
+          </a:solidFill>
+          <a:ln w="25560">
+            <a:solidFill>
+              <a:srgbClr val="c00000"/>
+            </a:solidFill>
+            <a:round/>
+          </a:ln>
+        </p:spPr>
+        <p:txBody>
+          <a:bodyPr lIns="0" rIns="0" tIns="0" bIns="0" anchor="t">
+            <a:noAutofit/>
+          </a:bodyPr>
+          <a:p>
+            <a:pPr marL="343080" indent="-343080">
+              <a:lnSpc>
+                <a:spcPct val="100000"/>
+              </a:lnSpc>
+              <a:spcBef>
+                <a:spcPts val="360"/>
+              </a:spcBef>
+              <a:buClr>
+                <a:srgbClr val="0070c0"/>
+              </a:buClr>
+              <a:buSzPct val="80000"/>
+              <a:buFont typeface="Wingdings" charset="2"/>
+              <a:buChar char=""/>
+            </a:pPr>
+            <a:r>
+              <a:rPr b="1" lang="en-US" sz="1800" spc="-1" strike="noStrike">
+                <a:solidFill>
+                  <a:srgbClr val="2d2d2d"/>
+                </a:solidFill>
+                <a:latin typeface="Calibri"/>
+              </a:rPr>
+              <a:t>Validate Code (6)</a:t>
+            </a:r>
+            <a:endParaRPr b="0" lang="en-US" sz="1800" spc="-1" strike="noStrike">
+              <a:latin typeface="Arial"/>
+            </a:endParaRPr>
+          </a:p>
+          <a:p>
+            <a:pPr marL="343080" indent="-343080">
+              <a:lnSpc>
+                <a:spcPct val="100000"/>
+              </a:lnSpc>
+              <a:spcBef>
+                <a:spcPts val="360"/>
+              </a:spcBef>
+              <a:buClr>
+                <a:srgbClr val="0070c0"/>
+              </a:buClr>
+              <a:buSzPct val="80000"/>
+              <a:buFont typeface="Wingdings" charset="2"/>
+              <a:buChar char=""/>
+            </a:pPr>
+            <a:r>
+              <a:rPr b="0" lang="en-US" sz="1800" spc="-1" strike="noStrike">
+                <a:solidFill>
+                  <a:srgbClr val="2d2d2d"/>
+                </a:solidFill>
+                <a:latin typeface="Calibri"/>
+              </a:rPr>
+              <a:t>Lines 128-201</a:t>
+            </a:r>
+            <a:endParaRPr b="0" lang="en-US" sz="1800" spc="-1" strike="noStrike">
+              <a:latin typeface="Arial"/>
+            </a:endParaRPr>
+          </a:p>
+        </p:txBody>
+      </p:sp>
+      <p:sp>
+        <p:nvSpPr>
+          <p:cNvPr id="141" name="標題 18"/>
+          <p:cNvSpPr/>
+          <p:nvPr/>
+        </p:nvSpPr>
+        <p:spPr>
+          <a:xfrm>
+            <a:off x="0" y="764640"/>
+            <a:ext cx="9140400" cy="356400"/>
+          </a:xfrm>
+          <a:prstGeom prst="rect">
+            <a:avLst/>
+          </a:prstGeom>
+          <a:gradFill rotWithShape="0">
+            <a:gsLst>
+              <a:gs pos="0">
+                <a:srgbClr val="00afef"/>
+              </a:gs>
+              <a:gs pos="100000">
+                <a:srgbClr val="00688e"/>
+              </a:gs>
+            </a:gsLst>
+            <a:lin ang="8100000"/>
+          </a:gradFill>
+          <a:ln w="0">
+            <a:noFill/>
+          </a:ln>
+        </p:spPr>
+        <p:style>
+          <a:lnRef idx="0"/>
+          <a:fillRef idx="0"/>
+          <a:effectRef idx="0"/>
+          <a:fontRef idx="minor"/>
+        </p:style>
+        <p:txBody>
+          <a:bodyPr lIns="90000" rIns="90000" tIns="45000" bIns="45000" anchor="ctr">
+            <a:normAutofit fontScale="97000"/>
+          </a:bodyPr>
+          <a:p>
+            <a:pPr>
+              <a:lnSpc>
+                <a:spcPct val="100000"/>
+              </a:lnSpc>
+              <a:buNone/>
+            </a:pPr>
+            <a:r>
+              <a:rPr b="0" lang="en-US" sz="1800" spc="-1" strike="noStrike">
+                <a:solidFill>
+                  <a:srgbClr val="000000"/>
+                </a:solidFill>
+                <a:latin typeface="Calibri"/>
+                <a:ea typeface="DejaVu Sans"/>
+              </a:rPr>
+              <a:t>https://vulkan-tutorial.com/Development_environment#page_Linux</a:t>
+            </a:r>
+            <a:endParaRPr b="0" lang="en-US" sz="1800" spc="-1" strike="noStrike">
+              <a:latin typeface="Arial"/>
+            </a:endParaRPr>
+          </a:p>
+        </p:txBody>
+      </p:sp>
+      <p:pic>
+        <p:nvPicPr>
+          <p:cNvPr id="142" name="" descr=""/>
+          <p:cNvPicPr/>
+          <p:nvPr/>
+        </p:nvPicPr>
+        <p:blipFill>
+          <a:blip r:embed="rId1"/>
+          <a:stretch/>
+        </p:blipFill>
+        <p:spPr>
+          <a:xfrm>
+            <a:off x="3430080" y="1371600"/>
+            <a:ext cx="5942520" cy="5029200"/>
+          </a:xfrm>
+          <a:prstGeom prst="rect">
+            <a:avLst/>
+          </a:prstGeom>
+          <a:ln w="0">
+            <a:noFill/>
+          </a:ln>
+        </p:spPr>
+      </p:pic>
+      <p:sp>
+        <p:nvSpPr>
+          <p:cNvPr id="4" name="PlaceHolder 3"/>
+          <p:cNvSpPr>
+            <a:spLocks noGrp="1"/>
+          </p:cNvSpPr>
+          <p:nvPr>
+            <p:ph type="sldNum" idx="2"/>
+          </p:nvPr>
+        </p:nvSpPr>
+        <p:spPr/>
+        <p:txBody>
+          <a:bodyPr/>
+          <a:p>
+            <a:fld id="{3BD175CE-97E8-4024-9831-B1858D70E560}" type="slidenum">
+              <a:t>27</a:t>
+            </a:fld>
+          </a:p>
+        </p:txBody>
+      </p:sp>
+      <p:sp>
+        <p:nvSpPr>
+          <p:cNvPr id="5" name="PlaceHolder 4"/>
+          <p:cNvSpPr>
+            <a:spLocks noGrp="1"/>
+          </p:cNvSpPr>
+          <p:nvPr>
+            <p:ph type="dt" idx="3"/>
+          </p:nvPr>
+        </p:nvSpPr>
+        <p:spPr/>
+        <p:txBody>
+          <a:bodyPr/>
+          <a:p>
+            <a:fld id="{9FB128DB-49F1-49CA-A1FB-E092801E52CA}" type="datetime1">
+              <a:rPr lang="en-US"/>
+              <a:t>12/09/2022</a:t>
+            </a:fld>
+          </a:p>
+        </p:txBody>
+      </p:sp>
+    </p:spTree>
+  </p:cSld>
+  <mc:AlternateContent>
+    <mc:Choice Requires="p14">
+      <p:transition spd="slow" p14:dur="2000"/>
+    </mc:Choice>
+    <mc:Fallback>
+      <p:transition spd="slow"/>
+    </mc:Fallback>
+  </mc:AlternateContent>
+</p:sld>
+</file>
+
+<file path=ppt/slides/slide28.xml><?xml version="1.0" encoding="utf-8"?>
+<p:sld xmlns:a="http://schemas.openxmlformats.org/drawingml/2006/main" xmlns:p="http://schemas.openxmlformats.org/presentationml/2006/main" xmlns:r="http://schemas.openxmlformats.org/officeDocument/2006/relationships" xmlns:p14="http://schemas.microsoft.com/office/powerpoint/2010/main" xmlns:p15="http://schemas.microsoft.com/office/powerpoint/2012/main" xmlns:mc="http://schemas.openxmlformats.org/markup-compatibility/2006">
+  <p:cSld>
+    <p:spTree>
+      <p:nvGrpSpPr>
+        <p:cNvPr id="1" name=""/>
+        <p:cNvGrpSpPr/>
+        <p:nvPr/>
+      </p:nvGrpSpPr>
+      <p:grpSpPr>
+        <a:xfrm>
+          <a:off x="0" y="0"/>
+          <a:ext cx="0" cy="0"/>
+          <a:chOff x="0" y="0"/>
+          <a:chExt cx="0" cy="0"/>
+        </a:xfrm>
+      </p:grpSpPr>
+      <p:sp>
+        <p:nvSpPr>
+          <p:cNvPr id="143" name="PlaceHolder 1"/>
+          <p:cNvSpPr>
+            <a:spLocks noGrp="1"/>
+          </p:cNvSpPr>
+          <p:nvPr>
+            <p:ph type="title"/>
+          </p:nvPr>
+        </p:nvSpPr>
+        <p:spPr>
+          <a:xfrm>
+            <a:off x="0" y="2130480"/>
+            <a:ext cx="9140400" cy="1466280"/>
+          </a:xfrm>
+          <a:prstGeom prst="rect">
+            <a:avLst/>
+          </a:prstGeom>
+          <a:gradFill rotWithShape="0">
+            <a:gsLst>
+              <a:gs pos="0">
+                <a:srgbClr val="00afef"/>
+              </a:gs>
+              <a:gs pos="100000">
+                <a:srgbClr val="00688e"/>
+              </a:gs>
+            </a:gsLst>
+            <a:lin ang="8100000"/>
+          </a:gradFill>
+          <a:ln w="0">
+            <a:noFill/>
+          </a:ln>
+        </p:spPr>
+        <p:txBody>
+          <a:bodyPr lIns="0" rIns="0" tIns="0" bIns="0" anchor="ctr">
+            <a:normAutofit/>
+          </a:bodyPr>
+          <a:p>
+            <a:pPr algn="ctr">
+              <a:lnSpc>
+                <a:spcPct val="100000"/>
+              </a:lnSpc>
+              <a:buNone/>
+            </a:pPr>
+            <a:r>
+              <a:rPr b="1" lang="en-US" sz="6000" spc="-1" strike="noStrike">
+                <a:solidFill>
+                  <a:srgbClr val="ffff00"/>
+                </a:solidFill>
+                <a:latin typeface="Calibri"/>
+              </a:rPr>
+              <a:t>End</a:t>
+            </a:r>
+            <a:endParaRPr b="0" lang="en-US" sz="6000" spc="-1" strike="noStrike">
+              <a:latin typeface="Arial"/>
+            </a:endParaRPr>
+          </a:p>
+        </p:txBody>
+      </p:sp>
+      <p:sp>
+        <p:nvSpPr>
+          <p:cNvPr id="3" name="PlaceHolder 2"/>
+          <p:cNvSpPr>
+            <a:spLocks noGrp="1"/>
+          </p:cNvSpPr>
+          <p:nvPr>
+            <p:ph type="sldNum" idx="2"/>
+          </p:nvPr>
+        </p:nvSpPr>
+        <p:spPr/>
+        <p:txBody>
+          <a:bodyPr/>
+          <a:p>
+            <a:fld id="{8C2626B1-2FDB-425A-9DEB-83223177660B}" type="slidenum">
+              <a:t>28</a:t>
+            </a:fld>
+          </a:p>
+        </p:txBody>
+      </p:sp>
+      <p:sp>
+        <p:nvSpPr>
+          <p:cNvPr id="4" name="PlaceHolder 3"/>
+          <p:cNvSpPr>
+            <a:spLocks noGrp="1"/>
+          </p:cNvSpPr>
+          <p:nvPr>
+            <p:ph type="dt" idx="3"/>
+          </p:nvPr>
+        </p:nvSpPr>
+        <p:spPr/>
+        <p:txBody>
+          <a:bodyPr/>
+          <a:p>
+            <a:fld id="{C95EAA75-C701-4ED8-BCB7-67523F2F8078}" type="datetime1">
+              <a:rPr lang="en-US"/>
+              <a:t>12/09/2022</a:t>
             </a:fld>
           </a:p>
         </p:txBody>
@@ -3374,7 +8555,7 @@
         <p:spPr>
           <a:xfrm>
             <a:off x="0" y="2520"/>
-            <a:ext cx="9141120" cy="761760"/>
+            <a:ext cx="9140400" cy="761040"/>
           </a:xfrm>
           <a:prstGeom prst="rect">
             <a:avLst/>
@@ -3433,7 +8614,7 @@
         <p:spPr>
           <a:xfrm>
             <a:off x="467640" y="1371600"/>
-            <a:ext cx="8447400" cy="456840"/>
+            <a:ext cx="3189600" cy="2514240"/>
           </a:xfrm>
           <a:prstGeom prst="rect">
             <a:avLst/>
@@ -3480,6 +8661,62 @@
               <a:latin typeface="Arial"/>
             </a:endParaRPr>
           </a:p>
+          <a:p>
+            <a:pPr marL="343080" indent="-343080">
+              <a:lnSpc>
+                <a:spcPct val="100000"/>
+              </a:lnSpc>
+              <a:spcBef>
+                <a:spcPts val="360"/>
+              </a:spcBef>
+              <a:buClr>
+                <a:srgbClr val="0070c0"/>
+              </a:buClr>
+              <a:buSzPct val="80000"/>
+              <a:buFont typeface="Wingdings" charset="2"/>
+              <a:buChar char=""/>
+            </a:pPr>
+            <a:r>
+              <a:rPr b="0" lang="en-US" sz="1800" spc="-1" strike="noStrike">
+                <a:solidFill>
+                  <a:srgbClr val="2d2d2d"/>
+                </a:solidFill>
+                <a:latin typeface="Calibri"/>
+              </a:rPr>
+              <a:t>Passed in parameters to vkCreateInstance() to check.</a:t>
+            </a:r>
+            <a:endParaRPr b="0" lang="en-US" sz="1800" spc="-1" strike="noStrike">
+              <a:latin typeface="Arial"/>
+            </a:endParaRPr>
+          </a:p>
+          <a:p>
+            <a:pPr marL="343080" indent="-343080">
+              <a:lnSpc>
+                <a:spcPct val="100000"/>
+              </a:lnSpc>
+              <a:spcBef>
+                <a:spcPts val="360"/>
+              </a:spcBef>
+              <a:buClr>
+                <a:srgbClr val="0070c0"/>
+              </a:buClr>
+              <a:buSzPct val="80000"/>
+              <a:buFont typeface="Wingdings" charset="2"/>
+              <a:buChar char=""/>
+            </a:pPr>
+            <a:r>
+              <a:rPr b="0" lang="en-US" sz="1800" spc="-1" strike="noStrike">
+                <a:solidFill>
+                  <a:srgbClr val="2d2d2d"/>
+                </a:solidFill>
+                <a:latin typeface="Calibri"/>
+              </a:rPr>
+              <a:t>The passing parameters (validation layers) is arbitrary and freely stacked with debugging functionality.  </a:t>
+            </a:r>
+            <a:endParaRPr b="0" lang="en-US" sz="1800" spc="-1" strike="noStrike">
+              <a:latin typeface="Arial"/>
+            </a:endParaRPr>
+          </a:p>
         </p:txBody>
       </p:sp>
       <p:sp>
@@ -3491,7 +8728,7 @@
         <p:spPr>
           <a:xfrm>
             <a:off x="0" y="764640"/>
-            <a:ext cx="9141120" cy="357120"/>
+            <a:ext cx="9140400" cy="356400"/>
           </a:xfrm>
           <a:prstGeom prst="rect">
             <a:avLst/>
@@ -3556,8 +8793,8 @@
         </p:blipFill>
         <p:spPr>
           <a:xfrm>
-            <a:off x="685800" y="2057400"/>
-            <a:ext cx="3885840" cy="4381200"/>
+            <a:off x="3669480" y="457200"/>
+            <a:ext cx="5474160" cy="6171840"/>
           </a:xfrm>
           <a:prstGeom prst="rect">
             <a:avLst/>
@@ -3567,29 +8804,62 @@
           </a:ln>
         </p:spPr>
       </p:pic>
-      <p:pic>
-        <p:nvPicPr>
-          <p:cNvPr id="51" name="" descr=""/>
-          <p:cNvPicPr/>
+      <p:sp>
+        <p:nvSpPr>
+          <p:cNvPr id="51" name=""/>
+          <p:cNvSpPr/>
           <p:nvPr/>
-        </p:nvPicPr>
-        <p:blipFill>
-          <a:blip r:embed="rId2"/>
-          <a:stretch/>
-        </p:blipFill>
-        <p:spPr>
-          <a:xfrm>
-            <a:off x="4572000" y="1811880"/>
-            <a:ext cx="4272840" cy="4817160"/>
-          </a:xfrm>
-          <a:prstGeom prst="rect">
-            <a:avLst/>
-          </a:prstGeom>
-          <a:ln w="0">
-            <a:noFill/>
-          </a:ln>
-        </p:spPr>
-      </p:pic>
+        </p:nvSpPr>
+        <p:spPr>
+          <a:xfrm>
+            <a:off x="4114800" y="3657600"/>
+            <a:ext cx="4800240" cy="1599840"/>
+          </a:xfrm>
+          <a:prstGeom prst="rect">
+            <a:avLst/>
+          </a:prstGeom>
+          <a:noFill/>
+          <a:ln w="0">
+            <a:solidFill>
+              <a:srgbClr val="bf0041"/>
+            </a:solidFill>
+          </a:ln>
+        </p:spPr>
+        <p:style>
+          <a:lnRef idx="0"/>
+          <a:fillRef idx="0"/>
+          <a:effectRef idx="0"/>
+          <a:fontRef idx="minor"/>
+        </p:style>
+      </p:sp>
+      <p:sp>
+        <p:nvSpPr>
+          <p:cNvPr id="52" name=""/>
+          <p:cNvSpPr/>
+          <p:nvPr/>
+        </p:nvSpPr>
+        <p:spPr>
+          <a:xfrm>
+            <a:off x="4114800" y="1143000"/>
+            <a:ext cx="4800240" cy="456840"/>
+          </a:xfrm>
+          <a:prstGeom prst="rect">
+            <a:avLst/>
+          </a:prstGeom>
+          <a:noFill/>
+          <a:ln w="0">
+            <a:solidFill>
+              <a:srgbClr val="bf0041"/>
+            </a:solidFill>
+          </a:ln>
+        </p:spPr>
+        <p:style>
+          <a:lnRef idx="0"/>
+          <a:fillRef idx="0"/>
+          <a:effectRef idx="0"/>
+          <a:fontRef idx="minor"/>
+        </p:style>
+      </p:sp>
       <p:sp>
         <p:nvSpPr>
           <p:cNvPr id="4" name="PlaceHolder 3"/>
@@ -3604,7 +8874,7 @@
         <p:txBody>
           <a:bodyPr/>
           <a:p>
-            <a:fld id="{4CD50F32-DEF0-4B35-B25B-14C4BFEE67B2}" type="slidenum">
+            <a:fld id="{CB5E486D-128C-47B3-BD6D-29CFF2F8ABBD}" type="slidenum">
               <a:t>3</a:t>
             </a:fld>
           </a:p>
@@ -3624,9 +8894,9 @@
         <p:txBody>
           <a:bodyPr/>
           <a:p>
-            <a:fld id="{C8820DEC-8724-4363-9EF8-E1291F7F2AD7}" type="datetime1">
+            <a:fld id="{99870CE4-5BF5-46FF-9694-1232B7977FBB}" type="datetime1">
               <a:rPr lang="en-US"/>
-              <a:t>12/07/2022</a:t>
+              <a:t>12/09/2022</a:t>
             </a:fld>
           </a:p>
         </p:txBody>
@@ -3663,7 +8933,7 @@
       </p:grpSpPr>
       <p:sp>
         <p:nvSpPr>
-          <p:cNvPr id="52" name="PlaceHolder 1"/>
+          <p:cNvPr id="53" name="PlaceHolder 1"/>
           <p:cNvSpPr>
             <a:spLocks noGrp="1"/>
           </p:cNvSpPr>
@@ -3674,7 +8944,348 @@
         <p:spPr>
           <a:xfrm>
             <a:off x="0" y="2130480"/>
-            <a:ext cx="9141120" cy="1467000"/>
+            <a:ext cx="9140400" cy="1466280"/>
+          </a:xfrm>
+          <a:prstGeom prst="rect">
+            <a:avLst/>
+          </a:prstGeom>
+          <a:solidFill>
+            <a:srgbClr val="00b0f0"/>
+          </a:solidFill>
+          <a:ln w="0">
+            <a:noFill/>
+          </a:ln>
+        </p:spPr>
+        <p:txBody>
+          <a:bodyPr lIns="0" rIns="0" tIns="0" bIns="0" anchor="ctr">
+            <a:normAutofit/>
+          </a:bodyPr>
+          <a:p>
+            <a:pPr algn="ctr">
+              <a:lnSpc>
+                <a:spcPct val="100000"/>
+              </a:lnSpc>
+              <a:buNone/>
+            </a:pPr>
+            <a:r>
+              <a:rPr b="1" lang="en-US" sz="4000" spc="-1" strike="noStrike">
+                <a:solidFill>
+                  <a:srgbClr val="ffff00"/>
+                </a:solidFill>
+                <a:latin typeface="Calibri"/>
+              </a:rPr>
+              <a:t>002.1 Define Validation Layer</a:t>
+            </a:r>
+            <a:endParaRPr b="0" lang="en-US" sz="4000" spc="-1" strike="noStrike">
+              <a:latin typeface="Arial"/>
+            </a:endParaRPr>
+          </a:p>
+        </p:txBody>
+      </p:sp>
+      <p:pic>
+        <p:nvPicPr>
+          <p:cNvPr id="54" name="Picture 1" descr="Image result for google vulkan logo"/>
+          <p:cNvPicPr/>
+          <p:nvPr/>
+        </p:nvPicPr>
+        <p:blipFill>
+          <a:blip r:embed="rId1"/>
+          <a:stretch/>
+        </p:blipFill>
+        <p:spPr>
+          <a:xfrm>
+            <a:off x="3564000" y="3707280"/>
+            <a:ext cx="1610280" cy="849240"/>
+          </a:xfrm>
+          <a:prstGeom prst="rect">
+            <a:avLst/>
+          </a:prstGeom>
+          <a:ln w="0">
+            <a:noFill/>
+          </a:ln>
+        </p:spPr>
+      </p:pic>
+      <p:sp>
+        <p:nvSpPr>
+          <p:cNvPr id="3" name="PlaceHolder 2"/>
+          <p:cNvSpPr>
+            <a:spLocks noGrp="1"/>
+          </p:cNvSpPr>
+          <p:nvPr>
+            <p:ph type="sldNum" idx="2"/>
+          </p:nvPr>
+        </p:nvSpPr>
+        <p:spPr/>
+        <p:txBody>
+          <a:bodyPr/>
+          <a:p>
+            <a:fld id="{95E5A5B0-932F-4776-BE44-9D171F8D1D09}" type="slidenum">
+              <a:t>4</a:t>
+            </a:fld>
+          </a:p>
+        </p:txBody>
+      </p:sp>
+      <p:sp>
+        <p:nvSpPr>
+          <p:cNvPr id="4" name="PlaceHolder 3"/>
+          <p:cNvSpPr>
+            <a:spLocks noGrp="1"/>
+          </p:cNvSpPr>
+          <p:nvPr>
+            <p:ph type="dt" idx="3"/>
+          </p:nvPr>
+        </p:nvSpPr>
+        <p:spPr/>
+        <p:txBody>
+          <a:bodyPr/>
+          <a:p>
+            <a:fld id="{718B7A4B-BE1F-412A-95C6-1710E9301ACD}" type="datetime1">
+              <a:rPr lang="en-US"/>
+              <a:t>12/09/2022</a:t>
+            </a:fld>
+          </a:p>
+        </p:txBody>
+      </p:sp>
+    </p:spTree>
+  </p:cSld>
+  <mc:AlternateContent>
+    <mc:Choice Requires="p14">
+      <p:transition spd="slow" p14:dur="2000"/>
+    </mc:Choice>
+    <mc:Fallback>
+      <p:transition spd="slow"/>
+    </mc:Fallback>
+  </mc:AlternateContent>
+</p:sld>
+</file>
+
+<file path=ppt/slides/slide5.xml><?xml version="1.0" encoding="utf-8"?>
+<p:sld xmlns:a="http://schemas.openxmlformats.org/drawingml/2006/main" xmlns:p="http://schemas.openxmlformats.org/presentationml/2006/main" xmlns:r="http://schemas.openxmlformats.org/officeDocument/2006/relationships" xmlns:p14="http://schemas.microsoft.com/office/powerpoint/2010/main" xmlns:p15="http://schemas.microsoft.com/office/powerpoint/2012/main" xmlns:mc="http://schemas.openxmlformats.org/markup-compatibility/2006">
+  <p:cSld>
+    <p:spTree>
+      <p:nvGrpSpPr>
+        <p:cNvPr id="1" name=""/>
+        <p:cNvGrpSpPr/>
+        <p:nvPr/>
+      </p:nvGrpSpPr>
+      <p:grpSpPr>
+        <a:xfrm>
+          <a:off x="0" y="0"/>
+          <a:ext cx="0" cy="0"/>
+          <a:chOff x="0" y="0"/>
+          <a:chExt cx="0" cy="0"/>
+        </a:xfrm>
+      </p:grpSpPr>
+      <p:pic>
+        <p:nvPicPr>
+          <p:cNvPr id="55" name="" descr=""/>
+          <p:cNvPicPr/>
+          <p:nvPr/>
+        </p:nvPicPr>
+        <p:blipFill>
+          <a:blip r:embed="rId1"/>
+          <a:stretch/>
+        </p:blipFill>
+        <p:spPr>
+          <a:xfrm>
+            <a:off x="2086200" y="2286000"/>
+            <a:ext cx="5685840" cy="4561920"/>
+          </a:xfrm>
+          <a:prstGeom prst="rect">
+            <a:avLst/>
+          </a:prstGeom>
+          <a:ln w="0">
+            <a:noFill/>
+          </a:ln>
+        </p:spPr>
+      </p:pic>
+      <p:sp>
+        <p:nvSpPr>
+          <p:cNvPr id="56" name="PlaceHolder 1"/>
+          <p:cNvSpPr>
+            <a:spLocks noGrp="1"/>
+          </p:cNvSpPr>
+          <p:nvPr>
+            <p:ph type="title"/>
+          </p:nvPr>
+        </p:nvSpPr>
+        <p:spPr>
+          <a:xfrm>
+            <a:off x="0" y="2520"/>
+            <a:ext cx="9140400" cy="761040"/>
+          </a:xfrm>
+          <a:prstGeom prst="rect">
+            <a:avLst/>
+          </a:prstGeom>
+          <a:gradFill rotWithShape="0">
+            <a:gsLst>
+              <a:gs pos="0">
+                <a:srgbClr val="bf0000"/>
+              </a:gs>
+              <a:gs pos="100000">
+                <a:srgbClr val="710000"/>
+              </a:gs>
+            </a:gsLst>
+            <a:lin ang="8100000"/>
+          </a:gradFill>
+          <a:ln w="0">
+            <a:noFill/>
+          </a:ln>
+        </p:spPr>
+        <p:txBody>
+          <a:bodyPr lIns="0" rIns="0" tIns="0" bIns="0" anchor="ctr">
+            <a:normAutofit/>
+          </a:bodyPr>
+          <a:p>
+            <a:pPr>
+              <a:lnSpc>
+                <a:spcPct val="100000"/>
+              </a:lnSpc>
+              <a:buNone/>
+            </a:pPr>
+            <a:r>
+              <a:rPr b="1" lang="en-US" sz="4000" spc="-1" strike="noStrike">
+                <a:solidFill>
+                  <a:srgbClr val="ffff00"/>
+                </a:solidFill>
+                <a:latin typeface="Calibri"/>
+              </a:rPr>
+              <a:t>002.1 Define Validation Layer</a:t>
+            </a:r>
+            <a:endParaRPr b="0" lang="en-US" sz="4000" spc="-1" strike="noStrike">
+              <a:latin typeface="Arial"/>
+            </a:endParaRPr>
+          </a:p>
+        </p:txBody>
+      </p:sp>
+      <p:sp>
+        <p:nvSpPr>
+          <p:cNvPr id="57" name="PlaceHolder 2"/>
+          <p:cNvSpPr>
+            <a:spLocks noGrp="1"/>
+          </p:cNvSpPr>
+          <p:nvPr>
+            <p:ph type="subTitle"/>
+          </p:nvPr>
+        </p:nvSpPr>
+        <p:spPr>
+          <a:xfrm>
+            <a:off x="467640" y="1371600"/>
+            <a:ext cx="8218800" cy="914040"/>
+          </a:xfrm>
+          <a:prstGeom prst="rect">
+            <a:avLst/>
+          </a:prstGeom>
+          <a:solidFill>
+            <a:srgbClr val="ffffff"/>
+          </a:solidFill>
+          <a:ln w="25560">
+            <a:solidFill>
+              <a:srgbClr val="c00000"/>
+            </a:solidFill>
+            <a:round/>
+          </a:ln>
+        </p:spPr>
+        <p:txBody>
+          <a:bodyPr lIns="0" rIns="0" tIns="0" bIns="0" anchor="t">
+            <a:noAutofit/>
+          </a:bodyPr>
+          <a:p>
+            <a:pPr marL="343080" indent="-343080">
+              <a:lnSpc>
+                <a:spcPct val="100000"/>
+              </a:lnSpc>
+              <a:spcBef>
+                <a:spcPts val="360"/>
+              </a:spcBef>
+              <a:buClr>
+                <a:srgbClr val="0070c0"/>
+              </a:buClr>
+              <a:buSzPct val="80000"/>
+              <a:buFont typeface="Wingdings" charset="2"/>
+              <a:buChar char=""/>
+            </a:pPr>
+            <a:r>
+              <a:rPr b="1" lang="en-US" sz="1800" spc="-1" strike="noStrike">
+                <a:solidFill>
+                  <a:srgbClr val="2d2d2d"/>
+                </a:solidFill>
+                <a:latin typeface="Calibri"/>
+              </a:rPr>
+              <a:t>Define Validation Layer</a:t>
+            </a:r>
+            <a:endParaRPr b="0" lang="en-US" sz="1800" spc="-1" strike="noStrike">
+              <a:latin typeface="Arial"/>
+            </a:endParaRPr>
+          </a:p>
+          <a:p>
+            <a:pPr marL="343080" indent="-343080">
+              <a:lnSpc>
+                <a:spcPct val="100000"/>
+              </a:lnSpc>
+              <a:spcBef>
+                <a:spcPts val="360"/>
+              </a:spcBef>
+              <a:buClr>
+                <a:srgbClr val="0070c0"/>
+              </a:buClr>
+              <a:buSzPct val="80000"/>
+              <a:buFont typeface="Wingdings" charset="2"/>
+              <a:buChar char=""/>
+            </a:pPr>
+            <a:r>
+              <a:rPr b="0" lang="en-US" sz="1800" spc="-1" strike="noStrike">
+                <a:solidFill>
+                  <a:srgbClr val="2d2d2d"/>
+                </a:solidFill>
+                <a:latin typeface="Calibri"/>
+              </a:rPr>
+              <a:t>We need to define the validation layers.</a:t>
+            </a:r>
+            <a:endParaRPr b="0" lang="en-US" sz="1800" spc="-1" strike="noStrike">
+              <a:latin typeface="Arial"/>
+            </a:endParaRPr>
+          </a:p>
+          <a:p>
+            <a:pPr marL="343080" indent="-343080">
+              <a:lnSpc>
+                <a:spcPct val="100000"/>
+              </a:lnSpc>
+              <a:spcBef>
+                <a:spcPts val="360"/>
+              </a:spcBef>
+              <a:buClr>
+                <a:srgbClr val="0070c0"/>
+              </a:buClr>
+              <a:buSzPct val="80000"/>
+              <a:buFont typeface="Wingdings" charset="2"/>
+              <a:buChar char=""/>
+            </a:pPr>
+            <a:r>
+              <a:rPr b="0" lang="en-US" sz="1800" spc="-1" strike="noStrike">
+                <a:solidFill>
+                  <a:srgbClr val="2d2d2d"/>
+                </a:solidFill>
+                <a:latin typeface="Calibri"/>
+              </a:rPr>
+              <a:t>C++ standard NDEBUG (not debug) to define the control variable.  </a:t>
+            </a:r>
+            <a:endParaRPr b="0" lang="en-US" sz="1800" spc="-1" strike="noStrike">
+              <a:latin typeface="Arial"/>
+            </a:endParaRPr>
+          </a:p>
+        </p:txBody>
+      </p:sp>
+      <p:sp>
+        <p:nvSpPr>
+          <p:cNvPr id="58" name="標題 1"/>
+          <p:cNvSpPr/>
+          <p:nvPr/>
+        </p:nvSpPr>
+        <p:spPr>
+          <a:xfrm>
+            <a:off x="0" y="764640"/>
+            <a:ext cx="9140400" cy="356400"/>
           </a:xfrm>
           <a:prstGeom prst="rect">
             <a:avLst/>
@@ -3694,6 +9305,163 @@
             <a:noFill/>
           </a:ln>
         </p:spPr>
+        <p:style>
+          <a:lnRef idx="0"/>
+          <a:fillRef idx="0"/>
+          <a:effectRef idx="0"/>
+          <a:fontRef idx="minor"/>
+        </p:style>
+        <p:txBody>
+          <a:bodyPr lIns="90000" rIns="90000" tIns="45000" bIns="45000" anchor="ctr">
+            <a:normAutofit fontScale="97000"/>
+          </a:bodyPr>
+          <a:p>
+            <a:pPr>
+              <a:lnSpc>
+                <a:spcPct val="100000"/>
+              </a:lnSpc>
+              <a:buNone/>
+            </a:pPr>
+            <a:r>
+              <a:rPr b="0" lang="en-US" sz="1800" spc="-1" strike="noStrike">
+                <a:solidFill>
+                  <a:srgbClr val="000000"/>
+                </a:solidFill>
+                <a:latin typeface="Calibri"/>
+                <a:ea typeface="DejaVu Sans"/>
+              </a:rPr>
+              <a:t>https://vulkan-tutorial.com/Development_environment#page_Linux</a:t>
+            </a:r>
+            <a:endParaRPr b="0" lang="en-US" sz="1800" spc="-1" strike="noStrike">
+              <a:latin typeface="Arial"/>
+            </a:endParaRPr>
+          </a:p>
+        </p:txBody>
+      </p:sp>
+      <p:sp>
+        <p:nvSpPr>
+          <p:cNvPr id="59" name=""/>
+          <p:cNvSpPr/>
+          <p:nvPr/>
+        </p:nvSpPr>
+        <p:spPr>
+          <a:xfrm>
+            <a:off x="2286000" y="4800600"/>
+            <a:ext cx="4571640" cy="1599840"/>
+          </a:xfrm>
+          <a:prstGeom prst="rect">
+            <a:avLst/>
+          </a:prstGeom>
+          <a:noFill/>
+          <a:ln w="0">
+            <a:solidFill>
+              <a:srgbClr val="bf0041"/>
+            </a:solidFill>
+          </a:ln>
+        </p:spPr>
+        <p:style>
+          <a:lnRef idx="0"/>
+          <a:fillRef idx="0"/>
+          <a:effectRef idx="0"/>
+          <a:fontRef idx="minor"/>
+        </p:style>
+      </p:sp>
+      <p:sp>
+        <p:nvSpPr>
+          <p:cNvPr id="4" name="PlaceHolder 3"/>
+          <p:cNvSpPr>
+            <a:spLocks noGrp="1"/>
+          </p:cNvSpPr>
+          <p:nvPr>
+            <p:ph type="sldNum" idx="2"/>
+          </p:nvPr>
+        </p:nvSpPr>
+        <p:spPr/>
+        <p:txBody>
+          <a:bodyPr/>
+          <a:p>
+            <a:fld id="{C92C70E7-5C74-4F87-A9FE-AF9DBDB6F446}" type="slidenum">
+              <a:t>5</a:t>
+            </a:fld>
+          </a:p>
+        </p:txBody>
+      </p:sp>
+      <p:sp>
+        <p:nvSpPr>
+          <p:cNvPr id="5" name="PlaceHolder 4"/>
+          <p:cNvSpPr>
+            <a:spLocks noGrp="1"/>
+          </p:cNvSpPr>
+          <p:nvPr>
+            <p:ph type="dt" idx="3"/>
+          </p:nvPr>
+        </p:nvSpPr>
+        <p:spPr/>
+        <p:txBody>
+          <a:bodyPr/>
+          <a:p>
+            <a:fld id="{712FD256-F7CF-467E-AD76-1B780E8EF0C6}" type="datetime1">
+              <a:rPr lang="en-US"/>
+              <a:t>12/09/2022</a:t>
+            </a:fld>
+          </a:p>
+        </p:txBody>
+      </p:sp>
+    </p:spTree>
+  </p:cSld>
+  <mc:AlternateContent>
+    <mc:Choice Requires="p14">
+      <p:transition spd="slow" p14:dur="2000"/>
+    </mc:Choice>
+    <mc:Fallback>
+      <p:transition spd="slow"/>
+    </mc:Fallback>
+  </mc:AlternateContent>
+</p:sld>
+</file>
+
+<file path=ppt/slides/slide6.xml><?xml version="1.0" encoding="utf-8"?>
+<p:sld xmlns:a="http://schemas.openxmlformats.org/drawingml/2006/main" xmlns:p="http://schemas.openxmlformats.org/presentationml/2006/main" xmlns:r="http://schemas.openxmlformats.org/officeDocument/2006/relationships" xmlns:p14="http://schemas.microsoft.com/office/powerpoint/2010/main" xmlns:p15="http://schemas.microsoft.com/office/powerpoint/2012/main" xmlns:mc="http://schemas.openxmlformats.org/markup-compatibility/2006">
+  <p:cSld>
+    <p:spTree>
+      <p:nvGrpSpPr>
+        <p:cNvPr id="1" name=""/>
+        <p:cNvGrpSpPr/>
+        <p:nvPr/>
+      </p:nvGrpSpPr>
+      <p:grpSpPr>
+        <a:xfrm>
+          <a:off x="0" y="0"/>
+          <a:ext cx="0" cy="0"/>
+          <a:chOff x="0" y="0"/>
+          <a:chExt cx="0" cy="0"/>
+        </a:xfrm>
+      </p:grpSpPr>
+      <p:sp>
+        <p:nvSpPr>
+          <p:cNvPr id="60" name="PlaceHolder 1"/>
+          <p:cNvSpPr>
+            <a:spLocks noGrp="1"/>
+          </p:cNvSpPr>
+          <p:nvPr>
+            <p:ph type="title"/>
+          </p:nvPr>
+        </p:nvSpPr>
+        <p:spPr>
+          <a:xfrm>
+            <a:off x="0" y="2130480"/>
+            <a:ext cx="9140400" cy="1466280"/>
+          </a:xfrm>
+          <a:prstGeom prst="rect">
+            <a:avLst/>
+          </a:prstGeom>
+          <a:solidFill>
+            <a:srgbClr val="00b0f0"/>
+          </a:solidFill>
+          <a:ln w="0">
+            <a:noFill/>
+          </a:ln>
+        </p:spPr>
         <p:txBody>
           <a:bodyPr lIns="0" rIns="0" tIns="0" bIns="0" anchor="ctr">
             <a:normAutofit/>
@@ -3706,20 +9474,43 @@
               <a:buNone/>
             </a:pPr>
             <a:r>
-              <a:rPr b="1" lang="en-US" sz="6000" spc="-1" strike="noStrike">
+              <a:rPr b="1" lang="en-US" sz="4000" spc="-1" strike="noStrike">
                 <a:solidFill>
                   <a:srgbClr val="ffff00"/>
                 </a:solidFill>
                 <a:latin typeface="Calibri"/>
               </a:rPr>
-              <a:t>End</a:t>
-            </a:r>
-            <a:endParaRPr b="0" lang="en-US" sz="6000" spc="-1" strike="noStrike">
-              <a:latin typeface="Arial"/>
-            </a:endParaRPr>
-          </a:p>
-        </p:txBody>
-      </p:sp>
+              <a:t>002.2 List Validation Layer</a:t>
+            </a:r>
+            <a:endParaRPr b="0" lang="en-US" sz="4000" spc="-1" strike="noStrike">
+              <a:latin typeface="Arial"/>
+            </a:endParaRPr>
+          </a:p>
+        </p:txBody>
+      </p:sp>
+      <p:pic>
+        <p:nvPicPr>
+          <p:cNvPr id="61" name="Picture 3" descr="Image result for google vulkan logo"/>
+          <p:cNvPicPr/>
+          <p:nvPr/>
+        </p:nvPicPr>
+        <p:blipFill>
+          <a:blip r:embed="rId1"/>
+          <a:stretch/>
+        </p:blipFill>
+        <p:spPr>
+          <a:xfrm>
+            <a:off x="3564000" y="3707280"/>
+            <a:ext cx="1610280" cy="849240"/>
+          </a:xfrm>
+          <a:prstGeom prst="rect">
+            <a:avLst/>
+          </a:prstGeom>
+          <a:ln w="0">
+            <a:noFill/>
+          </a:ln>
+        </p:spPr>
+      </p:pic>
       <p:sp>
         <p:nvSpPr>
           <p:cNvPr id="3" name="PlaceHolder 2"/>
@@ -3734,8 +9525,8 @@
         <p:txBody>
           <a:bodyPr/>
           <a:p>
-            <a:fld id="{75AD0E9A-35BD-450D-A0C8-FCB76D75C1A4}" type="slidenum">
-              <a:t>4</a:t>
+            <a:fld id="{70F231F0-A01D-4944-ACDB-80E06FDA2A98}" type="slidenum">
+              <a:t>6</a:t>
             </a:fld>
           </a:p>
         </p:txBody>
@@ -3754,9 +9545,829 @@
         <p:txBody>
           <a:bodyPr/>
           <a:p>
-            <a:fld id="{78187E37-853E-4756-B7E5-95328C550568}" type="datetime1">
+            <a:fld id="{AE91B6CA-194D-4BAD-8EBA-E4AADE42722E}" type="datetime1">
               <a:rPr lang="en-US"/>
-              <a:t>12/07/2022</a:t>
+              <a:t>12/09/2022</a:t>
+            </a:fld>
+          </a:p>
+        </p:txBody>
+      </p:sp>
+    </p:spTree>
+  </p:cSld>
+  <mc:AlternateContent>
+    <mc:Choice Requires="p14">
+      <p:transition spd="slow" p14:dur="2000"/>
+    </mc:Choice>
+    <mc:Fallback>
+      <p:transition spd="slow"/>
+    </mc:Fallback>
+  </mc:AlternateContent>
+</p:sld>
+</file>
+
+<file path=ppt/slides/slide7.xml><?xml version="1.0" encoding="utf-8"?>
+<p:sld xmlns:a="http://schemas.openxmlformats.org/drawingml/2006/main" xmlns:p="http://schemas.openxmlformats.org/presentationml/2006/main" xmlns:r="http://schemas.openxmlformats.org/officeDocument/2006/relationships" xmlns:p14="http://schemas.microsoft.com/office/powerpoint/2010/main" xmlns:p15="http://schemas.microsoft.com/office/powerpoint/2012/main" xmlns:mc="http://schemas.openxmlformats.org/markup-compatibility/2006">
+  <p:cSld>
+    <p:spTree>
+      <p:nvGrpSpPr>
+        <p:cNvPr id="1" name=""/>
+        <p:cNvGrpSpPr/>
+        <p:nvPr/>
+      </p:nvGrpSpPr>
+      <p:grpSpPr>
+        <a:xfrm>
+          <a:off x="0" y="0"/>
+          <a:ext cx="0" cy="0"/>
+          <a:chOff x="0" y="0"/>
+          <a:chExt cx="0" cy="0"/>
+        </a:xfrm>
+      </p:grpSpPr>
+      <p:pic>
+        <p:nvPicPr>
+          <p:cNvPr id="62" name="" descr=""/>
+          <p:cNvPicPr/>
+          <p:nvPr/>
+        </p:nvPicPr>
+        <p:blipFill>
+          <a:blip r:embed="rId1"/>
+          <a:stretch/>
+        </p:blipFill>
+        <p:spPr>
+          <a:xfrm>
+            <a:off x="1600200" y="2286000"/>
+            <a:ext cx="5752440" cy="4025880"/>
+          </a:xfrm>
+          <a:prstGeom prst="rect">
+            <a:avLst/>
+          </a:prstGeom>
+          <a:ln w="0">
+            <a:noFill/>
+          </a:ln>
+        </p:spPr>
+      </p:pic>
+      <p:sp>
+        <p:nvSpPr>
+          <p:cNvPr id="63" name="PlaceHolder 1"/>
+          <p:cNvSpPr>
+            <a:spLocks noGrp="1"/>
+          </p:cNvSpPr>
+          <p:nvPr>
+            <p:ph type="title"/>
+          </p:nvPr>
+        </p:nvSpPr>
+        <p:spPr>
+          <a:xfrm>
+            <a:off x="0" y="2520"/>
+            <a:ext cx="9140400" cy="761040"/>
+          </a:xfrm>
+          <a:prstGeom prst="rect">
+            <a:avLst/>
+          </a:prstGeom>
+          <a:gradFill rotWithShape="0">
+            <a:gsLst>
+              <a:gs pos="0">
+                <a:srgbClr val="bf0000"/>
+              </a:gs>
+              <a:gs pos="100000">
+                <a:srgbClr val="710000"/>
+              </a:gs>
+            </a:gsLst>
+            <a:lin ang="8100000"/>
+          </a:gradFill>
+          <a:ln w="0">
+            <a:noFill/>
+          </a:ln>
+        </p:spPr>
+        <p:txBody>
+          <a:bodyPr lIns="0" rIns="0" tIns="0" bIns="0" anchor="ctr">
+            <a:normAutofit/>
+          </a:bodyPr>
+          <a:p>
+            <a:pPr>
+              <a:lnSpc>
+                <a:spcPct val="100000"/>
+              </a:lnSpc>
+              <a:buNone/>
+            </a:pPr>
+            <a:r>
+              <a:rPr b="1" lang="en-US" sz="4000" spc="-1" strike="noStrike">
+                <a:solidFill>
+                  <a:srgbClr val="ffff00"/>
+                </a:solidFill>
+                <a:latin typeface="Calibri"/>
+              </a:rPr>
+              <a:t>002.2 List Validation Layer</a:t>
+            </a:r>
+            <a:endParaRPr b="0" lang="en-US" sz="4000" spc="-1" strike="noStrike">
+              <a:latin typeface="Arial"/>
+            </a:endParaRPr>
+          </a:p>
+        </p:txBody>
+      </p:sp>
+      <p:sp>
+        <p:nvSpPr>
+          <p:cNvPr id="64" name="PlaceHolder 2"/>
+          <p:cNvSpPr>
+            <a:spLocks noGrp="1"/>
+          </p:cNvSpPr>
+          <p:nvPr>
+            <p:ph type="subTitle"/>
+          </p:nvPr>
+        </p:nvSpPr>
+        <p:spPr>
+          <a:xfrm>
+            <a:off x="467640" y="1371600"/>
+            <a:ext cx="8218800" cy="685440"/>
+          </a:xfrm>
+          <a:prstGeom prst="rect">
+            <a:avLst/>
+          </a:prstGeom>
+          <a:solidFill>
+            <a:srgbClr val="ffffff"/>
+          </a:solidFill>
+          <a:ln w="25560">
+            <a:solidFill>
+              <a:srgbClr val="c00000"/>
+            </a:solidFill>
+            <a:round/>
+          </a:ln>
+        </p:spPr>
+        <p:txBody>
+          <a:bodyPr lIns="0" rIns="0" tIns="0" bIns="0" anchor="t">
+            <a:noAutofit/>
+          </a:bodyPr>
+          <a:p>
+            <a:pPr marL="343080" indent="-343080">
+              <a:lnSpc>
+                <a:spcPct val="100000"/>
+              </a:lnSpc>
+              <a:spcBef>
+                <a:spcPts val="360"/>
+              </a:spcBef>
+              <a:buClr>
+                <a:srgbClr val="0070c0"/>
+              </a:buClr>
+              <a:buSzPct val="80000"/>
+              <a:buFont typeface="Wingdings" charset="2"/>
+              <a:buChar char=""/>
+            </a:pPr>
+            <a:r>
+              <a:rPr b="1" lang="en-US" sz="1800" spc="-1" strike="noStrike">
+                <a:solidFill>
+                  <a:srgbClr val="2d2d2d"/>
+                </a:solidFill>
+                <a:latin typeface="Calibri"/>
+              </a:rPr>
+              <a:t>List Validation Layer</a:t>
+            </a:r>
+            <a:r>
+              <a:rPr b="0" lang="en-US" sz="1800" spc="-1" strike="noStrike">
+                <a:solidFill>
+                  <a:srgbClr val="2d2d2d"/>
+                </a:solidFill>
+                <a:latin typeface="Calibri"/>
+              </a:rPr>
+              <a:t> </a:t>
+            </a:r>
+            <a:endParaRPr b="0" lang="en-US" sz="1800" spc="-1" strike="noStrike">
+              <a:latin typeface="Arial"/>
+            </a:endParaRPr>
+          </a:p>
+          <a:p>
+            <a:pPr marL="343080" indent="-343080">
+              <a:lnSpc>
+                <a:spcPct val="100000"/>
+              </a:lnSpc>
+              <a:spcBef>
+                <a:spcPts val="360"/>
+              </a:spcBef>
+              <a:buClr>
+                <a:srgbClr val="0070c0"/>
+              </a:buClr>
+              <a:buSzPct val="80000"/>
+              <a:buFont typeface="Wingdings" charset="2"/>
+              <a:buChar char=""/>
+            </a:pPr>
+            <a:r>
+              <a:rPr b="0" lang="en-US" sz="1800" spc="-1" strike="noStrike">
+                <a:solidFill>
+                  <a:srgbClr val="2d2d2d"/>
+                </a:solidFill>
+                <a:latin typeface="Calibri"/>
+              </a:rPr>
+              <a:t>vkEnumerateInstanceLayerPorperties(): List all the variable layers.</a:t>
+            </a:r>
+            <a:endParaRPr b="0" lang="en-US" sz="1800" spc="-1" strike="noStrike">
+              <a:latin typeface="Arial"/>
+            </a:endParaRPr>
+          </a:p>
+        </p:txBody>
+      </p:sp>
+      <p:sp>
+        <p:nvSpPr>
+          <p:cNvPr id="65" name="標題 2"/>
+          <p:cNvSpPr/>
+          <p:nvPr/>
+        </p:nvSpPr>
+        <p:spPr>
+          <a:xfrm>
+            <a:off x="0" y="764640"/>
+            <a:ext cx="9140400" cy="356400"/>
+          </a:xfrm>
+          <a:prstGeom prst="rect">
+            <a:avLst/>
+          </a:prstGeom>
+          <a:gradFill rotWithShape="0">
+            <a:gsLst>
+              <a:gs pos="0">
+                <a:srgbClr val="00afef"/>
+              </a:gs>
+              <a:gs pos="100000">
+                <a:srgbClr val="00688e"/>
+              </a:gs>
+            </a:gsLst>
+            <a:lin ang="8100000"/>
+          </a:gradFill>
+          <a:ln w="0">
+            <a:noFill/>
+          </a:ln>
+        </p:spPr>
+        <p:style>
+          <a:lnRef idx="0"/>
+          <a:fillRef idx="0"/>
+          <a:effectRef idx="0"/>
+          <a:fontRef idx="minor"/>
+        </p:style>
+        <p:txBody>
+          <a:bodyPr lIns="90000" rIns="90000" tIns="45000" bIns="45000" anchor="ctr">
+            <a:normAutofit fontScale="97000"/>
+          </a:bodyPr>
+          <a:p>
+            <a:pPr>
+              <a:lnSpc>
+                <a:spcPct val="100000"/>
+              </a:lnSpc>
+              <a:buNone/>
+            </a:pPr>
+            <a:r>
+              <a:rPr b="0" lang="en-US" sz="1800" spc="-1" strike="noStrike">
+                <a:solidFill>
+                  <a:srgbClr val="000000"/>
+                </a:solidFill>
+                <a:latin typeface="Calibri"/>
+                <a:ea typeface="DejaVu Sans"/>
+              </a:rPr>
+              <a:t>https://vulkan-tutorial.com/Development_environment#page_Linux</a:t>
+            </a:r>
+            <a:endParaRPr b="0" lang="en-US" sz="1800" spc="-1" strike="noStrike">
+              <a:latin typeface="Arial"/>
+            </a:endParaRPr>
+          </a:p>
+        </p:txBody>
+      </p:sp>
+      <p:sp>
+        <p:nvSpPr>
+          <p:cNvPr id="66" name=""/>
+          <p:cNvSpPr/>
+          <p:nvPr/>
+        </p:nvSpPr>
+        <p:spPr>
+          <a:xfrm>
+            <a:off x="2286000" y="3200400"/>
+            <a:ext cx="4733640" cy="456840"/>
+          </a:xfrm>
+          <a:prstGeom prst="rect">
+            <a:avLst/>
+          </a:prstGeom>
+          <a:noFill/>
+          <a:ln w="0">
+            <a:solidFill>
+              <a:srgbClr val="bf0041"/>
+            </a:solidFill>
+          </a:ln>
+        </p:spPr>
+        <p:style>
+          <a:lnRef idx="0"/>
+          <a:fillRef idx="0"/>
+          <a:effectRef idx="0"/>
+          <a:fontRef idx="minor"/>
+        </p:style>
+      </p:sp>
+      <p:sp>
+        <p:nvSpPr>
+          <p:cNvPr id="4" name="PlaceHolder 3"/>
+          <p:cNvSpPr>
+            <a:spLocks noGrp="1"/>
+          </p:cNvSpPr>
+          <p:nvPr>
+            <p:ph type="sldNum" idx="2"/>
+          </p:nvPr>
+        </p:nvSpPr>
+        <p:spPr/>
+        <p:txBody>
+          <a:bodyPr/>
+          <a:p>
+            <a:fld id="{1EDE487A-CB69-47D4-AEB0-F7A529D23BCD}" type="slidenum">
+              <a:t>7</a:t>
+            </a:fld>
+          </a:p>
+        </p:txBody>
+      </p:sp>
+      <p:sp>
+        <p:nvSpPr>
+          <p:cNvPr id="5" name="PlaceHolder 4"/>
+          <p:cNvSpPr>
+            <a:spLocks noGrp="1"/>
+          </p:cNvSpPr>
+          <p:nvPr>
+            <p:ph type="dt" idx="3"/>
+          </p:nvPr>
+        </p:nvSpPr>
+        <p:spPr/>
+        <p:txBody>
+          <a:bodyPr/>
+          <a:p>
+            <a:fld id="{8192B72B-782C-413A-8930-83B8C76E6177}" type="datetime1">
+              <a:rPr lang="en-US"/>
+              <a:t>12/09/2022</a:t>
+            </a:fld>
+          </a:p>
+        </p:txBody>
+      </p:sp>
+    </p:spTree>
+  </p:cSld>
+  <mc:AlternateContent>
+    <mc:Choice Requires="p14">
+      <p:transition spd="slow" p14:dur="2000"/>
+    </mc:Choice>
+    <mc:Fallback>
+      <p:transition spd="slow"/>
+    </mc:Fallback>
+  </mc:AlternateContent>
+</p:sld>
+</file>
+
+<file path=ppt/slides/slide8.xml><?xml version="1.0" encoding="utf-8"?>
+<p:sld xmlns:a="http://schemas.openxmlformats.org/drawingml/2006/main" xmlns:p="http://schemas.openxmlformats.org/presentationml/2006/main" xmlns:r="http://schemas.openxmlformats.org/officeDocument/2006/relationships" xmlns:p14="http://schemas.microsoft.com/office/powerpoint/2010/main" xmlns:p15="http://schemas.microsoft.com/office/powerpoint/2012/main" xmlns:mc="http://schemas.openxmlformats.org/markup-compatibility/2006">
+  <p:cSld>
+    <p:spTree>
+      <p:nvGrpSpPr>
+        <p:cNvPr id="1" name=""/>
+        <p:cNvGrpSpPr/>
+        <p:nvPr/>
+      </p:nvGrpSpPr>
+      <p:grpSpPr>
+        <a:xfrm>
+          <a:off x="0" y="0"/>
+          <a:ext cx="0" cy="0"/>
+          <a:chOff x="0" y="0"/>
+          <a:chExt cx="0" cy="0"/>
+        </a:xfrm>
+      </p:grpSpPr>
+      <p:sp>
+        <p:nvSpPr>
+          <p:cNvPr id="67" name="PlaceHolder 1"/>
+          <p:cNvSpPr>
+            <a:spLocks noGrp="1"/>
+          </p:cNvSpPr>
+          <p:nvPr>
+            <p:ph type="title"/>
+          </p:nvPr>
+        </p:nvSpPr>
+        <p:spPr>
+          <a:xfrm>
+            <a:off x="0" y="2130480"/>
+            <a:ext cx="9140400" cy="1466280"/>
+          </a:xfrm>
+          <a:prstGeom prst="rect">
+            <a:avLst/>
+          </a:prstGeom>
+          <a:solidFill>
+            <a:srgbClr val="00b0f0"/>
+          </a:solidFill>
+          <a:ln w="0">
+            <a:noFill/>
+          </a:ln>
+        </p:spPr>
+        <p:txBody>
+          <a:bodyPr lIns="0" rIns="0" tIns="0" bIns="0" anchor="ctr">
+            <a:normAutofit/>
+          </a:bodyPr>
+          <a:p>
+            <a:pPr algn="ctr">
+              <a:lnSpc>
+                <a:spcPct val="100000"/>
+              </a:lnSpc>
+              <a:buNone/>
+            </a:pPr>
+            <a:r>
+              <a:rPr b="1" lang="en-US" sz="4000" spc="-1" strike="noStrike">
+                <a:solidFill>
+                  <a:srgbClr val="ffff00"/>
+                </a:solidFill>
+                <a:latin typeface="Calibri"/>
+              </a:rPr>
+              <a:t>002.3 Loop Validation Layer</a:t>
+            </a:r>
+            <a:endParaRPr b="0" lang="en-US" sz="4000" spc="-1" strike="noStrike">
+              <a:latin typeface="Arial"/>
+            </a:endParaRPr>
+          </a:p>
+        </p:txBody>
+      </p:sp>
+      <p:pic>
+        <p:nvPicPr>
+          <p:cNvPr id="68" name="Picture 4" descr="Image result for google vulkan logo"/>
+          <p:cNvPicPr/>
+          <p:nvPr/>
+        </p:nvPicPr>
+        <p:blipFill>
+          <a:blip r:embed="rId1"/>
+          <a:stretch/>
+        </p:blipFill>
+        <p:spPr>
+          <a:xfrm>
+            <a:off x="3564000" y="3707280"/>
+            <a:ext cx="1610280" cy="849240"/>
+          </a:xfrm>
+          <a:prstGeom prst="rect">
+            <a:avLst/>
+          </a:prstGeom>
+          <a:ln w="0">
+            <a:noFill/>
+          </a:ln>
+        </p:spPr>
+      </p:pic>
+      <p:sp>
+        <p:nvSpPr>
+          <p:cNvPr id="3" name="PlaceHolder 2"/>
+          <p:cNvSpPr>
+            <a:spLocks noGrp="1"/>
+          </p:cNvSpPr>
+          <p:nvPr>
+            <p:ph type="sldNum" idx="2"/>
+          </p:nvPr>
+        </p:nvSpPr>
+        <p:spPr/>
+        <p:txBody>
+          <a:bodyPr/>
+          <a:p>
+            <a:fld id="{8C115973-26E3-40B5-9F03-23C8AFE1BC78}" type="slidenum">
+              <a:t>8</a:t>
+            </a:fld>
+          </a:p>
+        </p:txBody>
+      </p:sp>
+      <p:sp>
+        <p:nvSpPr>
+          <p:cNvPr id="4" name="PlaceHolder 3"/>
+          <p:cNvSpPr>
+            <a:spLocks noGrp="1"/>
+          </p:cNvSpPr>
+          <p:nvPr>
+            <p:ph type="dt" idx="3"/>
+          </p:nvPr>
+        </p:nvSpPr>
+        <p:spPr/>
+        <p:txBody>
+          <a:bodyPr/>
+          <a:p>
+            <a:fld id="{43AD90EB-CD13-4E40-B491-9B21A26021E7}" type="datetime1">
+              <a:rPr lang="en-US"/>
+              <a:t>12/09/2022</a:t>
+            </a:fld>
+          </a:p>
+        </p:txBody>
+      </p:sp>
+    </p:spTree>
+  </p:cSld>
+  <mc:AlternateContent>
+    <mc:Choice Requires="p14">
+      <p:transition spd="slow" p14:dur="2000"/>
+    </mc:Choice>
+    <mc:Fallback>
+      <p:transition spd="slow"/>
+    </mc:Fallback>
+  </mc:AlternateContent>
+</p:sld>
+</file>
+
+<file path=ppt/slides/slide9.xml><?xml version="1.0" encoding="utf-8"?>
+<p:sld xmlns:a="http://schemas.openxmlformats.org/drawingml/2006/main" xmlns:p="http://schemas.openxmlformats.org/presentationml/2006/main" xmlns:r="http://schemas.openxmlformats.org/officeDocument/2006/relationships" xmlns:p14="http://schemas.microsoft.com/office/powerpoint/2010/main" xmlns:p15="http://schemas.microsoft.com/office/powerpoint/2012/main" xmlns:mc="http://schemas.openxmlformats.org/markup-compatibility/2006">
+  <p:cSld>
+    <p:spTree>
+      <p:nvGrpSpPr>
+        <p:cNvPr id="1" name=""/>
+        <p:cNvGrpSpPr/>
+        <p:nvPr/>
+      </p:nvGrpSpPr>
+      <p:grpSpPr>
+        <a:xfrm>
+          <a:off x="0" y="0"/>
+          <a:ext cx="0" cy="0"/>
+          <a:chOff x="0" y="0"/>
+          <a:chExt cx="0" cy="0"/>
+        </a:xfrm>
+      </p:grpSpPr>
+      <p:pic>
+        <p:nvPicPr>
+          <p:cNvPr id="69" name="" descr=""/>
+          <p:cNvPicPr/>
+          <p:nvPr/>
+        </p:nvPicPr>
+        <p:blipFill>
+          <a:blip r:embed="rId1"/>
+          <a:stretch/>
+        </p:blipFill>
+        <p:spPr>
+          <a:xfrm>
+            <a:off x="1791000" y="2374560"/>
+            <a:ext cx="5752440" cy="4025880"/>
+          </a:xfrm>
+          <a:prstGeom prst="rect">
+            <a:avLst/>
+          </a:prstGeom>
+          <a:ln w="0">
+            <a:noFill/>
+          </a:ln>
+        </p:spPr>
+      </p:pic>
+      <p:sp>
+        <p:nvSpPr>
+          <p:cNvPr id="70" name="PlaceHolder 1"/>
+          <p:cNvSpPr>
+            <a:spLocks noGrp="1"/>
+          </p:cNvSpPr>
+          <p:nvPr>
+            <p:ph type="title"/>
+          </p:nvPr>
+        </p:nvSpPr>
+        <p:spPr>
+          <a:xfrm>
+            <a:off x="0" y="2520"/>
+            <a:ext cx="9140400" cy="761040"/>
+          </a:xfrm>
+          <a:prstGeom prst="rect">
+            <a:avLst/>
+          </a:prstGeom>
+          <a:gradFill rotWithShape="0">
+            <a:gsLst>
+              <a:gs pos="0">
+                <a:srgbClr val="bf0000"/>
+              </a:gs>
+              <a:gs pos="100000">
+                <a:srgbClr val="710000"/>
+              </a:gs>
+            </a:gsLst>
+            <a:lin ang="8100000"/>
+          </a:gradFill>
+          <a:ln w="0">
+            <a:noFill/>
+          </a:ln>
+        </p:spPr>
+        <p:txBody>
+          <a:bodyPr lIns="0" rIns="0" tIns="0" bIns="0" anchor="ctr">
+            <a:normAutofit/>
+          </a:bodyPr>
+          <a:p>
+            <a:pPr>
+              <a:lnSpc>
+                <a:spcPct val="100000"/>
+              </a:lnSpc>
+              <a:buNone/>
+            </a:pPr>
+            <a:r>
+              <a:rPr b="1" lang="en-US" sz="4000" spc="-1" strike="noStrike">
+                <a:solidFill>
+                  <a:srgbClr val="ffff00"/>
+                </a:solidFill>
+                <a:latin typeface="Calibri"/>
+              </a:rPr>
+              <a:t>002.3 Loop Validation Layer</a:t>
+            </a:r>
+            <a:endParaRPr b="0" lang="en-US" sz="4000" spc="-1" strike="noStrike">
+              <a:latin typeface="Arial"/>
+            </a:endParaRPr>
+          </a:p>
+        </p:txBody>
+      </p:sp>
+      <p:sp>
+        <p:nvSpPr>
+          <p:cNvPr id="71" name="PlaceHolder 2"/>
+          <p:cNvSpPr>
+            <a:spLocks noGrp="1"/>
+          </p:cNvSpPr>
+          <p:nvPr>
+            <p:ph type="subTitle"/>
+          </p:nvPr>
+        </p:nvSpPr>
+        <p:spPr>
+          <a:xfrm>
+            <a:off x="467640" y="1371600"/>
+            <a:ext cx="8218800" cy="685440"/>
+          </a:xfrm>
+          <a:prstGeom prst="rect">
+            <a:avLst/>
+          </a:prstGeom>
+          <a:solidFill>
+            <a:srgbClr val="ffffff"/>
+          </a:solidFill>
+          <a:ln w="25560">
+            <a:solidFill>
+              <a:srgbClr val="c00000"/>
+            </a:solidFill>
+            <a:round/>
+          </a:ln>
+        </p:spPr>
+        <p:txBody>
+          <a:bodyPr lIns="0" rIns="0" tIns="0" bIns="0" anchor="t">
+            <a:noAutofit/>
+          </a:bodyPr>
+          <a:p>
+            <a:pPr marL="343080" indent="-343080">
+              <a:lnSpc>
+                <a:spcPct val="100000"/>
+              </a:lnSpc>
+              <a:spcBef>
+                <a:spcPts val="360"/>
+              </a:spcBef>
+              <a:buClr>
+                <a:srgbClr val="0070c0"/>
+              </a:buClr>
+              <a:buSzPct val="80000"/>
+              <a:buFont typeface="Wingdings" charset="2"/>
+              <a:buChar char=""/>
+            </a:pPr>
+            <a:r>
+              <a:rPr b="1" lang="en-US" sz="1800" spc="-1" strike="noStrike">
+                <a:solidFill>
+                  <a:srgbClr val="2d2d2d"/>
+                </a:solidFill>
+                <a:latin typeface="Calibri"/>
+              </a:rPr>
+              <a:t>Loop for Validation Layer</a:t>
+            </a:r>
+            <a:endParaRPr b="0" lang="en-US" sz="1800" spc="-1" strike="noStrike">
+              <a:latin typeface="Arial"/>
+            </a:endParaRPr>
+          </a:p>
+          <a:p>
+            <a:pPr marL="343080" indent="-343080">
+              <a:lnSpc>
+                <a:spcPct val="100000"/>
+              </a:lnSpc>
+              <a:spcBef>
+                <a:spcPts val="360"/>
+              </a:spcBef>
+              <a:buClr>
+                <a:srgbClr val="0070c0"/>
+              </a:buClr>
+              <a:buSzPct val="80000"/>
+              <a:buFont typeface="Wingdings" charset="2"/>
+              <a:buChar char=""/>
+            </a:pPr>
+            <a:r>
+              <a:rPr b="0" lang="en-US" sz="1800" spc="-1" strike="noStrike">
+                <a:solidFill>
+                  <a:srgbClr val="2d2d2d"/>
+                </a:solidFill>
+                <a:latin typeface="Calibri"/>
+              </a:rPr>
+              <a:t>Check all the layer name is existed or not.</a:t>
+            </a:r>
+            <a:endParaRPr b="0" lang="en-US" sz="1800" spc="-1" strike="noStrike">
+              <a:latin typeface="Arial"/>
+            </a:endParaRPr>
+          </a:p>
+        </p:txBody>
+      </p:sp>
+      <p:sp>
+        <p:nvSpPr>
+          <p:cNvPr id="72" name="標題 3"/>
+          <p:cNvSpPr/>
+          <p:nvPr/>
+        </p:nvSpPr>
+        <p:spPr>
+          <a:xfrm>
+            <a:off x="0" y="764640"/>
+            <a:ext cx="9140400" cy="356400"/>
+          </a:xfrm>
+          <a:prstGeom prst="rect">
+            <a:avLst/>
+          </a:prstGeom>
+          <a:gradFill rotWithShape="0">
+            <a:gsLst>
+              <a:gs pos="0">
+                <a:srgbClr val="00afef"/>
+              </a:gs>
+              <a:gs pos="100000">
+                <a:srgbClr val="00688e"/>
+              </a:gs>
+            </a:gsLst>
+            <a:lin ang="8100000"/>
+          </a:gradFill>
+          <a:ln w="0">
+            <a:noFill/>
+          </a:ln>
+        </p:spPr>
+        <p:style>
+          <a:lnRef idx="0"/>
+          <a:fillRef idx="0"/>
+          <a:effectRef idx="0"/>
+          <a:fontRef idx="minor"/>
+        </p:style>
+        <p:txBody>
+          <a:bodyPr lIns="90000" rIns="90000" tIns="45000" bIns="45000" anchor="ctr">
+            <a:normAutofit fontScale="97000"/>
+          </a:bodyPr>
+          <a:p>
+            <a:pPr>
+              <a:lnSpc>
+                <a:spcPct val="100000"/>
+              </a:lnSpc>
+              <a:buNone/>
+            </a:pPr>
+            <a:r>
+              <a:rPr b="0" lang="en-US" sz="1800" spc="-1" strike="noStrike">
+                <a:solidFill>
+                  <a:srgbClr val="000000"/>
+                </a:solidFill>
+                <a:latin typeface="Calibri"/>
+                <a:ea typeface="DejaVu Sans"/>
+              </a:rPr>
+              <a:t>https://vulkan-tutorial.com/Development_environment#page_Linux</a:t>
+            </a:r>
+            <a:endParaRPr b="0" lang="en-US" sz="1800" spc="-1" strike="noStrike">
+              <a:latin typeface="Arial"/>
+            </a:endParaRPr>
+          </a:p>
+        </p:txBody>
+      </p:sp>
+      <p:sp>
+        <p:nvSpPr>
+          <p:cNvPr id="73" name=""/>
+          <p:cNvSpPr/>
+          <p:nvPr/>
+        </p:nvSpPr>
+        <p:spPr>
+          <a:xfrm>
+            <a:off x="2476800" y="3746160"/>
+            <a:ext cx="4733640" cy="1828440"/>
+          </a:xfrm>
+          <a:prstGeom prst="rect">
+            <a:avLst/>
+          </a:prstGeom>
+          <a:noFill/>
+          <a:ln w="0">
+            <a:solidFill>
+              <a:srgbClr val="bf0041"/>
+            </a:solidFill>
+          </a:ln>
+        </p:spPr>
+        <p:style>
+          <a:lnRef idx="0"/>
+          <a:fillRef idx="0"/>
+          <a:effectRef idx="0"/>
+          <a:fontRef idx="minor"/>
+        </p:style>
+      </p:sp>
+      <p:sp>
+        <p:nvSpPr>
+          <p:cNvPr id="4" name="PlaceHolder 3"/>
+          <p:cNvSpPr>
+            <a:spLocks noGrp="1"/>
+          </p:cNvSpPr>
+          <p:nvPr>
+            <p:ph type="sldNum" idx="2"/>
+          </p:nvPr>
+        </p:nvSpPr>
+        <p:spPr/>
+        <p:txBody>
+          <a:bodyPr/>
+          <a:p>
+            <a:fld id="{AE69F024-AE37-4F14-A241-8A624D00FEE7}" type="slidenum">
+              <a:t>9</a:t>
+            </a:fld>
+          </a:p>
+        </p:txBody>
+      </p:sp>
+      <p:sp>
+        <p:nvSpPr>
+          <p:cNvPr id="5" name="PlaceHolder 4"/>
+          <p:cNvSpPr>
+            <a:spLocks noGrp="1"/>
+          </p:cNvSpPr>
+          <p:nvPr>
+            <p:ph type="dt" idx="3"/>
+          </p:nvPr>
+        </p:nvSpPr>
+        <p:spPr/>
+        <p:txBody>
+          <a:bodyPr/>
+          <a:p>
+            <a:fld id="{DA80F400-4466-41A0-9D51-A04A4A0B3979}" type="datetime1">
+              <a:rPr lang="en-US"/>
+              <a:t>12/09/2022</a:t>
             </a:fld>
           </a:p>
         </p:txBody>
